--- a/source/Samples/Project Documentation/Improve_Samples_And_Documentation_For_SDR_Representation(SDR To Bitmap)_Team_PY.pptx
+++ b/source/Samples/Project Documentation/Improve_Samples_And_Documentation_For_SDR_Representation(SDR To Bitmap)_Team_PY.pptx
@@ -16,14 +16,14 @@
     <p:sldId id="340" r:id="rId7"/>
     <p:sldId id="341" r:id="rId8"/>
     <p:sldId id="343" r:id="rId9"/>
-    <p:sldId id="342" r:id="rId10"/>
-    <p:sldId id="344" r:id="rId11"/>
-    <p:sldId id="345" r:id="rId12"/>
-    <p:sldId id="346" r:id="rId13"/>
-    <p:sldId id="347" r:id="rId14"/>
-    <p:sldId id="348" r:id="rId15"/>
-    <p:sldId id="349" r:id="rId16"/>
-    <p:sldId id="350" r:id="rId17"/>
+    <p:sldId id="345" r:id="rId10"/>
+    <p:sldId id="346" r:id="rId11"/>
+    <p:sldId id="347" r:id="rId12"/>
+    <p:sldId id="348" r:id="rId13"/>
+    <p:sldId id="349" r:id="rId14"/>
+    <p:sldId id="350" r:id="rId15"/>
+    <p:sldId id="342" r:id="rId16"/>
+    <p:sldId id="344" r:id="rId17"/>
     <p:sldId id="351" r:id="rId18"/>
     <p:sldId id="352" r:id="rId19"/>
     <p:sldId id="353" r:id="rId20"/>
@@ -296,6 +296,11 @@
       </a:defRPr>
     </a:lvl9pPr>
   </p:defaultTextStyle>
+  <p:extLst>
+    <p:ext uri="{EFAFB233-063F-42B5-8137-9DF3F51BA10A}">
+      <p15:sldGuideLst xmlns:p15="http://schemas.microsoft.com/office/powerpoint/2012/main"/>
+    </p:ext>
+  </p:extLst>
 </p:presentation>
 </file>
 
@@ -943,7 +948,7 @@
     </p:spTree>
     <p:extLst>
       <p:ext uri="{BB962C8B-B14F-4D97-AF65-F5344CB8AC3E}">
-        <p14:creationId xmlns:p14="http://schemas.microsoft.com/office/powerpoint/2010/main" val="3956623843"/>
+        <p14:creationId xmlns:p14="http://schemas.microsoft.com/office/powerpoint/2010/main" val="4000626707"/>
       </p:ext>
     </p:extLst>
   </p:cSld>
@@ -1052,7 +1057,7 @@
     </p:spTree>
     <p:extLst>
       <p:ext uri="{BB962C8B-B14F-4D97-AF65-F5344CB8AC3E}">
-        <p14:creationId xmlns:p14="http://schemas.microsoft.com/office/powerpoint/2010/main" val="2100343488"/>
+        <p14:creationId xmlns:p14="http://schemas.microsoft.com/office/powerpoint/2010/main" val="2749578990"/>
       </p:ext>
     </p:extLst>
   </p:cSld>
@@ -1161,7 +1166,7 @@
     </p:spTree>
     <p:extLst>
       <p:ext uri="{BB962C8B-B14F-4D97-AF65-F5344CB8AC3E}">
-        <p14:creationId xmlns:p14="http://schemas.microsoft.com/office/powerpoint/2010/main" val="4000626707"/>
+        <p14:creationId xmlns:p14="http://schemas.microsoft.com/office/powerpoint/2010/main" val="3349194033"/>
       </p:ext>
     </p:extLst>
   </p:cSld>
@@ -1270,7 +1275,7 @@
     </p:spTree>
     <p:extLst>
       <p:ext uri="{BB962C8B-B14F-4D97-AF65-F5344CB8AC3E}">
-        <p14:creationId xmlns:p14="http://schemas.microsoft.com/office/powerpoint/2010/main" val="2749578990"/>
+        <p14:creationId xmlns:p14="http://schemas.microsoft.com/office/powerpoint/2010/main" val="1354690320"/>
       </p:ext>
     </p:extLst>
   </p:cSld>
@@ -1379,7 +1384,7 @@
     </p:spTree>
     <p:extLst>
       <p:ext uri="{BB962C8B-B14F-4D97-AF65-F5344CB8AC3E}">
-        <p14:creationId xmlns:p14="http://schemas.microsoft.com/office/powerpoint/2010/main" val="3349194033"/>
+        <p14:creationId xmlns:p14="http://schemas.microsoft.com/office/powerpoint/2010/main" val="2009582117"/>
       </p:ext>
     </p:extLst>
   </p:cSld>
@@ -1488,7 +1493,7 @@
     </p:spTree>
     <p:extLst>
       <p:ext uri="{BB962C8B-B14F-4D97-AF65-F5344CB8AC3E}">
-        <p14:creationId xmlns:p14="http://schemas.microsoft.com/office/powerpoint/2010/main" val="1354690320"/>
+        <p14:creationId xmlns:p14="http://schemas.microsoft.com/office/powerpoint/2010/main" val="2715068301"/>
       </p:ext>
     </p:extLst>
   </p:cSld>
@@ -1597,7 +1602,7 @@
     </p:spTree>
     <p:extLst>
       <p:ext uri="{BB962C8B-B14F-4D97-AF65-F5344CB8AC3E}">
-        <p14:creationId xmlns:p14="http://schemas.microsoft.com/office/powerpoint/2010/main" val="2009582117"/>
+        <p14:creationId xmlns:p14="http://schemas.microsoft.com/office/powerpoint/2010/main" val="3956623843"/>
       </p:ext>
     </p:extLst>
   </p:cSld>
@@ -2989,7 +2994,7 @@
     </p:spTree>
     <p:extLst>
       <p:ext uri="{BB962C8B-B14F-4D97-AF65-F5344CB8AC3E}">
-        <p14:creationId xmlns:p14="http://schemas.microsoft.com/office/powerpoint/2010/main" val="2715068301"/>
+        <p14:creationId xmlns:p14="http://schemas.microsoft.com/office/powerpoint/2010/main" val="2100343488"/>
       </p:ext>
     </p:extLst>
   </p:cSld>
@@ -13184,6 +13189,1526 @@
 <file path=ppt/slides/slide10.xml><?xml version="1.0" encoding="utf-8"?>
 <p:sld xmlns:a="http://schemas.openxmlformats.org/drawingml/2006/main" xmlns:r="http://schemas.openxmlformats.org/officeDocument/2006/relationships" xmlns:p="http://schemas.openxmlformats.org/presentationml/2006/main">
   <p:cSld>
+    <p:spTree>
+      <p:nvGrpSpPr>
+        <p:cNvPr id="1" name="Shape 656"/>
+        <p:cNvGrpSpPr/>
+        <p:nvPr/>
+      </p:nvGrpSpPr>
+      <p:grpSpPr>
+        <a:xfrm>
+          <a:off x="0" y="0"/>
+          <a:ext cx="0" cy="0"/>
+          <a:chOff x="0" y="0"/>
+          <a:chExt cx="0" cy="0"/>
+        </a:xfrm>
+      </p:grpSpPr>
+      <p:sp>
+        <p:nvSpPr>
+          <p:cNvPr id="674" name="Google Shape;674;p64"/>
+          <p:cNvSpPr txBox="1">
+            <a:spLocks noGrp="1"/>
+          </p:cNvSpPr>
+          <p:nvPr>
+            <p:ph type="title"/>
+          </p:nvPr>
+        </p:nvSpPr>
+        <p:spPr>
+          <a:xfrm>
+            <a:off x="720000" y="308516"/>
+            <a:ext cx="7704000" cy="572700"/>
+          </a:xfrm>
+          <a:prstGeom prst="rect">
+            <a:avLst/>
+          </a:prstGeom>
+        </p:spPr>
+        <p:txBody>
+          <a:bodyPr spcFirstLastPara="1" wrap="square" lIns="91425" tIns="91425" rIns="91425" bIns="91425" anchor="t" anchorCtr="0">
+            <a:noAutofit/>
+          </a:bodyPr>
+          <a:lstStyle/>
+          <a:p>
+            <a:pPr marL="0" lvl="0" indent="0" algn="ctr">
+              <a:buClr>
+                <a:srgbClr val="191919"/>
+              </a:buClr>
+              <a:buSzPts val="5200"/>
+            </a:pPr>
+            <a:r>
+              <a:rPr lang="en-IN" sz="2400" dirty="0">
+                <a:latin typeface="Bookman Old Style" panose="02050604050505020204" pitchFamily="18" charset="0"/>
+                <a:ea typeface="Calibri" panose="020F0502020204030204" pitchFamily="34" charset="0"/>
+                <a:cs typeface="Arial" panose="020B0604020202020204" pitchFamily="34" charset="0"/>
+              </a:rPr>
+              <a:t>SDR Generation Using Scalar Encoder</a:t>
+            </a:r>
+            <a:endParaRPr sz="2400" dirty="0">
+              <a:latin typeface="Bookman Old Style" panose="02050604050505020204" pitchFamily="18" charset="0"/>
+              <a:ea typeface="Calibri" panose="020F0502020204030204" pitchFamily="34" charset="0"/>
+              <a:cs typeface="Arial" panose="020B0604020202020204" pitchFamily="34" charset="0"/>
+            </a:endParaRPr>
+          </a:p>
+        </p:txBody>
+      </p:sp>
+      <p:sp>
+        <p:nvSpPr>
+          <p:cNvPr id="4" name="Rectangle 3">
+            <a:extLst>
+              <a:ext uri="{FF2B5EF4-FFF2-40B4-BE49-F238E27FC236}">
+                <a16:creationId xmlns:a16="http://schemas.microsoft.com/office/drawing/2014/main" id="{58250C4E-0497-B5C8-ECAF-289A12643488}"/>
+              </a:ext>
+            </a:extLst>
+          </p:cNvPr>
+          <p:cNvSpPr>
+            <a:spLocks noChangeArrowheads="1"/>
+          </p:cNvSpPr>
+          <p:nvPr/>
+        </p:nvSpPr>
+        <p:spPr bwMode="auto">
+          <a:xfrm>
+            <a:off x="423001" y="903779"/>
+            <a:ext cx="8335237" cy="2462213"/>
+          </a:xfrm>
+          <a:prstGeom prst="rect">
+            <a:avLst/>
+          </a:prstGeom>
+          <a:noFill/>
+          <a:ln>
+            <a:noFill/>
+          </a:ln>
+          <a:effectLst/>
+        </p:spPr>
+        <p:txBody>
+          <a:bodyPr vert="horz" wrap="square" lIns="91440" tIns="45720" rIns="91440" bIns="45720" numCol="1" anchor="ctr" anchorCtr="0" compatLnSpc="1">
+            <a:prstTxWarp prst="textNoShape">
+              <a:avLst/>
+            </a:prstTxWarp>
+            <a:spAutoFit/>
+          </a:bodyPr>
+          <a:lstStyle/>
+          <a:p>
+            <a:pPr algn="l">
+              <a:buClr>
+                <a:schemeClr val="bg1"/>
+              </a:buClr>
+            </a:pPr>
+            <a:r>
+              <a:rPr lang="en-DE" b="1" dirty="0">
+                <a:solidFill>
+                  <a:srgbClr val="ECECEC"/>
+                </a:solidFill>
+                <a:latin typeface="Times New Roman" panose="02020603050405020304" pitchFamily="18" charset="0"/>
+                <a:cs typeface="Times New Roman" panose="02020603050405020304" pitchFamily="18" charset="0"/>
+              </a:rPr>
+              <a:t>Example</a:t>
+            </a:r>
+            <a:endParaRPr lang="en-US" b="0" i="0" dirty="0">
+              <a:solidFill>
+                <a:srgbClr val="ECECEC"/>
+              </a:solidFill>
+              <a:effectLst/>
+              <a:latin typeface="Times New Roman" panose="02020603050405020304" pitchFamily="18" charset="0"/>
+              <a:cs typeface="Times New Roman" panose="02020603050405020304" pitchFamily="18" charset="0"/>
+            </a:endParaRPr>
+          </a:p>
+          <a:p>
+            <a:pPr algn="just"/>
+            <a:r>
+              <a:rPr lang="en-US" dirty="0">
+                <a:solidFill>
+                  <a:srgbClr val="ECECEC"/>
+                </a:solidFill>
+                <a:latin typeface="Times New Roman" panose="02020603050405020304" pitchFamily="18" charset="0"/>
+                <a:cs typeface="Times New Roman" panose="02020603050405020304" pitchFamily="18" charset="0"/>
+              </a:rPr>
+              <a:t>Scalar In this example, the value of N is set 20 while initializing the encoding parameters for the encoder. So, the size of SDR which is saved in result1 is 20.</a:t>
+            </a:r>
+            <a:endParaRPr lang="en-DE" dirty="0">
+              <a:solidFill>
+                <a:srgbClr val="ECECEC"/>
+              </a:solidFill>
+              <a:latin typeface="Times New Roman" panose="02020603050405020304" pitchFamily="18" charset="0"/>
+              <a:cs typeface="Times New Roman" panose="02020603050405020304" pitchFamily="18" charset="0"/>
+            </a:endParaRPr>
+          </a:p>
+          <a:p>
+            <a:pPr algn="just"/>
+            <a:r>
+              <a:rPr lang="en-US" dirty="0">
+                <a:solidFill>
+                  <a:srgbClr val="ECECEC"/>
+                </a:solidFill>
+                <a:latin typeface="Times New Roman" panose="02020603050405020304" pitchFamily="18" charset="0"/>
+                <a:cs typeface="Times New Roman" panose="02020603050405020304" pitchFamily="18" charset="0"/>
+              </a:rPr>
+              <a:t>As this value is then converted to 2-D Array, hence 20 is pa</a:t>
+            </a:r>
+            <a:r>
+              <a:rPr lang="en-DE" dirty="0">
+                <a:solidFill>
+                  <a:srgbClr val="ECECEC"/>
+                </a:solidFill>
+                <a:latin typeface="Times New Roman" panose="02020603050405020304" pitchFamily="18" charset="0"/>
+                <a:cs typeface="Times New Roman" panose="02020603050405020304" pitchFamily="18" charset="0"/>
+              </a:rPr>
+              <a:t>s</a:t>
+            </a:r>
+            <a:r>
+              <a:rPr lang="en-US" dirty="0">
+                <a:solidFill>
+                  <a:srgbClr val="ECECEC"/>
+                </a:solidFill>
+                <a:latin typeface="Times New Roman" panose="02020603050405020304" pitchFamily="18" charset="0"/>
+                <a:cs typeface="Times New Roman" panose="02020603050405020304" pitchFamily="18" charset="0"/>
+              </a:rPr>
+              <a:t>sed to the (int) Math.Sqrt(result1.Length) and (int) Math.Sqrt(result1.Length) This becomes (int) Math.Sqrt(20) = 4 and (int) Math.Sqrt(20) = 4</a:t>
+            </a:r>
+          </a:p>
+          <a:p>
+            <a:pPr algn="just"/>
+            <a:r>
+              <a:rPr lang="en-US" dirty="0">
+                <a:solidFill>
+                  <a:srgbClr val="ECECEC"/>
+                </a:solidFill>
+                <a:latin typeface="Times New Roman" panose="02020603050405020304" pitchFamily="18" charset="0"/>
+                <a:cs typeface="Times New Roman" panose="02020603050405020304" pitchFamily="18" charset="0"/>
+              </a:rPr>
+              <a:t>These results are then transposed and passed to the DrawBitmap method. In this method In this method</a:t>
+            </a:r>
+          </a:p>
+          <a:p>
+            <a:pPr marL="285750" indent="-285750" algn="just">
+              <a:buClr>
+                <a:schemeClr val="bg1"/>
+              </a:buClr>
+              <a:buFont typeface="Arial" panose="020B0604020202020204" pitchFamily="34" charset="0"/>
+              <a:buChar char="•"/>
+            </a:pPr>
+            <a:r>
+              <a:rPr lang="en-US" dirty="0">
+                <a:solidFill>
+                  <a:srgbClr val="ECECEC"/>
+                </a:solidFill>
+                <a:latin typeface="Times New Roman" panose="02020603050405020304" pitchFamily="18" charset="0"/>
+                <a:cs typeface="Times New Roman" panose="02020603050405020304" pitchFamily="18" charset="0"/>
+              </a:rPr>
+              <a:t>Height and Width of the Bit Map is set to 1024.</a:t>
+            </a:r>
+          </a:p>
+          <a:p>
+            <a:pPr marL="285750" indent="-285750" algn="just">
+              <a:buClr>
+                <a:schemeClr val="bg1"/>
+              </a:buClr>
+              <a:buFont typeface="Arial" panose="020B0604020202020204" pitchFamily="34" charset="0"/>
+              <a:buChar char="•"/>
+            </a:pPr>
+            <a:r>
+              <a:rPr lang="en-US" dirty="0">
+                <a:solidFill>
+                  <a:srgbClr val="ECECEC"/>
+                </a:solidFill>
+                <a:latin typeface="Times New Roman" panose="02020603050405020304" pitchFamily="18" charset="0"/>
+                <a:cs typeface="Times New Roman" panose="02020603050405020304" pitchFamily="18" charset="0"/>
+              </a:rPr>
+              <a:t>The Path to the output folder is also mentioned. The generated Bit Maps will be saved in this folder.</a:t>
+            </a:r>
+          </a:p>
+          <a:p>
+            <a:pPr marL="285750" indent="-285750" algn="just">
+              <a:buClr>
+                <a:schemeClr val="bg1"/>
+              </a:buClr>
+              <a:buFont typeface="Arial" panose="020B0604020202020204" pitchFamily="34" charset="0"/>
+              <a:buChar char="•"/>
+            </a:pPr>
+            <a:r>
+              <a:rPr lang="en-US" dirty="0">
+                <a:solidFill>
+                  <a:srgbClr val="ECECEC"/>
+                </a:solidFill>
+                <a:latin typeface="Times New Roman" panose="02020603050405020304" pitchFamily="18" charset="0"/>
+                <a:cs typeface="Times New Roman" panose="02020603050405020304" pitchFamily="18" charset="0"/>
+              </a:rPr>
+              <a:t>An active bit in the SDR is represented by Dark Orange color and an inactive bit is represented by Yellow color.</a:t>
+            </a:r>
+          </a:p>
+          <a:p>
+            <a:pPr marL="285750" indent="-285750" algn="just">
+              <a:buClr>
+                <a:schemeClr val="bg1"/>
+              </a:buClr>
+              <a:buFont typeface="Arial" panose="020B0604020202020204" pitchFamily="34" charset="0"/>
+              <a:buChar char="•"/>
+            </a:pPr>
+            <a:r>
+              <a:rPr lang="en-US" dirty="0">
+                <a:solidFill>
+                  <a:srgbClr val="ECECEC"/>
+                </a:solidFill>
+                <a:latin typeface="Times New Roman" panose="02020603050405020304" pitchFamily="18" charset="0"/>
+                <a:cs typeface="Times New Roman" panose="02020603050405020304" pitchFamily="18" charset="0"/>
+              </a:rPr>
+              <a:t>We also see the value of </a:t>
+            </a:r>
+            <a:r>
+              <a:rPr lang="en-US" dirty="0" err="1">
+                <a:solidFill>
+                  <a:srgbClr val="ECECEC"/>
+                </a:solidFill>
+                <a:latin typeface="Times New Roman" panose="02020603050405020304" pitchFamily="18" charset="0"/>
+                <a:cs typeface="Times New Roman" panose="02020603050405020304" pitchFamily="18" charset="0"/>
+              </a:rPr>
+              <a:t>i</a:t>
+            </a:r>
+            <a:r>
+              <a:rPr lang="en-US" dirty="0">
+                <a:solidFill>
+                  <a:srgbClr val="ECECEC"/>
+                </a:solidFill>
+                <a:latin typeface="Times New Roman" panose="02020603050405020304" pitchFamily="18" charset="0"/>
+                <a:cs typeface="Times New Roman" panose="02020603050405020304" pitchFamily="18" charset="0"/>
+              </a:rPr>
+              <a:t> for which the Bit Map is generated in the top left corner of the Bit Map.</a:t>
+            </a:r>
+          </a:p>
+        </p:txBody>
+      </p:sp>
+      <p:pic>
+        <p:nvPicPr>
+          <p:cNvPr id="3" name="Picture 2">
+            <a:extLst>
+              <a:ext uri="{FF2B5EF4-FFF2-40B4-BE49-F238E27FC236}">
+                <a16:creationId xmlns:a16="http://schemas.microsoft.com/office/drawing/2014/main" id="{7C6E7C42-65D3-6F12-E4A4-53109087814E}"/>
+              </a:ext>
+            </a:extLst>
+          </p:cNvPr>
+          <p:cNvPicPr>
+            <a:picLocks noChangeAspect="1"/>
+          </p:cNvPicPr>
+          <p:nvPr/>
+        </p:nvPicPr>
+        <p:blipFill>
+          <a:blip r:embed="rId3"/>
+          <a:stretch>
+            <a:fillRect/>
+          </a:stretch>
+        </p:blipFill>
+        <p:spPr>
+          <a:xfrm>
+            <a:off x="554850" y="3439844"/>
+            <a:ext cx="7920000" cy="1395140"/>
+          </a:xfrm>
+          <a:prstGeom prst="rect">
+            <a:avLst/>
+          </a:prstGeom>
+        </p:spPr>
+      </p:pic>
+    </p:spTree>
+    <p:extLst>
+      <p:ext uri="{BB962C8B-B14F-4D97-AF65-F5344CB8AC3E}">
+        <p14:creationId xmlns:p14="http://schemas.microsoft.com/office/powerpoint/2010/main" val="248154622"/>
+      </p:ext>
+    </p:extLst>
+  </p:cSld>
+  <p:clrMapOvr>
+    <a:masterClrMapping/>
+  </p:clrMapOvr>
+</p:sld>
+</file>
+
+<file path=ppt/slides/slide11.xml><?xml version="1.0" encoding="utf-8"?>
+<p:sld xmlns:a="http://schemas.openxmlformats.org/drawingml/2006/main" xmlns:r="http://schemas.openxmlformats.org/officeDocument/2006/relationships" xmlns:p="http://schemas.openxmlformats.org/presentationml/2006/main">
+  <p:cSld>
+    <p:spTree>
+      <p:nvGrpSpPr>
+        <p:cNvPr id="1" name="Shape 656"/>
+        <p:cNvGrpSpPr/>
+        <p:nvPr/>
+      </p:nvGrpSpPr>
+      <p:grpSpPr>
+        <a:xfrm>
+          <a:off x="0" y="0"/>
+          <a:ext cx="0" cy="0"/>
+          <a:chOff x="0" y="0"/>
+          <a:chExt cx="0" cy="0"/>
+        </a:xfrm>
+      </p:grpSpPr>
+      <p:sp>
+        <p:nvSpPr>
+          <p:cNvPr id="674" name="Google Shape;674;p64"/>
+          <p:cNvSpPr txBox="1">
+            <a:spLocks noGrp="1"/>
+          </p:cNvSpPr>
+          <p:nvPr>
+            <p:ph type="title"/>
+          </p:nvPr>
+        </p:nvSpPr>
+        <p:spPr>
+          <a:xfrm>
+            <a:off x="423001" y="308516"/>
+            <a:ext cx="8000999" cy="572700"/>
+          </a:xfrm>
+          <a:prstGeom prst="rect">
+            <a:avLst/>
+          </a:prstGeom>
+        </p:spPr>
+        <p:txBody>
+          <a:bodyPr spcFirstLastPara="1" wrap="square" lIns="91425" tIns="91425" rIns="91425" bIns="91425" anchor="t" anchorCtr="0">
+            <a:noAutofit/>
+          </a:bodyPr>
+          <a:lstStyle/>
+          <a:p>
+            <a:pPr algn="ctr">
+              <a:buClr>
+                <a:srgbClr val="191919"/>
+              </a:buClr>
+              <a:buSzPts val="5200"/>
+            </a:pPr>
+            <a:r>
+              <a:rPr lang="en-IN" sz="2400" dirty="0">
+                <a:latin typeface="Bookman Old Style" panose="02050604050505020204" pitchFamily="18" charset="0"/>
+                <a:ea typeface="Calibri" panose="020F0502020204030204" pitchFamily="34" charset="0"/>
+                <a:cs typeface="Arial" panose="020B0604020202020204" pitchFamily="34" charset="0"/>
+              </a:rPr>
+              <a:t>SDR Generation Using </a:t>
+            </a:r>
+            <a:r>
+              <a:rPr lang="en-DE" sz="2400" dirty="0">
+                <a:latin typeface="Bookman Old Style" panose="02050604050505020204" pitchFamily="18" charset="0"/>
+                <a:ea typeface="Calibri" panose="020F0502020204030204" pitchFamily="34" charset="0"/>
+                <a:cs typeface="Arial" panose="020B0604020202020204" pitchFamily="34" charset="0"/>
+              </a:rPr>
+              <a:t>DateTime</a:t>
+            </a:r>
+            <a:r>
+              <a:rPr lang="en-IN" sz="2400" dirty="0">
+                <a:latin typeface="Bookman Old Style" panose="02050604050505020204" pitchFamily="18" charset="0"/>
+                <a:ea typeface="Calibri" panose="020F0502020204030204" pitchFamily="34" charset="0"/>
+                <a:cs typeface="Arial" panose="020B0604020202020204" pitchFamily="34" charset="0"/>
+              </a:rPr>
+              <a:t> Encoder</a:t>
+            </a:r>
+            <a:endParaRPr sz="2400" dirty="0">
+              <a:latin typeface="Bookman Old Style" panose="02050604050505020204" pitchFamily="18" charset="0"/>
+              <a:ea typeface="Calibri" panose="020F0502020204030204" pitchFamily="34" charset="0"/>
+              <a:cs typeface="Arial" panose="020B0604020202020204" pitchFamily="34" charset="0"/>
+            </a:endParaRPr>
+          </a:p>
+        </p:txBody>
+      </p:sp>
+      <p:sp>
+        <p:nvSpPr>
+          <p:cNvPr id="4" name="Rectangle 3">
+            <a:extLst>
+              <a:ext uri="{FF2B5EF4-FFF2-40B4-BE49-F238E27FC236}">
+                <a16:creationId xmlns:a16="http://schemas.microsoft.com/office/drawing/2014/main" id="{58250C4E-0497-B5C8-ECAF-289A12643488}"/>
+              </a:ext>
+            </a:extLst>
+          </p:cNvPr>
+          <p:cNvSpPr>
+            <a:spLocks noChangeArrowheads="1"/>
+          </p:cNvSpPr>
+          <p:nvPr/>
+        </p:nvSpPr>
+        <p:spPr bwMode="auto">
+          <a:xfrm>
+            <a:off x="505153" y="1491162"/>
+            <a:ext cx="8000999" cy="1815882"/>
+          </a:xfrm>
+          <a:prstGeom prst="rect">
+            <a:avLst/>
+          </a:prstGeom>
+          <a:noFill/>
+          <a:ln>
+            <a:noFill/>
+          </a:ln>
+          <a:effectLst/>
+        </p:spPr>
+        <p:txBody>
+          <a:bodyPr vert="horz" wrap="square" lIns="91440" tIns="45720" rIns="91440" bIns="45720" numCol="1" anchor="ctr" anchorCtr="0" compatLnSpc="1">
+            <a:prstTxWarp prst="textNoShape">
+              <a:avLst/>
+            </a:prstTxWarp>
+            <a:spAutoFit/>
+          </a:bodyPr>
+          <a:lstStyle/>
+          <a:p>
+            <a:pPr marL="285750" indent="-285750" algn="l">
+              <a:buClr>
+                <a:schemeClr val="bg1"/>
+              </a:buClr>
+              <a:buFont typeface="Arial" panose="020B0604020202020204" pitchFamily="34" charset="0"/>
+              <a:buChar char="•"/>
+            </a:pPr>
+            <a:r>
+              <a:rPr lang="en-DE" b="1" dirty="0">
+                <a:solidFill>
+                  <a:srgbClr val="ECECEC"/>
+                </a:solidFill>
+                <a:latin typeface="Times New Roman" panose="02020603050405020304" pitchFamily="18" charset="0"/>
+                <a:cs typeface="Times New Roman" panose="02020603050405020304" pitchFamily="18" charset="0"/>
+              </a:rPr>
+              <a:t>DateTime</a:t>
+            </a:r>
+            <a:r>
+              <a:rPr lang="en-DE" b="1" i="0" dirty="0">
+                <a:solidFill>
+                  <a:srgbClr val="ECECEC"/>
+                </a:solidFill>
+                <a:effectLst/>
+                <a:latin typeface="Times New Roman" panose="02020603050405020304" pitchFamily="18" charset="0"/>
+                <a:cs typeface="Times New Roman" panose="02020603050405020304" pitchFamily="18" charset="0"/>
+              </a:rPr>
+              <a:t> Encoder</a:t>
+            </a:r>
+          </a:p>
+          <a:p>
+            <a:pPr algn="l">
+              <a:buClr>
+                <a:schemeClr val="bg1"/>
+              </a:buClr>
+            </a:pPr>
+            <a:endParaRPr lang="en-US" b="0" i="0" dirty="0">
+              <a:solidFill>
+                <a:srgbClr val="ECECEC"/>
+              </a:solidFill>
+              <a:effectLst/>
+              <a:latin typeface="Times New Roman" panose="02020603050405020304" pitchFamily="18" charset="0"/>
+              <a:cs typeface="Times New Roman" panose="02020603050405020304" pitchFamily="18" charset="0"/>
+            </a:endParaRPr>
+          </a:p>
+          <a:p>
+            <a:pPr algn="just">
+              <a:buClr>
+                <a:schemeClr val="bg1"/>
+              </a:buClr>
+            </a:pPr>
+            <a:r>
+              <a:rPr lang="en-US" b="0" i="0" dirty="0">
+                <a:solidFill>
+                  <a:srgbClr val="ECECEC"/>
+                </a:solidFill>
+                <a:effectLst/>
+                <a:latin typeface="Times New Roman" panose="02020603050405020304" pitchFamily="18" charset="0"/>
+                <a:cs typeface="Times New Roman" panose="02020603050405020304" pitchFamily="18" charset="0"/>
+              </a:rPr>
+              <a:t>The DateTime Encoder serves as a crucial component for converting date and time information into Sparse Distributed Representations (SDRs). Initialized with specific settings such as width (W), number of bits (N), minimum and maximum values, periodicity, and padding, this encoder's Encode() method processes input date and time data, resulting in the generation of a one-dimensional array (1-D array) representing the Sparse Distributed Representation.</a:t>
+            </a:r>
+            <a:endParaRPr lang="en-DE" b="0" i="0" dirty="0">
+              <a:solidFill>
+                <a:srgbClr val="ECECEC"/>
+              </a:solidFill>
+              <a:effectLst/>
+              <a:latin typeface="Times New Roman" panose="02020603050405020304" pitchFamily="18" charset="0"/>
+              <a:cs typeface="Times New Roman" panose="02020603050405020304" pitchFamily="18" charset="0"/>
+            </a:endParaRPr>
+          </a:p>
+          <a:p>
+            <a:pPr algn="l">
+              <a:buClr>
+                <a:schemeClr val="bg1"/>
+              </a:buClr>
+            </a:pPr>
+            <a:endParaRPr lang="en-DE" b="0" i="0" dirty="0">
+              <a:solidFill>
+                <a:srgbClr val="ECECEC"/>
+              </a:solidFill>
+              <a:effectLst/>
+              <a:latin typeface="Times New Roman" panose="02020603050405020304" pitchFamily="18" charset="0"/>
+              <a:cs typeface="Times New Roman" panose="02020603050405020304" pitchFamily="18" charset="0"/>
+            </a:endParaRPr>
+          </a:p>
+        </p:txBody>
+      </p:sp>
+    </p:spTree>
+    <p:extLst>
+      <p:ext uri="{BB962C8B-B14F-4D97-AF65-F5344CB8AC3E}">
+        <p14:creationId xmlns:p14="http://schemas.microsoft.com/office/powerpoint/2010/main" val="718193031"/>
+      </p:ext>
+    </p:extLst>
+  </p:cSld>
+  <p:clrMapOvr>
+    <a:masterClrMapping/>
+  </p:clrMapOvr>
+</p:sld>
+</file>
+
+<file path=ppt/slides/slide12.xml><?xml version="1.0" encoding="utf-8"?>
+<p:sld xmlns:a="http://schemas.openxmlformats.org/drawingml/2006/main" xmlns:r="http://schemas.openxmlformats.org/officeDocument/2006/relationships" xmlns:p="http://schemas.openxmlformats.org/presentationml/2006/main">
+  <p:cSld>
+    <p:spTree>
+      <p:nvGrpSpPr>
+        <p:cNvPr id="1" name="Shape 656"/>
+        <p:cNvGrpSpPr/>
+        <p:nvPr/>
+      </p:nvGrpSpPr>
+      <p:grpSpPr>
+        <a:xfrm>
+          <a:off x="0" y="0"/>
+          <a:ext cx="0" cy="0"/>
+          <a:chOff x="0" y="0"/>
+          <a:chExt cx="0" cy="0"/>
+        </a:xfrm>
+      </p:grpSpPr>
+      <p:sp>
+        <p:nvSpPr>
+          <p:cNvPr id="674" name="Google Shape;674;p64"/>
+          <p:cNvSpPr txBox="1">
+            <a:spLocks noGrp="1"/>
+          </p:cNvSpPr>
+          <p:nvPr>
+            <p:ph type="title"/>
+          </p:nvPr>
+        </p:nvSpPr>
+        <p:spPr>
+          <a:xfrm>
+            <a:off x="415857" y="308516"/>
+            <a:ext cx="8328093" cy="572700"/>
+          </a:xfrm>
+          <a:prstGeom prst="rect">
+            <a:avLst/>
+          </a:prstGeom>
+        </p:spPr>
+        <p:txBody>
+          <a:bodyPr spcFirstLastPara="1" wrap="square" lIns="91425" tIns="91425" rIns="91425" bIns="91425" anchor="t" anchorCtr="0">
+            <a:noAutofit/>
+          </a:bodyPr>
+          <a:lstStyle/>
+          <a:p>
+            <a:pPr marL="0" lvl="0" indent="0" algn="ctr">
+              <a:buClr>
+                <a:srgbClr val="191919"/>
+              </a:buClr>
+              <a:buSzPts val="5200"/>
+            </a:pPr>
+            <a:r>
+              <a:rPr lang="en-IN" sz="2400" dirty="0">
+                <a:latin typeface="Bookman Old Style" panose="02050604050505020204" pitchFamily="18" charset="0"/>
+                <a:ea typeface="Calibri" panose="020F0502020204030204" pitchFamily="34" charset="0"/>
+                <a:cs typeface="Arial" panose="020B0604020202020204" pitchFamily="34" charset="0"/>
+              </a:rPr>
+              <a:t>SDR Generation Using </a:t>
+            </a:r>
+            <a:r>
+              <a:rPr lang="en-DE" sz="2400" dirty="0">
+                <a:latin typeface="Bookman Old Style" panose="02050604050505020204" pitchFamily="18" charset="0"/>
+                <a:ea typeface="Calibri" panose="020F0502020204030204" pitchFamily="34" charset="0"/>
+                <a:cs typeface="Arial" panose="020B0604020202020204" pitchFamily="34" charset="0"/>
+              </a:rPr>
+              <a:t>DateTime</a:t>
+            </a:r>
+            <a:r>
+              <a:rPr lang="en-IN" sz="2400" dirty="0">
+                <a:latin typeface="Bookman Old Style" panose="02050604050505020204" pitchFamily="18" charset="0"/>
+                <a:ea typeface="Calibri" panose="020F0502020204030204" pitchFamily="34" charset="0"/>
+                <a:cs typeface="Arial" panose="020B0604020202020204" pitchFamily="34" charset="0"/>
+              </a:rPr>
+              <a:t> Encoder</a:t>
+            </a:r>
+            <a:endParaRPr sz="2400" dirty="0">
+              <a:latin typeface="Bookman Old Style" panose="02050604050505020204" pitchFamily="18" charset="0"/>
+              <a:ea typeface="Calibri" panose="020F0502020204030204" pitchFamily="34" charset="0"/>
+              <a:cs typeface="Arial" panose="020B0604020202020204" pitchFamily="34" charset="0"/>
+            </a:endParaRPr>
+          </a:p>
+        </p:txBody>
+      </p:sp>
+      <p:sp>
+        <p:nvSpPr>
+          <p:cNvPr id="4" name="Rectangle 3">
+            <a:extLst>
+              <a:ext uri="{FF2B5EF4-FFF2-40B4-BE49-F238E27FC236}">
+                <a16:creationId xmlns:a16="http://schemas.microsoft.com/office/drawing/2014/main" id="{58250C4E-0497-B5C8-ECAF-289A12643488}"/>
+              </a:ext>
+            </a:extLst>
+          </p:cNvPr>
+          <p:cNvSpPr>
+            <a:spLocks noChangeArrowheads="1"/>
+          </p:cNvSpPr>
+          <p:nvPr/>
+        </p:nvSpPr>
+        <p:spPr bwMode="auto">
+          <a:xfrm>
+            <a:off x="415857" y="945510"/>
+            <a:ext cx="8328093" cy="2031325"/>
+          </a:xfrm>
+          <a:prstGeom prst="rect">
+            <a:avLst/>
+          </a:prstGeom>
+          <a:noFill/>
+          <a:ln>
+            <a:noFill/>
+          </a:ln>
+          <a:effectLst/>
+        </p:spPr>
+        <p:txBody>
+          <a:bodyPr vert="horz" wrap="square" lIns="91440" tIns="45720" rIns="91440" bIns="45720" numCol="1" anchor="ctr" anchorCtr="0" compatLnSpc="1">
+            <a:prstTxWarp prst="textNoShape">
+              <a:avLst/>
+            </a:prstTxWarp>
+            <a:spAutoFit/>
+          </a:bodyPr>
+          <a:lstStyle/>
+          <a:p>
+            <a:pPr marL="285750" indent="-285750" algn="l">
+              <a:buClr>
+                <a:schemeClr val="bg1"/>
+              </a:buClr>
+              <a:buFont typeface="Arial" panose="020B0604020202020204" pitchFamily="34" charset="0"/>
+              <a:buChar char="•"/>
+            </a:pPr>
+            <a:r>
+              <a:rPr lang="en-US" b="1" i="0" dirty="0">
+                <a:solidFill>
+                  <a:srgbClr val="ECECEC"/>
+                </a:solidFill>
+                <a:effectLst/>
+                <a:latin typeface="Times New Roman" panose="02020603050405020304" pitchFamily="18" charset="0"/>
+                <a:cs typeface="Times New Roman" panose="02020603050405020304" pitchFamily="18" charset="0"/>
+              </a:rPr>
+              <a:t>DrawBitmap Sample for </a:t>
+            </a:r>
+            <a:r>
+              <a:rPr lang="en-DE" b="1" dirty="0">
+                <a:solidFill>
+                  <a:srgbClr val="ECECEC"/>
+                </a:solidFill>
+                <a:latin typeface="Times New Roman" panose="02020603050405020304" pitchFamily="18" charset="0"/>
+                <a:cs typeface="Times New Roman" panose="02020603050405020304" pitchFamily="18" charset="0"/>
+              </a:rPr>
+              <a:t>DateTime</a:t>
+            </a:r>
+            <a:r>
+              <a:rPr lang="en-US" b="1" i="0" dirty="0">
+                <a:solidFill>
+                  <a:srgbClr val="ECECEC"/>
+                </a:solidFill>
+                <a:effectLst/>
+                <a:latin typeface="Times New Roman" panose="02020603050405020304" pitchFamily="18" charset="0"/>
+                <a:cs typeface="Times New Roman" panose="02020603050405020304" pitchFamily="18" charset="0"/>
+              </a:rPr>
+              <a:t> Encoder:</a:t>
+            </a:r>
+            <a:endParaRPr lang="en-US" b="0" i="0" dirty="0">
+              <a:solidFill>
+                <a:srgbClr val="ECECEC"/>
+              </a:solidFill>
+              <a:effectLst/>
+              <a:latin typeface="Times New Roman" panose="02020603050405020304" pitchFamily="18" charset="0"/>
+              <a:cs typeface="Times New Roman" panose="02020603050405020304" pitchFamily="18" charset="0"/>
+            </a:endParaRPr>
+          </a:p>
+          <a:p>
+            <a:pPr algn="just">
+              <a:buClr>
+                <a:schemeClr val="bg1"/>
+              </a:buClr>
+            </a:pPr>
+            <a:r>
+              <a:rPr lang="en-US" b="0" i="0" dirty="0">
+                <a:solidFill>
+                  <a:srgbClr val="ECECEC"/>
+                </a:solidFill>
+                <a:effectLst/>
+                <a:latin typeface="Times New Roman" panose="02020603050405020304" pitchFamily="18" charset="0"/>
+                <a:cs typeface="Times New Roman" panose="02020603050405020304" pitchFamily="18" charset="0"/>
+              </a:rPr>
+              <a:t>To visualize the generated SDRs, the bitmap representation is employed, facilitating the conversion of SDRs into a two-dimensional array (</a:t>
+            </a:r>
+            <a:r>
+              <a:rPr lang="en-US" b="0" i="0" dirty="0" err="1">
+                <a:solidFill>
+                  <a:srgbClr val="ECECEC"/>
+                </a:solidFill>
+                <a:effectLst/>
+                <a:latin typeface="Times New Roman" panose="02020603050405020304" pitchFamily="18" charset="0"/>
+                <a:cs typeface="Times New Roman" panose="02020603050405020304" pitchFamily="18" charset="0"/>
+              </a:rPr>
+              <a:t>twoDimArray</a:t>
+            </a:r>
+            <a:r>
+              <a:rPr lang="en-US" b="0" i="0" dirty="0">
+                <a:solidFill>
+                  <a:srgbClr val="ECECEC"/>
+                </a:solidFill>
+                <a:effectLst/>
+                <a:latin typeface="Times New Roman" panose="02020603050405020304" pitchFamily="18" charset="0"/>
+                <a:cs typeface="Times New Roman" panose="02020603050405020304" pitchFamily="18" charset="0"/>
+              </a:rPr>
+              <a:t>). The resultant SDRs can then be further visualized using tools like DrawBitmap(), which generates bitmap images from the SDRs. In a practical example, the 1-D array (result2) is converted into a 2-D array (twoDimenArray2), followed by the transposition of the 2-D array. This transposed array is then passed to the DrawBitmap method, where width and height are set to 1024 pixels. Additionally, inactive cells are represented in yellow, while active cells are depicted in black, providing a clear visual representation of the encoded date and time information.</a:t>
+            </a:r>
+          </a:p>
+          <a:p>
+            <a:pPr algn="l">
+              <a:buClr>
+                <a:schemeClr val="bg1"/>
+              </a:buClr>
+            </a:pPr>
+            <a:endParaRPr lang="en-US" b="0" i="0" dirty="0">
+              <a:solidFill>
+                <a:srgbClr val="ECECEC"/>
+              </a:solidFill>
+              <a:effectLst/>
+              <a:latin typeface="Times New Roman" panose="02020603050405020304" pitchFamily="18" charset="0"/>
+              <a:cs typeface="Times New Roman" panose="02020603050405020304" pitchFamily="18" charset="0"/>
+            </a:endParaRPr>
+          </a:p>
+        </p:txBody>
+      </p:sp>
+      <p:pic>
+        <p:nvPicPr>
+          <p:cNvPr id="5" name="Picture 4">
+            <a:extLst>
+              <a:ext uri="{FF2B5EF4-FFF2-40B4-BE49-F238E27FC236}">
+                <a16:creationId xmlns:a16="http://schemas.microsoft.com/office/drawing/2014/main" id="{3BFFB46D-0C1D-15FF-7788-73BF973DA960}"/>
+              </a:ext>
+            </a:extLst>
+          </p:cNvPr>
+          <p:cNvPicPr>
+            <a:picLocks noChangeAspect="1"/>
+          </p:cNvPicPr>
+          <p:nvPr/>
+        </p:nvPicPr>
+        <p:blipFill>
+          <a:blip r:embed="rId3"/>
+          <a:stretch>
+            <a:fillRect/>
+          </a:stretch>
+        </p:blipFill>
+        <p:spPr>
+          <a:xfrm>
+            <a:off x="1260000" y="2883749"/>
+            <a:ext cx="6624000" cy="1951235"/>
+          </a:xfrm>
+          <a:prstGeom prst="rect">
+            <a:avLst/>
+          </a:prstGeom>
+        </p:spPr>
+      </p:pic>
+    </p:spTree>
+    <p:extLst>
+      <p:ext uri="{BB962C8B-B14F-4D97-AF65-F5344CB8AC3E}">
+        <p14:creationId xmlns:p14="http://schemas.microsoft.com/office/powerpoint/2010/main" val="2761323667"/>
+      </p:ext>
+    </p:extLst>
+  </p:cSld>
+  <p:clrMapOvr>
+    <a:masterClrMapping/>
+  </p:clrMapOvr>
+</p:sld>
+</file>
+
+<file path=ppt/slides/slide13.xml><?xml version="1.0" encoding="utf-8"?>
+<p:sld xmlns:a="http://schemas.openxmlformats.org/drawingml/2006/main" xmlns:r="http://schemas.openxmlformats.org/officeDocument/2006/relationships" xmlns:p="http://schemas.openxmlformats.org/presentationml/2006/main">
+  <p:cSld>
+    <p:bg>
+      <p:bgPr>
+        <a:blipFill>
+          <a:blip r:embed="rId4">
+            <a:alphaModFix/>
+          </a:blip>
+          <a:stretch>
+            <a:fillRect/>
+          </a:stretch>
+        </a:blipFill>
+        <a:effectLst/>
+      </p:bgPr>
+    </p:bg>
+    <p:spTree>
+      <p:nvGrpSpPr>
+        <p:cNvPr id="1" name="Shape 656"/>
+        <p:cNvGrpSpPr/>
+        <p:nvPr/>
+      </p:nvGrpSpPr>
+      <p:grpSpPr>
+        <a:xfrm>
+          <a:off x="0" y="0"/>
+          <a:ext cx="0" cy="0"/>
+          <a:chOff x="0" y="0"/>
+          <a:chExt cx="0" cy="0"/>
+        </a:xfrm>
+      </p:grpSpPr>
+      <p:sp>
+        <p:nvSpPr>
+          <p:cNvPr id="674" name="Google Shape;674;p64"/>
+          <p:cNvSpPr txBox="1">
+            <a:spLocks noGrp="1"/>
+          </p:cNvSpPr>
+          <p:nvPr>
+            <p:ph type="title"/>
+          </p:nvPr>
+        </p:nvSpPr>
+        <p:spPr>
+          <a:xfrm>
+            <a:off x="506447" y="308516"/>
+            <a:ext cx="8131106" cy="572700"/>
+          </a:xfrm>
+          <a:prstGeom prst="rect">
+            <a:avLst/>
+          </a:prstGeom>
+        </p:spPr>
+        <p:txBody>
+          <a:bodyPr spcFirstLastPara="1" wrap="square" lIns="91425" tIns="91425" rIns="91425" bIns="91425" anchor="t" anchorCtr="0">
+            <a:noAutofit/>
+          </a:bodyPr>
+          <a:lstStyle/>
+          <a:p>
+            <a:pPr algn="ctr">
+              <a:buClr>
+                <a:srgbClr val="191919"/>
+              </a:buClr>
+              <a:buSzPts val="5200"/>
+            </a:pPr>
+            <a:r>
+              <a:rPr lang="en-IN" sz="2400" dirty="0">
+                <a:latin typeface="Bookman Old Style" panose="02050604050505020204" pitchFamily="18" charset="0"/>
+                <a:ea typeface="Calibri" panose="020F0502020204030204" pitchFamily="34" charset="0"/>
+                <a:cs typeface="Arial" panose="020B0604020202020204" pitchFamily="34" charset="0"/>
+              </a:rPr>
+              <a:t>SDR Generation Using Geo-Spatial Encoder</a:t>
+            </a:r>
+            <a:endParaRPr sz="2400" dirty="0">
+              <a:latin typeface="Bookman Old Style" panose="02050604050505020204" pitchFamily="18" charset="0"/>
+              <a:ea typeface="Calibri" panose="020F0502020204030204" pitchFamily="34" charset="0"/>
+              <a:cs typeface="Arial" panose="020B0604020202020204" pitchFamily="34" charset="0"/>
+            </a:endParaRPr>
+          </a:p>
+        </p:txBody>
+      </p:sp>
+      <p:sp>
+        <p:nvSpPr>
+          <p:cNvPr id="4" name="Rectangle 3">
+            <a:extLst>
+              <a:ext uri="{FF2B5EF4-FFF2-40B4-BE49-F238E27FC236}">
+                <a16:creationId xmlns:a16="http://schemas.microsoft.com/office/drawing/2014/main" id="{58250C4E-0497-B5C8-ECAF-289A12643488}"/>
+              </a:ext>
+            </a:extLst>
+          </p:cNvPr>
+          <p:cNvSpPr>
+            <a:spLocks noChangeArrowheads="1"/>
+          </p:cNvSpPr>
+          <p:nvPr/>
+        </p:nvSpPr>
+        <p:spPr bwMode="auto">
+          <a:xfrm>
+            <a:off x="421482" y="1713748"/>
+            <a:ext cx="8315324" cy="1384995"/>
+          </a:xfrm>
+          <a:prstGeom prst="rect">
+            <a:avLst/>
+          </a:prstGeom>
+          <a:noFill/>
+          <a:ln>
+            <a:noFill/>
+          </a:ln>
+          <a:effectLst/>
+        </p:spPr>
+        <p:txBody>
+          <a:bodyPr vert="horz" wrap="square" lIns="91440" tIns="45720" rIns="91440" bIns="45720" numCol="1" anchor="ctr" anchorCtr="0" compatLnSpc="1">
+            <a:prstTxWarp prst="textNoShape">
+              <a:avLst/>
+            </a:prstTxWarp>
+            <a:spAutoFit/>
+          </a:bodyPr>
+          <a:lstStyle/>
+          <a:p>
+            <a:pPr marL="285750" indent="-285750" algn="l">
+              <a:buClr>
+                <a:schemeClr val="bg1"/>
+              </a:buClr>
+              <a:buFont typeface="Arial" panose="020B0604020202020204" pitchFamily="34" charset="0"/>
+              <a:buChar char="•"/>
+            </a:pPr>
+            <a:r>
+              <a:rPr lang="en-IN" b="1" i="0" dirty="0">
+                <a:solidFill>
+                  <a:srgbClr val="ECECEC"/>
+                </a:solidFill>
+                <a:effectLst/>
+                <a:latin typeface="Times New Roman" panose="02020603050405020304" pitchFamily="18" charset="0"/>
+                <a:cs typeface="Times New Roman" panose="02020603050405020304" pitchFamily="18" charset="0"/>
+              </a:rPr>
+              <a:t>Geo-Spatial</a:t>
+            </a:r>
+            <a:r>
+              <a:rPr lang="en-DE" b="1" i="0" dirty="0">
+                <a:solidFill>
+                  <a:srgbClr val="ECECEC"/>
+                </a:solidFill>
+                <a:effectLst/>
+                <a:latin typeface="Times New Roman" panose="02020603050405020304" pitchFamily="18" charset="0"/>
+                <a:cs typeface="Times New Roman" panose="02020603050405020304" pitchFamily="18" charset="0"/>
+              </a:rPr>
+              <a:t> Encoder</a:t>
+            </a:r>
+          </a:p>
+          <a:p>
+            <a:pPr algn="l">
+              <a:buClr>
+                <a:schemeClr val="bg1"/>
+              </a:buClr>
+            </a:pPr>
+            <a:endParaRPr lang="en-US" b="0" i="0" dirty="0">
+              <a:solidFill>
+                <a:srgbClr val="ECECEC"/>
+              </a:solidFill>
+              <a:effectLst/>
+              <a:latin typeface="Times New Roman" panose="02020603050405020304" pitchFamily="18" charset="0"/>
+              <a:cs typeface="Times New Roman" panose="02020603050405020304" pitchFamily="18" charset="0"/>
+            </a:endParaRPr>
+          </a:p>
+          <a:p>
+            <a:pPr algn="just">
+              <a:buClr>
+                <a:schemeClr val="bg1"/>
+              </a:buClr>
+            </a:pPr>
+            <a:r>
+              <a:rPr lang="en-US" b="0" i="0" dirty="0">
+                <a:solidFill>
+                  <a:srgbClr val="ECECEC"/>
+                </a:solidFill>
+                <a:effectLst/>
+                <a:latin typeface="Times New Roman" panose="02020603050405020304" pitchFamily="18" charset="0"/>
+                <a:cs typeface="Times New Roman" panose="02020603050405020304" pitchFamily="18" charset="0"/>
+              </a:rPr>
+              <a:t>The Geospatial Encoder is instrumental in converting geospatial data into binary arrays, enabling the visualization of geographical information as bitmap images. Through Sparse Distributed Representations (SDRs), encoded geographical coordinates are translated into visually interpretable bitmap images, allowing for insightful analysis of spatial information encoded within SDRs.</a:t>
+            </a:r>
+            <a:endParaRPr lang="en-DE" b="0" i="0" dirty="0">
+              <a:solidFill>
+                <a:srgbClr val="ECECEC"/>
+              </a:solidFill>
+              <a:effectLst/>
+              <a:latin typeface="Times New Roman" panose="02020603050405020304" pitchFamily="18" charset="0"/>
+              <a:cs typeface="Times New Roman" panose="02020603050405020304" pitchFamily="18" charset="0"/>
+            </a:endParaRPr>
+          </a:p>
+        </p:txBody>
+      </p:sp>
+    </p:spTree>
+    <p:extLst>
+      <p:ext uri="{BB962C8B-B14F-4D97-AF65-F5344CB8AC3E}">
+        <p14:creationId xmlns:p14="http://schemas.microsoft.com/office/powerpoint/2010/main" val="1841029847"/>
+      </p:ext>
+    </p:extLst>
+  </p:cSld>
+  <p:clrMapOvr>
+    <a:overrideClrMapping bg1="lt1" tx1="dk1" bg2="dk2" tx2="lt2" accent1="accent1" accent2="accent2" accent3="accent3" accent4="accent4" accent5="accent5" accent6="accent6" hlink="hlink" folHlink="folHlink"/>
+  </p:clrMapOvr>
+</p:sld>
+</file>
+
+<file path=ppt/slides/slide14.xml><?xml version="1.0" encoding="utf-8"?>
+<p:sld xmlns:a="http://schemas.openxmlformats.org/drawingml/2006/main" xmlns:r="http://schemas.openxmlformats.org/officeDocument/2006/relationships" xmlns:p="http://schemas.openxmlformats.org/presentationml/2006/main">
+  <p:cSld>
+    <p:spTree>
+      <p:nvGrpSpPr>
+        <p:cNvPr id="1" name="Shape 656"/>
+        <p:cNvGrpSpPr/>
+        <p:nvPr/>
+      </p:nvGrpSpPr>
+      <p:grpSpPr>
+        <a:xfrm>
+          <a:off x="0" y="0"/>
+          <a:ext cx="0" cy="0"/>
+          <a:chOff x="0" y="0"/>
+          <a:chExt cx="0" cy="0"/>
+        </a:xfrm>
+      </p:grpSpPr>
+      <p:sp>
+        <p:nvSpPr>
+          <p:cNvPr id="674" name="Google Shape;674;p64"/>
+          <p:cNvSpPr txBox="1">
+            <a:spLocks noGrp="1"/>
+          </p:cNvSpPr>
+          <p:nvPr>
+            <p:ph type="title"/>
+          </p:nvPr>
+        </p:nvSpPr>
+        <p:spPr>
+          <a:xfrm>
+            <a:off x="415856" y="308516"/>
+            <a:ext cx="8328093" cy="572700"/>
+          </a:xfrm>
+          <a:prstGeom prst="rect">
+            <a:avLst/>
+          </a:prstGeom>
+        </p:spPr>
+        <p:txBody>
+          <a:bodyPr spcFirstLastPara="1" wrap="square" lIns="91425" tIns="91425" rIns="91425" bIns="91425" anchor="t" anchorCtr="0">
+            <a:noAutofit/>
+          </a:bodyPr>
+          <a:lstStyle/>
+          <a:p>
+            <a:pPr marL="0" lvl="0" indent="0" algn="ctr">
+              <a:buClr>
+                <a:srgbClr val="191919"/>
+              </a:buClr>
+              <a:buSzPts val="5200"/>
+            </a:pPr>
+            <a:r>
+              <a:rPr lang="en-IN" sz="2400" dirty="0">
+                <a:latin typeface="Bookman Old Style" panose="02050604050505020204" pitchFamily="18" charset="0"/>
+                <a:ea typeface="Calibri" panose="020F0502020204030204" pitchFamily="34" charset="0"/>
+                <a:cs typeface="Arial" panose="020B0604020202020204" pitchFamily="34" charset="0"/>
+              </a:rPr>
+              <a:t>SDR Generation Using Geo-Spatial Encoder</a:t>
+            </a:r>
+            <a:endParaRPr sz="2400" dirty="0">
+              <a:latin typeface="Bookman Old Style" panose="02050604050505020204" pitchFamily="18" charset="0"/>
+              <a:ea typeface="Calibri" panose="020F0502020204030204" pitchFamily="34" charset="0"/>
+              <a:cs typeface="Arial" panose="020B0604020202020204" pitchFamily="34" charset="0"/>
+            </a:endParaRPr>
+          </a:p>
+        </p:txBody>
+      </p:sp>
+      <p:sp>
+        <p:nvSpPr>
+          <p:cNvPr id="4" name="Rectangle 3">
+            <a:extLst>
+              <a:ext uri="{FF2B5EF4-FFF2-40B4-BE49-F238E27FC236}">
+                <a16:creationId xmlns:a16="http://schemas.microsoft.com/office/drawing/2014/main" id="{58250C4E-0497-B5C8-ECAF-289A12643488}"/>
+              </a:ext>
+            </a:extLst>
+          </p:cNvPr>
+          <p:cNvSpPr>
+            <a:spLocks noChangeArrowheads="1"/>
+          </p:cNvSpPr>
+          <p:nvPr/>
+        </p:nvSpPr>
+        <p:spPr bwMode="auto">
+          <a:xfrm>
+            <a:off x="415857" y="1067867"/>
+            <a:ext cx="8328092" cy="1815882"/>
+          </a:xfrm>
+          <a:prstGeom prst="rect">
+            <a:avLst/>
+          </a:prstGeom>
+          <a:noFill/>
+          <a:ln>
+            <a:noFill/>
+          </a:ln>
+          <a:effectLst/>
+        </p:spPr>
+        <p:txBody>
+          <a:bodyPr vert="horz" wrap="square" lIns="91440" tIns="45720" rIns="91440" bIns="45720" numCol="1" anchor="ctr" anchorCtr="0" compatLnSpc="1">
+            <a:prstTxWarp prst="textNoShape">
+              <a:avLst/>
+            </a:prstTxWarp>
+            <a:spAutoFit/>
+          </a:bodyPr>
+          <a:lstStyle/>
+          <a:p>
+            <a:pPr marL="285750" indent="-285750" algn="just">
+              <a:buClr>
+                <a:schemeClr val="bg1"/>
+              </a:buClr>
+              <a:buFont typeface="Arial" panose="020B0604020202020204" pitchFamily="34" charset="0"/>
+              <a:buChar char="•"/>
+            </a:pPr>
+            <a:r>
+              <a:rPr lang="en-US" b="1" i="0" dirty="0">
+                <a:solidFill>
+                  <a:srgbClr val="ECECEC"/>
+                </a:solidFill>
+                <a:effectLst/>
+                <a:latin typeface="Times New Roman" panose="02020603050405020304" pitchFamily="18" charset="0"/>
+                <a:cs typeface="Times New Roman" panose="02020603050405020304" pitchFamily="18" charset="0"/>
+              </a:rPr>
+              <a:t>DrawBitmap Sample for </a:t>
+            </a:r>
+            <a:r>
+              <a:rPr lang="en-IN" b="1" i="0" dirty="0">
+                <a:solidFill>
+                  <a:srgbClr val="ECECEC"/>
+                </a:solidFill>
+                <a:effectLst/>
+                <a:latin typeface="Times New Roman" panose="02020603050405020304" pitchFamily="18" charset="0"/>
+                <a:cs typeface="Times New Roman" panose="02020603050405020304" pitchFamily="18" charset="0"/>
+              </a:rPr>
+              <a:t>Geo-Spatial</a:t>
+            </a:r>
+            <a:r>
+              <a:rPr lang="en-US" b="1" i="0" dirty="0">
+                <a:solidFill>
+                  <a:srgbClr val="ECECEC"/>
+                </a:solidFill>
+                <a:effectLst/>
+                <a:latin typeface="Times New Roman" panose="02020603050405020304" pitchFamily="18" charset="0"/>
+                <a:cs typeface="Times New Roman" panose="02020603050405020304" pitchFamily="18" charset="0"/>
+              </a:rPr>
+              <a:t> Encoder:</a:t>
+            </a:r>
+            <a:endParaRPr lang="en-US" b="0" i="0" dirty="0">
+              <a:solidFill>
+                <a:srgbClr val="ECECEC"/>
+              </a:solidFill>
+              <a:effectLst/>
+              <a:latin typeface="Times New Roman" panose="02020603050405020304" pitchFamily="18" charset="0"/>
+              <a:cs typeface="Times New Roman" panose="02020603050405020304" pitchFamily="18" charset="0"/>
+            </a:endParaRPr>
+          </a:p>
+          <a:p>
+            <a:pPr algn="just">
+              <a:buClr>
+                <a:schemeClr val="bg1"/>
+              </a:buClr>
+            </a:pPr>
+            <a:r>
+              <a:rPr lang="en-US" b="0" i="0" dirty="0">
+                <a:solidFill>
+                  <a:srgbClr val="ECECEC"/>
+                </a:solidFill>
+                <a:effectLst/>
+                <a:latin typeface="Times New Roman" panose="02020603050405020304" pitchFamily="18" charset="0"/>
+                <a:cs typeface="Times New Roman" panose="02020603050405020304" pitchFamily="18" charset="0"/>
+              </a:rPr>
+              <a:t>In order to generate SDRs and bitmap images, specific parameters such as width (W), number of bits (N), minimum value (MinVal), and maximum value (MaxVal) are set to define the encoding of geospatial data into binary arrays. Using the DrawBitmap method, the encoded data is visualized as bitmap images. For example, by iterating through a loop of geospatial values within the specified range, corresponding SDRs are generated and converted into a two-dimensional array (twoDimenArray). This array is then transposed and passed to the DrawBitmap method, where the bitmap's height and width are set to 1024 pixels. Active and inactive cells are represented in black and red colors, respectively, providing clear visualizations of the encoded geospatial data.</a:t>
+            </a:r>
+          </a:p>
+        </p:txBody>
+      </p:sp>
+      <p:pic>
+        <p:nvPicPr>
+          <p:cNvPr id="3" name="Picture 2">
+            <a:extLst>
+              <a:ext uri="{FF2B5EF4-FFF2-40B4-BE49-F238E27FC236}">
+                <a16:creationId xmlns:a16="http://schemas.microsoft.com/office/drawing/2014/main" id="{766894B4-6AFE-5FF5-3706-DDA5A6F7B3F7}"/>
+              </a:ext>
+            </a:extLst>
+          </p:cNvPr>
+          <p:cNvPicPr>
+            <a:picLocks noChangeAspect="1"/>
+          </p:cNvPicPr>
+          <p:nvPr/>
+        </p:nvPicPr>
+        <p:blipFill>
+          <a:blip r:embed="rId3"/>
+          <a:stretch>
+            <a:fillRect/>
+          </a:stretch>
+        </p:blipFill>
+        <p:spPr>
+          <a:xfrm>
+            <a:off x="1908903" y="2866563"/>
+            <a:ext cx="5472000" cy="1968421"/>
+          </a:xfrm>
+          <a:prstGeom prst="rect">
+            <a:avLst/>
+          </a:prstGeom>
+        </p:spPr>
+      </p:pic>
+    </p:spTree>
+    <p:extLst>
+      <p:ext uri="{BB962C8B-B14F-4D97-AF65-F5344CB8AC3E}">
+        <p14:creationId xmlns:p14="http://schemas.microsoft.com/office/powerpoint/2010/main" val="4268857138"/>
+      </p:ext>
+    </p:extLst>
+  </p:cSld>
+  <p:clrMapOvr>
+    <a:masterClrMapping/>
+  </p:clrMapOvr>
+</p:sld>
+</file>
+
+<file path=ppt/slides/slide15.xml><?xml version="1.0" encoding="utf-8"?>
+<p:sld xmlns:a="http://schemas.openxmlformats.org/drawingml/2006/main" xmlns:r="http://schemas.openxmlformats.org/officeDocument/2006/relationships" xmlns:p="http://schemas.openxmlformats.org/presentationml/2006/main">
+  <p:cSld>
+    <p:spTree>
+      <p:nvGrpSpPr>
+        <p:cNvPr id="1" name="Shape 656"/>
+        <p:cNvGrpSpPr/>
+        <p:nvPr/>
+      </p:nvGrpSpPr>
+      <p:grpSpPr>
+        <a:xfrm>
+          <a:off x="0" y="0"/>
+          <a:ext cx="0" cy="0"/>
+          <a:chOff x="0" y="0"/>
+          <a:chExt cx="0" cy="0"/>
+        </a:xfrm>
+      </p:grpSpPr>
+      <p:sp>
+        <p:nvSpPr>
+          <p:cNvPr id="674" name="Google Shape;674;p64"/>
+          <p:cNvSpPr txBox="1">
+            <a:spLocks noGrp="1"/>
+          </p:cNvSpPr>
+          <p:nvPr>
+            <p:ph type="title"/>
+          </p:nvPr>
+        </p:nvSpPr>
+        <p:spPr>
+          <a:xfrm>
+            <a:off x="720000" y="308516"/>
+            <a:ext cx="7704000" cy="572700"/>
+          </a:xfrm>
+          <a:prstGeom prst="rect">
+            <a:avLst/>
+          </a:prstGeom>
+        </p:spPr>
+        <p:txBody>
+          <a:bodyPr spcFirstLastPara="1" wrap="square" lIns="91425" tIns="91425" rIns="91425" bIns="91425" anchor="t" anchorCtr="0">
+            <a:noAutofit/>
+          </a:bodyPr>
+          <a:lstStyle/>
+          <a:p>
+            <a:pPr algn="ctr">
+              <a:buClr>
+                <a:srgbClr val="191919"/>
+              </a:buClr>
+              <a:buSzPts val="5200"/>
+            </a:pPr>
+            <a:r>
+              <a:rPr sz="2400" dirty="0">
+                <a:latin typeface="Bookman Old Style" panose="02050604050505020204" pitchFamily="18" charset="0"/>
+                <a:ea typeface="Calibri" panose="020F0502020204030204" pitchFamily="34" charset="0"/>
+                <a:cs typeface="Arial" panose="020B0604020202020204" pitchFamily="34" charset="0"/>
+              </a:rPr>
+              <a:t>CHANGES IN THE SIZE AND COLOR OF BITMAP</a:t>
+            </a:r>
+          </a:p>
+        </p:txBody>
+      </p:sp>
+      <p:sp>
+        <p:nvSpPr>
+          <p:cNvPr id="4" name="Rectangle 3">
+            <a:extLst>
+              <a:ext uri="{FF2B5EF4-FFF2-40B4-BE49-F238E27FC236}">
+                <a16:creationId xmlns:a16="http://schemas.microsoft.com/office/drawing/2014/main" id="{58250C4E-0497-B5C8-ECAF-289A12643488}"/>
+              </a:ext>
+            </a:extLst>
+          </p:cNvPr>
+          <p:cNvSpPr>
+            <a:spLocks noChangeArrowheads="1"/>
+          </p:cNvSpPr>
+          <p:nvPr/>
+        </p:nvSpPr>
+        <p:spPr bwMode="auto">
+          <a:xfrm>
+            <a:off x="392906" y="1510997"/>
+            <a:ext cx="8358187" cy="3323987"/>
+          </a:xfrm>
+          <a:prstGeom prst="rect">
+            <a:avLst/>
+          </a:prstGeom>
+          <a:noFill/>
+          <a:ln>
+            <a:noFill/>
+          </a:ln>
+          <a:effectLst/>
+        </p:spPr>
+        <p:txBody>
+          <a:bodyPr vert="horz" wrap="square" lIns="91440" tIns="45720" rIns="91440" bIns="45720" numCol="1" anchor="ctr" anchorCtr="0" compatLnSpc="1">
+            <a:prstTxWarp prst="textNoShape">
+              <a:avLst/>
+            </a:prstTxWarp>
+            <a:spAutoFit/>
+          </a:bodyPr>
+          <a:lstStyle/>
+          <a:p>
+            <a:pPr algn="l"/>
+            <a:r>
+              <a:rPr lang="en-US" b="1" i="0" dirty="0">
+                <a:solidFill>
+                  <a:srgbClr val="ECECEC"/>
+                </a:solidFill>
+                <a:effectLst/>
+                <a:latin typeface="Times New Roman" panose="02020603050405020304" pitchFamily="18" charset="0"/>
+                <a:cs typeface="Times New Roman" panose="02020603050405020304" pitchFamily="18" charset="0"/>
+              </a:rPr>
+              <a:t>Modification of Encoder Parameters:</a:t>
+            </a:r>
+            <a:endParaRPr lang="en-US" b="0" i="0" dirty="0">
+              <a:solidFill>
+                <a:srgbClr val="ECECEC"/>
+              </a:solidFill>
+              <a:effectLst/>
+              <a:latin typeface="Times New Roman" panose="02020603050405020304" pitchFamily="18" charset="0"/>
+              <a:cs typeface="Times New Roman" panose="02020603050405020304" pitchFamily="18" charset="0"/>
+            </a:endParaRPr>
+          </a:p>
+          <a:p>
+            <a:pPr marL="285750" indent="-285750" algn="just">
+              <a:buClr>
+                <a:schemeClr val="bg1"/>
+              </a:buClr>
+              <a:buFont typeface="Arial" panose="020B0604020202020204" pitchFamily="34" charset="0"/>
+              <a:buChar char="•"/>
+            </a:pPr>
+            <a:r>
+              <a:rPr lang="en-US" b="0" i="0" dirty="0">
+                <a:solidFill>
+                  <a:srgbClr val="ECECEC"/>
+                </a:solidFill>
+                <a:effectLst/>
+                <a:latin typeface="Times New Roman" panose="02020603050405020304" pitchFamily="18" charset="0"/>
+                <a:cs typeface="Times New Roman" panose="02020603050405020304" pitchFamily="18" charset="0"/>
+              </a:rPr>
+              <a:t>Adjusting parameters such as width (W), total number of bits (N), minimum value (MinVal), and maximum value (MaxVal) of the encoder can significantly impact the resulting Sparse Distributed Representations (SDRs) and their bitmap representations.</a:t>
+            </a:r>
+          </a:p>
+          <a:p>
+            <a:pPr marL="285750" indent="-285750" algn="just">
+              <a:buClr>
+                <a:schemeClr val="bg1"/>
+              </a:buClr>
+              <a:buFont typeface="Arial" panose="020B0604020202020204" pitchFamily="34" charset="0"/>
+              <a:buChar char="•"/>
+            </a:pPr>
+            <a:r>
+              <a:rPr lang="en-US" b="0" i="0" dirty="0">
+                <a:solidFill>
+                  <a:srgbClr val="ECECEC"/>
+                </a:solidFill>
+                <a:effectLst/>
+                <a:latin typeface="Times New Roman" panose="02020603050405020304" pitchFamily="18" charset="0"/>
+                <a:cs typeface="Times New Roman" panose="02020603050405020304" pitchFamily="18" charset="0"/>
+              </a:rPr>
+              <a:t>For instance, modifying parameters to W = 21, N = 40, MinVal = 48.75, and MaxVal = 51.86 alters the size and characteristics of the generated SDRs.</a:t>
+            </a:r>
+            <a:endParaRPr lang="en-DE" b="0" i="0" dirty="0">
+              <a:solidFill>
+                <a:srgbClr val="ECECEC"/>
+              </a:solidFill>
+              <a:effectLst/>
+              <a:latin typeface="Times New Roman" panose="02020603050405020304" pitchFamily="18" charset="0"/>
+              <a:cs typeface="Times New Roman" panose="02020603050405020304" pitchFamily="18" charset="0"/>
+            </a:endParaRPr>
+          </a:p>
+          <a:p>
+            <a:pPr marL="285750" indent="-285750" algn="l">
+              <a:buClr>
+                <a:schemeClr val="bg1"/>
+              </a:buClr>
+              <a:buFont typeface="Arial" panose="020B0604020202020204" pitchFamily="34" charset="0"/>
+              <a:buChar char="•"/>
+            </a:pPr>
+            <a:endParaRPr lang="en-DE" dirty="0">
+              <a:solidFill>
+                <a:srgbClr val="ECECEC"/>
+              </a:solidFill>
+              <a:latin typeface="Times New Roman" panose="02020603050405020304" pitchFamily="18" charset="0"/>
+              <a:cs typeface="Times New Roman" panose="02020603050405020304" pitchFamily="18" charset="0"/>
+            </a:endParaRPr>
+          </a:p>
+          <a:p>
+            <a:pPr algn="l">
+              <a:buClr>
+                <a:schemeClr val="bg1"/>
+              </a:buClr>
+            </a:pPr>
+            <a:endParaRPr lang="en-DE" b="0" i="0" dirty="0">
+              <a:solidFill>
+                <a:srgbClr val="ECECEC"/>
+              </a:solidFill>
+              <a:effectLst/>
+              <a:latin typeface="Times New Roman" panose="02020603050405020304" pitchFamily="18" charset="0"/>
+              <a:cs typeface="Times New Roman" panose="02020603050405020304" pitchFamily="18" charset="0"/>
+            </a:endParaRPr>
+          </a:p>
+          <a:p>
+            <a:pPr algn="l"/>
+            <a:r>
+              <a:rPr lang="en-US" b="1" i="0" dirty="0">
+                <a:solidFill>
+                  <a:srgbClr val="ECECEC"/>
+                </a:solidFill>
+                <a:effectLst/>
+                <a:latin typeface="Times New Roman" panose="02020603050405020304" pitchFamily="18" charset="0"/>
+                <a:cs typeface="Times New Roman" panose="02020603050405020304" pitchFamily="18" charset="0"/>
+              </a:rPr>
+              <a:t>Changes in Bitmap Representation:</a:t>
+            </a:r>
+            <a:endParaRPr lang="en-US" b="0" i="0" dirty="0">
+              <a:solidFill>
+                <a:srgbClr val="ECECEC"/>
+              </a:solidFill>
+              <a:effectLst/>
+              <a:latin typeface="Times New Roman" panose="02020603050405020304" pitchFamily="18" charset="0"/>
+              <a:cs typeface="Times New Roman" panose="02020603050405020304" pitchFamily="18" charset="0"/>
+            </a:endParaRPr>
+          </a:p>
+          <a:p>
+            <a:pPr marL="285750" indent="-285750" algn="just">
+              <a:buClr>
+                <a:schemeClr val="bg1"/>
+              </a:buClr>
+              <a:buFont typeface="Arial" panose="020B0604020202020204" pitchFamily="34" charset="0"/>
+              <a:buChar char="•"/>
+            </a:pPr>
+            <a:r>
+              <a:rPr lang="en-US" b="0" i="0" dirty="0">
+                <a:solidFill>
+                  <a:srgbClr val="ECECEC"/>
+                </a:solidFill>
+                <a:effectLst/>
+                <a:latin typeface="Times New Roman" panose="02020603050405020304" pitchFamily="18" charset="0"/>
+                <a:cs typeface="Times New Roman" panose="02020603050405020304" pitchFamily="18" charset="0"/>
+              </a:rPr>
+              <a:t>The resulting 1-D array size becomes 40, subsequently converted into a 2-D array with dimensions 6x6, where each cell corresponds to 170 pixels in the bitmap.</a:t>
+            </a:r>
+          </a:p>
+          <a:p>
+            <a:pPr marL="285750" indent="-285750" algn="just">
+              <a:buClr>
+                <a:schemeClr val="bg1"/>
+              </a:buClr>
+              <a:buFont typeface="Arial" panose="020B0604020202020204" pitchFamily="34" charset="0"/>
+              <a:buChar char="•"/>
+            </a:pPr>
+            <a:r>
+              <a:rPr lang="en-US" b="0" i="0" dirty="0">
+                <a:solidFill>
+                  <a:srgbClr val="ECECEC"/>
+                </a:solidFill>
+                <a:effectLst/>
+                <a:latin typeface="Times New Roman" panose="02020603050405020304" pitchFamily="18" charset="0"/>
+                <a:cs typeface="Times New Roman" panose="02020603050405020304" pitchFamily="18" charset="0"/>
+              </a:rPr>
+              <a:t>By setting both the height and width of the bitmap to 1024 pixels, a detailed representation of the SDRs can be achieved.</a:t>
+            </a:r>
+          </a:p>
+          <a:p>
+            <a:pPr marL="285750" indent="-285750" algn="just">
+              <a:buClr>
+                <a:schemeClr val="bg1"/>
+              </a:buClr>
+              <a:buFont typeface="Arial" panose="020B0604020202020204" pitchFamily="34" charset="0"/>
+              <a:buChar char="•"/>
+            </a:pPr>
+            <a:r>
+              <a:rPr lang="en-US" b="0" i="0" dirty="0">
+                <a:solidFill>
+                  <a:srgbClr val="ECECEC"/>
+                </a:solidFill>
+                <a:effectLst/>
+                <a:latin typeface="Times New Roman" panose="02020603050405020304" pitchFamily="18" charset="0"/>
+                <a:cs typeface="Times New Roman" panose="02020603050405020304" pitchFamily="18" charset="0"/>
+              </a:rPr>
+              <a:t>Notably, the color scheme of the bitmap is modified, using red for inactive cells and green for active cells, providing clearer visual cues for interpretation.</a:t>
+            </a:r>
+          </a:p>
+        </p:txBody>
+      </p:sp>
+    </p:spTree>
+    <p:extLst>
+      <p:ext uri="{BB962C8B-B14F-4D97-AF65-F5344CB8AC3E}">
+        <p14:creationId xmlns:p14="http://schemas.microsoft.com/office/powerpoint/2010/main" val="3297025810"/>
+      </p:ext>
+    </p:extLst>
+  </p:cSld>
+  <p:clrMapOvr>
+    <a:masterClrMapping/>
+  </p:clrMapOvr>
+</p:sld>
+</file>
+
+<file path=ppt/slides/slide16.xml><?xml version="1.0" encoding="utf-8"?>
+<p:sld xmlns:a="http://schemas.openxmlformats.org/drawingml/2006/main" xmlns:r="http://schemas.openxmlformats.org/officeDocument/2006/relationships" xmlns:p="http://schemas.openxmlformats.org/presentationml/2006/main">
+  <p:cSld>
     <p:bg>
       <p:bgPr>
         <a:blipFill>
@@ -13474,1477 +14999,6 @@
   </p:cSld>
   <p:clrMapOvr>
     <a:overrideClrMapping bg1="lt1" tx1="dk1" bg2="dk2" tx2="lt2" accent1="accent1" accent2="accent2" accent3="accent3" accent4="accent4" accent5="accent5" accent6="accent6" hlink="hlink" folHlink="folHlink"/>
-  </p:clrMapOvr>
-</p:sld>
-</file>
-
-<file path=ppt/slides/slide11.xml><?xml version="1.0" encoding="utf-8"?>
-<p:sld xmlns:a="http://schemas.openxmlformats.org/drawingml/2006/main" xmlns:r="http://schemas.openxmlformats.org/officeDocument/2006/relationships" xmlns:p="http://schemas.openxmlformats.org/presentationml/2006/main">
-  <p:cSld>
-    <p:spTree>
-      <p:nvGrpSpPr>
-        <p:cNvPr id="1" name="Shape 656"/>
-        <p:cNvGrpSpPr/>
-        <p:nvPr/>
-      </p:nvGrpSpPr>
-      <p:grpSpPr>
-        <a:xfrm>
-          <a:off x="0" y="0"/>
-          <a:ext cx="0" cy="0"/>
-          <a:chOff x="0" y="0"/>
-          <a:chExt cx="0" cy="0"/>
-        </a:xfrm>
-      </p:grpSpPr>
-      <p:sp>
-        <p:nvSpPr>
-          <p:cNvPr id="674" name="Google Shape;674;p64"/>
-          <p:cNvSpPr txBox="1">
-            <a:spLocks noGrp="1"/>
-          </p:cNvSpPr>
-          <p:nvPr>
-            <p:ph type="title"/>
-          </p:nvPr>
-        </p:nvSpPr>
-        <p:spPr>
-          <a:xfrm>
-            <a:off x="720000" y="308516"/>
-            <a:ext cx="7704000" cy="572700"/>
-          </a:xfrm>
-          <a:prstGeom prst="rect">
-            <a:avLst/>
-          </a:prstGeom>
-        </p:spPr>
-        <p:txBody>
-          <a:bodyPr spcFirstLastPara="1" wrap="square" lIns="91425" tIns="91425" rIns="91425" bIns="91425" anchor="t" anchorCtr="0">
-            <a:noAutofit/>
-          </a:bodyPr>
-          <a:lstStyle/>
-          <a:p>
-            <a:pPr algn="ctr">
-              <a:buClr>
-                <a:srgbClr val="191919"/>
-              </a:buClr>
-              <a:buSzPts val="5200"/>
-            </a:pPr>
-            <a:r>
-              <a:rPr lang="en-IN" sz="2400" dirty="0">
-                <a:latin typeface="Bookman Old Style" panose="02050604050505020204" pitchFamily="18" charset="0"/>
-                <a:ea typeface="Calibri" panose="020F0502020204030204" pitchFamily="34" charset="0"/>
-                <a:cs typeface="Arial" panose="020B0604020202020204" pitchFamily="34" charset="0"/>
-              </a:rPr>
-              <a:t>SDR Generation Using Scalar Encoder</a:t>
-            </a:r>
-            <a:endParaRPr sz="2400" dirty="0">
-              <a:latin typeface="Bookman Old Style" panose="02050604050505020204" pitchFamily="18" charset="0"/>
-              <a:ea typeface="Calibri" panose="020F0502020204030204" pitchFamily="34" charset="0"/>
-              <a:cs typeface="Arial" panose="020B0604020202020204" pitchFamily="34" charset="0"/>
-            </a:endParaRPr>
-          </a:p>
-        </p:txBody>
-      </p:sp>
-      <p:sp>
-        <p:nvSpPr>
-          <p:cNvPr id="4" name="Rectangle 3">
-            <a:extLst>
-              <a:ext uri="{FF2B5EF4-FFF2-40B4-BE49-F238E27FC236}">
-                <a16:creationId xmlns:a16="http://schemas.microsoft.com/office/drawing/2014/main" id="{58250C4E-0497-B5C8-ECAF-289A12643488}"/>
-              </a:ext>
-            </a:extLst>
-          </p:cNvPr>
-          <p:cNvSpPr>
-            <a:spLocks noChangeArrowheads="1"/>
-          </p:cNvSpPr>
-          <p:nvPr/>
-        </p:nvSpPr>
-        <p:spPr bwMode="auto">
-          <a:xfrm>
-            <a:off x="392907" y="1208032"/>
-            <a:ext cx="8379618" cy="3539430"/>
-          </a:xfrm>
-          <a:prstGeom prst="rect">
-            <a:avLst/>
-          </a:prstGeom>
-          <a:noFill/>
-          <a:ln>
-            <a:noFill/>
-          </a:ln>
-          <a:effectLst/>
-        </p:spPr>
-        <p:txBody>
-          <a:bodyPr vert="horz" wrap="square" lIns="91440" tIns="45720" rIns="91440" bIns="45720" numCol="1" anchor="ctr" anchorCtr="0" compatLnSpc="1">
-            <a:prstTxWarp prst="textNoShape">
-              <a:avLst/>
-            </a:prstTxWarp>
-            <a:spAutoFit/>
-          </a:bodyPr>
-          <a:lstStyle/>
-          <a:p>
-            <a:pPr marL="285750" indent="-285750" algn="l">
-              <a:buClr>
-                <a:schemeClr val="bg1"/>
-              </a:buClr>
-              <a:buFont typeface="Arial" panose="020B0604020202020204" pitchFamily="34" charset="0"/>
-              <a:buChar char="•"/>
-            </a:pPr>
-            <a:r>
-              <a:rPr lang="en-DE" b="1" i="0" dirty="0">
-                <a:solidFill>
-                  <a:srgbClr val="ECECEC"/>
-                </a:solidFill>
-                <a:effectLst/>
-                <a:latin typeface="Times New Roman" panose="02020603050405020304" pitchFamily="18" charset="0"/>
-                <a:cs typeface="Times New Roman" panose="02020603050405020304" pitchFamily="18" charset="0"/>
-              </a:rPr>
-              <a:t>Scalar Encoder</a:t>
-            </a:r>
-            <a:endParaRPr lang="en-US" b="0" i="0" dirty="0">
-              <a:solidFill>
-                <a:srgbClr val="ECECEC"/>
-              </a:solidFill>
-              <a:effectLst/>
-              <a:latin typeface="Times New Roman" panose="02020603050405020304" pitchFamily="18" charset="0"/>
-              <a:cs typeface="Times New Roman" panose="02020603050405020304" pitchFamily="18" charset="0"/>
-            </a:endParaRPr>
-          </a:p>
-          <a:p>
-            <a:pPr algn="just">
-              <a:buClr>
-                <a:schemeClr val="bg1"/>
-              </a:buClr>
-            </a:pPr>
-            <a:r>
-              <a:rPr lang="en-US" b="0" i="0" dirty="0">
-                <a:solidFill>
-                  <a:srgbClr val="ECECEC"/>
-                </a:solidFill>
-                <a:effectLst/>
-                <a:latin typeface="Times New Roman" panose="02020603050405020304" pitchFamily="18" charset="0"/>
-                <a:cs typeface="Times New Roman" panose="02020603050405020304" pitchFamily="18" charset="0"/>
-              </a:rPr>
-              <a:t>Scalar encoding is a pivotal technique employed to convert continuous scalar values into Sparse Distributed Representations (SDRs), widely utilized in neural network models. By discretizing the input range into smaller bins and selectively activating specific bits within each bin, scalar encoding generates binary vectors representing numerical values while preserving semantic information in a high-dimensional space.</a:t>
-            </a:r>
-            <a:endParaRPr lang="en-DE" dirty="0">
-              <a:solidFill>
-                <a:srgbClr val="ECECEC"/>
-              </a:solidFill>
-              <a:latin typeface="Times New Roman" panose="02020603050405020304" pitchFamily="18" charset="0"/>
-              <a:cs typeface="Times New Roman" panose="02020603050405020304" pitchFamily="18" charset="0"/>
-            </a:endParaRPr>
-          </a:p>
-          <a:p>
-            <a:pPr algn="l">
-              <a:buClr>
-                <a:schemeClr val="bg1"/>
-              </a:buClr>
-            </a:pPr>
-            <a:endParaRPr lang="en-DE" b="0" i="0" dirty="0">
-              <a:solidFill>
-                <a:srgbClr val="ECECEC"/>
-              </a:solidFill>
-              <a:effectLst/>
-              <a:latin typeface="Times New Roman" panose="02020603050405020304" pitchFamily="18" charset="0"/>
-              <a:cs typeface="Times New Roman" panose="02020603050405020304" pitchFamily="18" charset="0"/>
-            </a:endParaRPr>
-          </a:p>
-          <a:p>
-            <a:pPr algn="l">
-              <a:buClr>
-                <a:schemeClr val="bg1"/>
-              </a:buClr>
-            </a:pPr>
-            <a:endParaRPr lang="en-DE" b="0" i="0" dirty="0">
-              <a:solidFill>
-                <a:srgbClr val="ECECEC"/>
-              </a:solidFill>
-              <a:effectLst/>
-              <a:latin typeface="Times New Roman" panose="02020603050405020304" pitchFamily="18" charset="0"/>
-              <a:cs typeface="Times New Roman" panose="02020603050405020304" pitchFamily="18" charset="0"/>
-            </a:endParaRPr>
-          </a:p>
-          <a:p>
-            <a:pPr marL="285750" indent="-285750" algn="l">
-              <a:buClr>
-                <a:schemeClr val="bg1"/>
-              </a:buClr>
-              <a:buFont typeface="Arial" panose="020B0604020202020204" pitchFamily="34" charset="0"/>
-              <a:buChar char="•"/>
-            </a:pPr>
-            <a:r>
-              <a:rPr lang="en-US" b="1" i="0" dirty="0">
-                <a:solidFill>
-                  <a:srgbClr val="ECECEC"/>
-                </a:solidFill>
-                <a:effectLst/>
-                <a:latin typeface="Times New Roman" panose="02020603050405020304" pitchFamily="18" charset="0"/>
-                <a:cs typeface="Times New Roman" panose="02020603050405020304" pitchFamily="18" charset="0"/>
-              </a:rPr>
-              <a:t>DrawBitmap Sample for Scalar Encoder:</a:t>
-            </a:r>
-            <a:endParaRPr lang="en-US" b="0" i="0" dirty="0">
-              <a:solidFill>
-                <a:srgbClr val="ECECEC"/>
-              </a:solidFill>
-              <a:effectLst/>
-              <a:latin typeface="Times New Roman" panose="02020603050405020304" pitchFamily="18" charset="0"/>
-              <a:cs typeface="Times New Roman" panose="02020603050405020304" pitchFamily="18" charset="0"/>
-            </a:endParaRPr>
-          </a:p>
-          <a:p>
-            <a:pPr algn="just">
-              <a:buClr>
-                <a:schemeClr val="bg1"/>
-              </a:buClr>
-            </a:pPr>
-            <a:r>
-              <a:rPr lang="en-US" b="0" i="0" dirty="0">
-                <a:solidFill>
-                  <a:srgbClr val="ECECEC"/>
-                </a:solidFill>
-                <a:effectLst/>
-                <a:latin typeface="Times New Roman" panose="02020603050405020304" pitchFamily="18" charset="0"/>
-                <a:cs typeface="Times New Roman" panose="02020603050405020304" pitchFamily="18" charset="0"/>
-              </a:rPr>
-              <a:t>Initially, scalar encoders are configured with predefined settings via their constructors, including parameters such as width (W), total number of bits (N), minimum value (MinVal), and maximum value (MaxVal). Once initialized, the Encode() method is invoked with input values to commence the encoding process, yielding binary arrays that signify the encoded values. Subsequently, to visualize the encoded data, the printBitMap function is utilized within the Test Method, exemplified by TestMethod9 in a unit test scenario. This method encodes input data, yielding a 1-D array (result1), subsequently transformed into a 2-D array. The resulting 2-D array is transposed and passed to the DrawBitmap method, where each SDR is represented as a bitmap image. Notably, active bits are depicted in dark orange, while inactive bits are represented in yellow, facilitating visual interpretation of the generated SDRs.</a:t>
-            </a:r>
-          </a:p>
-        </p:txBody>
-      </p:sp>
-    </p:spTree>
-    <p:extLst>
-      <p:ext uri="{BB962C8B-B14F-4D97-AF65-F5344CB8AC3E}">
-        <p14:creationId xmlns:p14="http://schemas.microsoft.com/office/powerpoint/2010/main" val="3054465294"/>
-      </p:ext>
-    </p:extLst>
-  </p:cSld>
-  <p:clrMapOvr>
-    <a:masterClrMapping/>
-  </p:clrMapOvr>
-</p:sld>
-</file>
-
-<file path=ppt/slides/slide12.xml><?xml version="1.0" encoding="utf-8"?>
-<p:sld xmlns:a="http://schemas.openxmlformats.org/drawingml/2006/main" xmlns:r="http://schemas.openxmlformats.org/officeDocument/2006/relationships" xmlns:p="http://schemas.openxmlformats.org/presentationml/2006/main">
-  <p:cSld>
-    <p:spTree>
-      <p:nvGrpSpPr>
-        <p:cNvPr id="1" name="Shape 656"/>
-        <p:cNvGrpSpPr/>
-        <p:nvPr/>
-      </p:nvGrpSpPr>
-      <p:grpSpPr>
-        <a:xfrm>
-          <a:off x="0" y="0"/>
-          <a:ext cx="0" cy="0"/>
-          <a:chOff x="0" y="0"/>
-          <a:chExt cx="0" cy="0"/>
-        </a:xfrm>
-      </p:grpSpPr>
-      <p:sp>
-        <p:nvSpPr>
-          <p:cNvPr id="674" name="Google Shape;674;p64"/>
-          <p:cNvSpPr txBox="1">
-            <a:spLocks noGrp="1"/>
-          </p:cNvSpPr>
-          <p:nvPr>
-            <p:ph type="title"/>
-          </p:nvPr>
-        </p:nvSpPr>
-        <p:spPr>
-          <a:xfrm>
-            <a:off x="720000" y="308516"/>
-            <a:ext cx="7704000" cy="572700"/>
-          </a:xfrm>
-          <a:prstGeom prst="rect">
-            <a:avLst/>
-          </a:prstGeom>
-        </p:spPr>
-        <p:txBody>
-          <a:bodyPr spcFirstLastPara="1" wrap="square" lIns="91425" tIns="91425" rIns="91425" bIns="91425" anchor="t" anchorCtr="0">
-            <a:noAutofit/>
-          </a:bodyPr>
-          <a:lstStyle/>
-          <a:p>
-            <a:pPr marL="0" lvl="0" indent="0" algn="ctr">
-              <a:buClr>
-                <a:srgbClr val="191919"/>
-              </a:buClr>
-              <a:buSzPts val="5200"/>
-            </a:pPr>
-            <a:r>
-              <a:rPr lang="en-IN" sz="2400" dirty="0">
-                <a:latin typeface="Bookman Old Style" panose="02050604050505020204" pitchFamily="18" charset="0"/>
-                <a:ea typeface="Calibri" panose="020F0502020204030204" pitchFamily="34" charset="0"/>
-                <a:cs typeface="Arial" panose="020B0604020202020204" pitchFamily="34" charset="0"/>
-              </a:rPr>
-              <a:t>SDR Generation Using Scalar Encoder</a:t>
-            </a:r>
-            <a:endParaRPr sz="2400" dirty="0">
-              <a:latin typeface="Bookman Old Style" panose="02050604050505020204" pitchFamily="18" charset="0"/>
-              <a:ea typeface="Calibri" panose="020F0502020204030204" pitchFamily="34" charset="0"/>
-              <a:cs typeface="Arial" panose="020B0604020202020204" pitchFamily="34" charset="0"/>
-            </a:endParaRPr>
-          </a:p>
-        </p:txBody>
-      </p:sp>
-      <p:sp>
-        <p:nvSpPr>
-          <p:cNvPr id="4" name="Rectangle 3">
-            <a:extLst>
-              <a:ext uri="{FF2B5EF4-FFF2-40B4-BE49-F238E27FC236}">
-                <a16:creationId xmlns:a16="http://schemas.microsoft.com/office/drawing/2014/main" id="{58250C4E-0497-B5C8-ECAF-289A12643488}"/>
-              </a:ext>
-            </a:extLst>
-          </p:cNvPr>
-          <p:cNvSpPr>
-            <a:spLocks noChangeArrowheads="1"/>
-          </p:cNvSpPr>
-          <p:nvPr/>
-        </p:nvSpPr>
-        <p:spPr bwMode="auto">
-          <a:xfrm>
-            <a:off x="423001" y="903779"/>
-            <a:ext cx="8335237" cy="2462213"/>
-          </a:xfrm>
-          <a:prstGeom prst="rect">
-            <a:avLst/>
-          </a:prstGeom>
-          <a:noFill/>
-          <a:ln>
-            <a:noFill/>
-          </a:ln>
-          <a:effectLst/>
-        </p:spPr>
-        <p:txBody>
-          <a:bodyPr vert="horz" wrap="square" lIns="91440" tIns="45720" rIns="91440" bIns="45720" numCol="1" anchor="ctr" anchorCtr="0" compatLnSpc="1">
-            <a:prstTxWarp prst="textNoShape">
-              <a:avLst/>
-            </a:prstTxWarp>
-            <a:spAutoFit/>
-          </a:bodyPr>
-          <a:lstStyle/>
-          <a:p>
-            <a:pPr algn="l">
-              <a:buClr>
-                <a:schemeClr val="bg1"/>
-              </a:buClr>
-            </a:pPr>
-            <a:r>
-              <a:rPr lang="en-DE" b="1" dirty="0">
-                <a:solidFill>
-                  <a:srgbClr val="ECECEC"/>
-                </a:solidFill>
-                <a:latin typeface="Times New Roman" panose="02020603050405020304" pitchFamily="18" charset="0"/>
-                <a:cs typeface="Times New Roman" panose="02020603050405020304" pitchFamily="18" charset="0"/>
-              </a:rPr>
-              <a:t>Example</a:t>
-            </a:r>
-            <a:endParaRPr lang="en-US" b="0" i="0" dirty="0">
-              <a:solidFill>
-                <a:srgbClr val="ECECEC"/>
-              </a:solidFill>
-              <a:effectLst/>
-              <a:latin typeface="Times New Roman" panose="02020603050405020304" pitchFamily="18" charset="0"/>
-              <a:cs typeface="Times New Roman" panose="02020603050405020304" pitchFamily="18" charset="0"/>
-            </a:endParaRPr>
-          </a:p>
-          <a:p>
-            <a:pPr algn="just"/>
-            <a:r>
-              <a:rPr lang="en-US" dirty="0">
-                <a:solidFill>
-                  <a:srgbClr val="ECECEC"/>
-                </a:solidFill>
-                <a:latin typeface="Times New Roman" panose="02020603050405020304" pitchFamily="18" charset="0"/>
-                <a:cs typeface="Times New Roman" panose="02020603050405020304" pitchFamily="18" charset="0"/>
-              </a:rPr>
-              <a:t>Scalar In this example, the value of N is set 20 while initializing the encoding parameters for the encoder. So, the size of SDR which is saved in result1 is 20.</a:t>
-            </a:r>
-            <a:endParaRPr lang="en-DE" dirty="0">
-              <a:solidFill>
-                <a:srgbClr val="ECECEC"/>
-              </a:solidFill>
-              <a:latin typeface="Times New Roman" panose="02020603050405020304" pitchFamily="18" charset="0"/>
-              <a:cs typeface="Times New Roman" panose="02020603050405020304" pitchFamily="18" charset="0"/>
-            </a:endParaRPr>
-          </a:p>
-          <a:p>
-            <a:pPr algn="just"/>
-            <a:r>
-              <a:rPr lang="en-US" dirty="0">
-                <a:solidFill>
-                  <a:srgbClr val="ECECEC"/>
-                </a:solidFill>
-                <a:latin typeface="Times New Roman" panose="02020603050405020304" pitchFamily="18" charset="0"/>
-                <a:cs typeface="Times New Roman" panose="02020603050405020304" pitchFamily="18" charset="0"/>
-              </a:rPr>
-              <a:t>As this value is then converted to 2-D Array, hence 20 is pa</a:t>
-            </a:r>
-            <a:r>
-              <a:rPr lang="en-DE" dirty="0">
-                <a:solidFill>
-                  <a:srgbClr val="ECECEC"/>
-                </a:solidFill>
-                <a:latin typeface="Times New Roman" panose="02020603050405020304" pitchFamily="18" charset="0"/>
-                <a:cs typeface="Times New Roman" panose="02020603050405020304" pitchFamily="18" charset="0"/>
-              </a:rPr>
-              <a:t>s</a:t>
-            </a:r>
-            <a:r>
-              <a:rPr lang="en-US" dirty="0">
-                <a:solidFill>
-                  <a:srgbClr val="ECECEC"/>
-                </a:solidFill>
-                <a:latin typeface="Times New Roman" panose="02020603050405020304" pitchFamily="18" charset="0"/>
-                <a:cs typeface="Times New Roman" panose="02020603050405020304" pitchFamily="18" charset="0"/>
-              </a:rPr>
-              <a:t>sed to the (int) Math.Sqrt(result1.Length) and (int) Math.Sqrt(result1.Length) This becomes (int) Math.Sqrt(20) = 4 and (int) Math.Sqrt(20) = 4</a:t>
-            </a:r>
-          </a:p>
-          <a:p>
-            <a:pPr algn="just"/>
-            <a:r>
-              <a:rPr lang="en-US" dirty="0">
-                <a:solidFill>
-                  <a:srgbClr val="ECECEC"/>
-                </a:solidFill>
-                <a:latin typeface="Times New Roman" panose="02020603050405020304" pitchFamily="18" charset="0"/>
-                <a:cs typeface="Times New Roman" panose="02020603050405020304" pitchFamily="18" charset="0"/>
-              </a:rPr>
-              <a:t>These results are then transposed and passed to the DrawBitmap method. In this method In this method</a:t>
-            </a:r>
-          </a:p>
-          <a:p>
-            <a:pPr marL="285750" indent="-285750" algn="just">
-              <a:buClr>
-                <a:schemeClr val="bg1"/>
-              </a:buClr>
-              <a:buFont typeface="Arial" panose="020B0604020202020204" pitchFamily="34" charset="0"/>
-              <a:buChar char="•"/>
-            </a:pPr>
-            <a:r>
-              <a:rPr lang="en-US" dirty="0">
-                <a:solidFill>
-                  <a:srgbClr val="ECECEC"/>
-                </a:solidFill>
-                <a:latin typeface="Times New Roman" panose="02020603050405020304" pitchFamily="18" charset="0"/>
-                <a:cs typeface="Times New Roman" panose="02020603050405020304" pitchFamily="18" charset="0"/>
-              </a:rPr>
-              <a:t>Height and Width of the Bit Map is set to 1024.</a:t>
-            </a:r>
-          </a:p>
-          <a:p>
-            <a:pPr marL="285750" indent="-285750" algn="just">
-              <a:buClr>
-                <a:schemeClr val="bg1"/>
-              </a:buClr>
-              <a:buFont typeface="Arial" panose="020B0604020202020204" pitchFamily="34" charset="0"/>
-              <a:buChar char="•"/>
-            </a:pPr>
-            <a:r>
-              <a:rPr lang="en-US" dirty="0">
-                <a:solidFill>
-                  <a:srgbClr val="ECECEC"/>
-                </a:solidFill>
-                <a:latin typeface="Times New Roman" panose="02020603050405020304" pitchFamily="18" charset="0"/>
-                <a:cs typeface="Times New Roman" panose="02020603050405020304" pitchFamily="18" charset="0"/>
-              </a:rPr>
-              <a:t>The Path to the output folder is also mentioned. The generated Bit Maps will be saved in this folder.</a:t>
-            </a:r>
-          </a:p>
-          <a:p>
-            <a:pPr marL="285750" indent="-285750" algn="just">
-              <a:buClr>
-                <a:schemeClr val="bg1"/>
-              </a:buClr>
-              <a:buFont typeface="Arial" panose="020B0604020202020204" pitchFamily="34" charset="0"/>
-              <a:buChar char="•"/>
-            </a:pPr>
-            <a:r>
-              <a:rPr lang="en-US" dirty="0">
-                <a:solidFill>
-                  <a:srgbClr val="ECECEC"/>
-                </a:solidFill>
-                <a:latin typeface="Times New Roman" panose="02020603050405020304" pitchFamily="18" charset="0"/>
-                <a:cs typeface="Times New Roman" panose="02020603050405020304" pitchFamily="18" charset="0"/>
-              </a:rPr>
-              <a:t>An active bit in the SDR is represented by Dark Orange color and an inactive bit is represented by Yellow color.</a:t>
-            </a:r>
-          </a:p>
-          <a:p>
-            <a:pPr marL="285750" indent="-285750" algn="just">
-              <a:buClr>
-                <a:schemeClr val="bg1"/>
-              </a:buClr>
-              <a:buFont typeface="Arial" panose="020B0604020202020204" pitchFamily="34" charset="0"/>
-              <a:buChar char="•"/>
-            </a:pPr>
-            <a:r>
-              <a:rPr lang="en-US" dirty="0">
-                <a:solidFill>
-                  <a:srgbClr val="ECECEC"/>
-                </a:solidFill>
-                <a:latin typeface="Times New Roman" panose="02020603050405020304" pitchFamily="18" charset="0"/>
-                <a:cs typeface="Times New Roman" panose="02020603050405020304" pitchFamily="18" charset="0"/>
-              </a:rPr>
-              <a:t>We also see the value of </a:t>
-            </a:r>
-            <a:r>
-              <a:rPr lang="en-US" dirty="0" err="1">
-                <a:solidFill>
-                  <a:srgbClr val="ECECEC"/>
-                </a:solidFill>
-                <a:latin typeface="Times New Roman" panose="02020603050405020304" pitchFamily="18" charset="0"/>
-                <a:cs typeface="Times New Roman" panose="02020603050405020304" pitchFamily="18" charset="0"/>
-              </a:rPr>
-              <a:t>i</a:t>
-            </a:r>
-            <a:r>
-              <a:rPr lang="en-US" dirty="0">
-                <a:solidFill>
-                  <a:srgbClr val="ECECEC"/>
-                </a:solidFill>
-                <a:latin typeface="Times New Roman" panose="02020603050405020304" pitchFamily="18" charset="0"/>
-                <a:cs typeface="Times New Roman" panose="02020603050405020304" pitchFamily="18" charset="0"/>
-              </a:rPr>
-              <a:t> for which the Bit Map is generated in the top left corner of the Bit Map.</a:t>
-            </a:r>
-          </a:p>
-        </p:txBody>
-      </p:sp>
-      <p:pic>
-        <p:nvPicPr>
-          <p:cNvPr id="3" name="Picture 2">
-            <a:extLst>
-              <a:ext uri="{FF2B5EF4-FFF2-40B4-BE49-F238E27FC236}">
-                <a16:creationId xmlns:a16="http://schemas.microsoft.com/office/drawing/2014/main" id="{7C6E7C42-65D3-6F12-E4A4-53109087814E}"/>
-              </a:ext>
-            </a:extLst>
-          </p:cNvPr>
-          <p:cNvPicPr>
-            <a:picLocks noChangeAspect="1"/>
-          </p:cNvPicPr>
-          <p:nvPr/>
-        </p:nvPicPr>
-        <p:blipFill>
-          <a:blip r:embed="rId3"/>
-          <a:stretch>
-            <a:fillRect/>
-          </a:stretch>
-        </p:blipFill>
-        <p:spPr>
-          <a:xfrm>
-            <a:off x="554850" y="3439844"/>
-            <a:ext cx="7920000" cy="1395140"/>
-          </a:xfrm>
-          <a:prstGeom prst="rect">
-            <a:avLst/>
-          </a:prstGeom>
-        </p:spPr>
-      </p:pic>
-    </p:spTree>
-    <p:extLst>
-      <p:ext uri="{BB962C8B-B14F-4D97-AF65-F5344CB8AC3E}">
-        <p14:creationId xmlns:p14="http://schemas.microsoft.com/office/powerpoint/2010/main" val="248154622"/>
-      </p:ext>
-    </p:extLst>
-  </p:cSld>
-  <p:clrMapOvr>
-    <a:masterClrMapping/>
-  </p:clrMapOvr>
-</p:sld>
-</file>
-
-<file path=ppt/slides/slide13.xml><?xml version="1.0" encoding="utf-8"?>
-<p:sld xmlns:a="http://schemas.openxmlformats.org/drawingml/2006/main" xmlns:r="http://schemas.openxmlformats.org/officeDocument/2006/relationships" xmlns:p="http://schemas.openxmlformats.org/presentationml/2006/main">
-  <p:cSld>
-    <p:spTree>
-      <p:nvGrpSpPr>
-        <p:cNvPr id="1" name="Shape 656"/>
-        <p:cNvGrpSpPr/>
-        <p:nvPr/>
-      </p:nvGrpSpPr>
-      <p:grpSpPr>
-        <a:xfrm>
-          <a:off x="0" y="0"/>
-          <a:ext cx="0" cy="0"/>
-          <a:chOff x="0" y="0"/>
-          <a:chExt cx="0" cy="0"/>
-        </a:xfrm>
-      </p:grpSpPr>
-      <p:sp>
-        <p:nvSpPr>
-          <p:cNvPr id="674" name="Google Shape;674;p64"/>
-          <p:cNvSpPr txBox="1">
-            <a:spLocks noGrp="1"/>
-          </p:cNvSpPr>
-          <p:nvPr>
-            <p:ph type="title"/>
-          </p:nvPr>
-        </p:nvSpPr>
-        <p:spPr>
-          <a:xfrm>
-            <a:off x="423001" y="308516"/>
-            <a:ext cx="8000999" cy="572700"/>
-          </a:xfrm>
-          <a:prstGeom prst="rect">
-            <a:avLst/>
-          </a:prstGeom>
-        </p:spPr>
-        <p:txBody>
-          <a:bodyPr spcFirstLastPara="1" wrap="square" lIns="91425" tIns="91425" rIns="91425" bIns="91425" anchor="t" anchorCtr="0">
-            <a:noAutofit/>
-          </a:bodyPr>
-          <a:lstStyle/>
-          <a:p>
-            <a:pPr algn="ctr">
-              <a:buClr>
-                <a:srgbClr val="191919"/>
-              </a:buClr>
-              <a:buSzPts val="5200"/>
-            </a:pPr>
-            <a:r>
-              <a:rPr lang="en-IN" sz="2400" dirty="0">
-                <a:latin typeface="Bookman Old Style" panose="02050604050505020204" pitchFamily="18" charset="0"/>
-                <a:ea typeface="Calibri" panose="020F0502020204030204" pitchFamily="34" charset="0"/>
-                <a:cs typeface="Arial" panose="020B0604020202020204" pitchFamily="34" charset="0"/>
-              </a:rPr>
-              <a:t>SDR Generation Using </a:t>
-            </a:r>
-            <a:r>
-              <a:rPr lang="en-DE" sz="2400" dirty="0">
-                <a:latin typeface="Bookman Old Style" panose="02050604050505020204" pitchFamily="18" charset="0"/>
-                <a:ea typeface="Calibri" panose="020F0502020204030204" pitchFamily="34" charset="0"/>
-                <a:cs typeface="Arial" panose="020B0604020202020204" pitchFamily="34" charset="0"/>
-              </a:rPr>
-              <a:t>DateTime</a:t>
-            </a:r>
-            <a:r>
-              <a:rPr lang="en-IN" sz="2400" dirty="0">
-                <a:latin typeface="Bookman Old Style" panose="02050604050505020204" pitchFamily="18" charset="0"/>
-                <a:ea typeface="Calibri" panose="020F0502020204030204" pitchFamily="34" charset="0"/>
-                <a:cs typeface="Arial" panose="020B0604020202020204" pitchFamily="34" charset="0"/>
-              </a:rPr>
-              <a:t> Encoder</a:t>
-            </a:r>
-            <a:endParaRPr sz="2400" dirty="0">
-              <a:latin typeface="Bookman Old Style" panose="02050604050505020204" pitchFamily="18" charset="0"/>
-              <a:ea typeface="Calibri" panose="020F0502020204030204" pitchFamily="34" charset="0"/>
-              <a:cs typeface="Arial" panose="020B0604020202020204" pitchFamily="34" charset="0"/>
-            </a:endParaRPr>
-          </a:p>
-        </p:txBody>
-      </p:sp>
-      <p:sp>
-        <p:nvSpPr>
-          <p:cNvPr id="4" name="Rectangle 3">
-            <a:extLst>
-              <a:ext uri="{FF2B5EF4-FFF2-40B4-BE49-F238E27FC236}">
-                <a16:creationId xmlns:a16="http://schemas.microsoft.com/office/drawing/2014/main" id="{58250C4E-0497-B5C8-ECAF-289A12643488}"/>
-              </a:ext>
-            </a:extLst>
-          </p:cNvPr>
-          <p:cNvSpPr>
-            <a:spLocks noChangeArrowheads="1"/>
-          </p:cNvSpPr>
-          <p:nvPr/>
-        </p:nvSpPr>
-        <p:spPr bwMode="auto">
-          <a:xfrm>
-            <a:off x="505153" y="1491162"/>
-            <a:ext cx="8000999" cy="1815882"/>
-          </a:xfrm>
-          <a:prstGeom prst="rect">
-            <a:avLst/>
-          </a:prstGeom>
-          <a:noFill/>
-          <a:ln>
-            <a:noFill/>
-          </a:ln>
-          <a:effectLst/>
-        </p:spPr>
-        <p:txBody>
-          <a:bodyPr vert="horz" wrap="square" lIns="91440" tIns="45720" rIns="91440" bIns="45720" numCol="1" anchor="ctr" anchorCtr="0" compatLnSpc="1">
-            <a:prstTxWarp prst="textNoShape">
-              <a:avLst/>
-            </a:prstTxWarp>
-            <a:spAutoFit/>
-          </a:bodyPr>
-          <a:lstStyle/>
-          <a:p>
-            <a:pPr marL="285750" indent="-285750" algn="l">
-              <a:buClr>
-                <a:schemeClr val="bg1"/>
-              </a:buClr>
-              <a:buFont typeface="Arial" panose="020B0604020202020204" pitchFamily="34" charset="0"/>
-              <a:buChar char="•"/>
-            </a:pPr>
-            <a:r>
-              <a:rPr lang="en-DE" b="1" dirty="0">
-                <a:solidFill>
-                  <a:srgbClr val="ECECEC"/>
-                </a:solidFill>
-                <a:latin typeface="Times New Roman" panose="02020603050405020304" pitchFamily="18" charset="0"/>
-                <a:cs typeface="Times New Roman" panose="02020603050405020304" pitchFamily="18" charset="0"/>
-              </a:rPr>
-              <a:t>DateTime</a:t>
-            </a:r>
-            <a:r>
-              <a:rPr lang="en-DE" b="1" i="0" dirty="0">
-                <a:solidFill>
-                  <a:srgbClr val="ECECEC"/>
-                </a:solidFill>
-                <a:effectLst/>
-                <a:latin typeface="Times New Roman" panose="02020603050405020304" pitchFamily="18" charset="0"/>
-                <a:cs typeface="Times New Roman" panose="02020603050405020304" pitchFamily="18" charset="0"/>
-              </a:rPr>
-              <a:t> Encoder</a:t>
-            </a:r>
-          </a:p>
-          <a:p>
-            <a:pPr algn="l">
-              <a:buClr>
-                <a:schemeClr val="bg1"/>
-              </a:buClr>
-            </a:pPr>
-            <a:endParaRPr lang="en-US" b="0" i="0" dirty="0">
-              <a:solidFill>
-                <a:srgbClr val="ECECEC"/>
-              </a:solidFill>
-              <a:effectLst/>
-              <a:latin typeface="Times New Roman" panose="02020603050405020304" pitchFamily="18" charset="0"/>
-              <a:cs typeface="Times New Roman" panose="02020603050405020304" pitchFamily="18" charset="0"/>
-            </a:endParaRPr>
-          </a:p>
-          <a:p>
-            <a:pPr algn="just">
-              <a:buClr>
-                <a:schemeClr val="bg1"/>
-              </a:buClr>
-            </a:pPr>
-            <a:r>
-              <a:rPr lang="en-US" b="0" i="0" dirty="0">
-                <a:solidFill>
-                  <a:srgbClr val="ECECEC"/>
-                </a:solidFill>
-                <a:effectLst/>
-                <a:latin typeface="Times New Roman" panose="02020603050405020304" pitchFamily="18" charset="0"/>
-                <a:cs typeface="Times New Roman" panose="02020603050405020304" pitchFamily="18" charset="0"/>
-              </a:rPr>
-              <a:t>The DateTime Encoder serves as a crucial component for converting date and time information into Sparse Distributed Representations (SDRs). Initialized with specific settings such as width (W), number of bits (N), minimum and maximum values, periodicity, and padding, this encoder's Encode() method processes input date and time data, resulting in the generation of a one-dimensional array (1-D array) representing the Sparse Distributed Representation.</a:t>
-            </a:r>
-            <a:endParaRPr lang="en-DE" b="0" i="0" dirty="0">
-              <a:solidFill>
-                <a:srgbClr val="ECECEC"/>
-              </a:solidFill>
-              <a:effectLst/>
-              <a:latin typeface="Times New Roman" panose="02020603050405020304" pitchFamily="18" charset="0"/>
-              <a:cs typeface="Times New Roman" panose="02020603050405020304" pitchFamily="18" charset="0"/>
-            </a:endParaRPr>
-          </a:p>
-          <a:p>
-            <a:pPr algn="l">
-              <a:buClr>
-                <a:schemeClr val="bg1"/>
-              </a:buClr>
-            </a:pPr>
-            <a:endParaRPr lang="en-DE" b="0" i="0" dirty="0">
-              <a:solidFill>
-                <a:srgbClr val="ECECEC"/>
-              </a:solidFill>
-              <a:effectLst/>
-              <a:latin typeface="Times New Roman" panose="02020603050405020304" pitchFamily="18" charset="0"/>
-              <a:cs typeface="Times New Roman" panose="02020603050405020304" pitchFamily="18" charset="0"/>
-            </a:endParaRPr>
-          </a:p>
-        </p:txBody>
-      </p:sp>
-    </p:spTree>
-    <p:extLst>
-      <p:ext uri="{BB962C8B-B14F-4D97-AF65-F5344CB8AC3E}">
-        <p14:creationId xmlns:p14="http://schemas.microsoft.com/office/powerpoint/2010/main" val="718193031"/>
-      </p:ext>
-    </p:extLst>
-  </p:cSld>
-  <p:clrMapOvr>
-    <a:masterClrMapping/>
-  </p:clrMapOvr>
-</p:sld>
-</file>
-
-<file path=ppt/slides/slide14.xml><?xml version="1.0" encoding="utf-8"?>
-<p:sld xmlns:a="http://schemas.openxmlformats.org/drawingml/2006/main" xmlns:r="http://schemas.openxmlformats.org/officeDocument/2006/relationships" xmlns:p="http://schemas.openxmlformats.org/presentationml/2006/main">
-  <p:cSld>
-    <p:spTree>
-      <p:nvGrpSpPr>
-        <p:cNvPr id="1" name="Shape 656"/>
-        <p:cNvGrpSpPr/>
-        <p:nvPr/>
-      </p:nvGrpSpPr>
-      <p:grpSpPr>
-        <a:xfrm>
-          <a:off x="0" y="0"/>
-          <a:ext cx="0" cy="0"/>
-          <a:chOff x="0" y="0"/>
-          <a:chExt cx="0" cy="0"/>
-        </a:xfrm>
-      </p:grpSpPr>
-      <p:sp>
-        <p:nvSpPr>
-          <p:cNvPr id="674" name="Google Shape;674;p64"/>
-          <p:cNvSpPr txBox="1">
-            <a:spLocks noGrp="1"/>
-          </p:cNvSpPr>
-          <p:nvPr>
-            <p:ph type="title"/>
-          </p:nvPr>
-        </p:nvSpPr>
-        <p:spPr>
-          <a:xfrm>
-            <a:off x="415857" y="308516"/>
-            <a:ext cx="8328093" cy="572700"/>
-          </a:xfrm>
-          <a:prstGeom prst="rect">
-            <a:avLst/>
-          </a:prstGeom>
-        </p:spPr>
-        <p:txBody>
-          <a:bodyPr spcFirstLastPara="1" wrap="square" lIns="91425" tIns="91425" rIns="91425" bIns="91425" anchor="t" anchorCtr="0">
-            <a:noAutofit/>
-          </a:bodyPr>
-          <a:lstStyle/>
-          <a:p>
-            <a:pPr marL="0" lvl="0" indent="0" algn="ctr">
-              <a:buClr>
-                <a:srgbClr val="191919"/>
-              </a:buClr>
-              <a:buSzPts val="5200"/>
-            </a:pPr>
-            <a:r>
-              <a:rPr lang="en-IN" sz="2400" dirty="0">
-                <a:latin typeface="Bookman Old Style" panose="02050604050505020204" pitchFamily="18" charset="0"/>
-                <a:ea typeface="Calibri" panose="020F0502020204030204" pitchFamily="34" charset="0"/>
-                <a:cs typeface="Arial" panose="020B0604020202020204" pitchFamily="34" charset="0"/>
-              </a:rPr>
-              <a:t>SDR Generation Using </a:t>
-            </a:r>
-            <a:r>
-              <a:rPr lang="en-DE" sz="2400" dirty="0">
-                <a:latin typeface="Bookman Old Style" panose="02050604050505020204" pitchFamily="18" charset="0"/>
-                <a:ea typeface="Calibri" panose="020F0502020204030204" pitchFamily="34" charset="0"/>
-                <a:cs typeface="Arial" panose="020B0604020202020204" pitchFamily="34" charset="0"/>
-              </a:rPr>
-              <a:t>DateTime</a:t>
-            </a:r>
-            <a:r>
-              <a:rPr lang="en-IN" sz="2400" dirty="0">
-                <a:latin typeface="Bookman Old Style" panose="02050604050505020204" pitchFamily="18" charset="0"/>
-                <a:ea typeface="Calibri" panose="020F0502020204030204" pitchFamily="34" charset="0"/>
-                <a:cs typeface="Arial" panose="020B0604020202020204" pitchFamily="34" charset="0"/>
-              </a:rPr>
-              <a:t> Encoder</a:t>
-            </a:r>
-            <a:endParaRPr sz="2400" dirty="0">
-              <a:latin typeface="Bookman Old Style" panose="02050604050505020204" pitchFamily="18" charset="0"/>
-              <a:ea typeface="Calibri" panose="020F0502020204030204" pitchFamily="34" charset="0"/>
-              <a:cs typeface="Arial" panose="020B0604020202020204" pitchFamily="34" charset="0"/>
-            </a:endParaRPr>
-          </a:p>
-        </p:txBody>
-      </p:sp>
-      <p:sp>
-        <p:nvSpPr>
-          <p:cNvPr id="4" name="Rectangle 3">
-            <a:extLst>
-              <a:ext uri="{FF2B5EF4-FFF2-40B4-BE49-F238E27FC236}">
-                <a16:creationId xmlns:a16="http://schemas.microsoft.com/office/drawing/2014/main" id="{58250C4E-0497-B5C8-ECAF-289A12643488}"/>
-              </a:ext>
-            </a:extLst>
-          </p:cNvPr>
-          <p:cNvSpPr>
-            <a:spLocks noChangeArrowheads="1"/>
-          </p:cNvSpPr>
-          <p:nvPr/>
-        </p:nvSpPr>
-        <p:spPr bwMode="auto">
-          <a:xfrm>
-            <a:off x="415857" y="945510"/>
-            <a:ext cx="8328093" cy="2031325"/>
-          </a:xfrm>
-          <a:prstGeom prst="rect">
-            <a:avLst/>
-          </a:prstGeom>
-          <a:noFill/>
-          <a:ln>
-            <a:noFill/>
-          </a:ln>
-          <a:effectLst/>
-        </p:spPr>
-        <p:txBody>
-          <a:bodyPr vert="horz" wrap="square" lIns="91440" tIns="45720" rIns="91440" bIns="45720" numCol="1" anchor="ctr" anchorCtr="0" compatLnSpc="1">
-            <a:prstTxWarp prst="textNoShape">
-              <a:avLst/>
-            </a:prstTxWarp>
-            <a:spAutoFit/>
-          </a:bodyPr>
-          <a:lstStyle/>
-          <a:p>
-            <a:pPr marL="285750" indent="-285750" algn="l">
-              <a:buClr>
-                <a:schemeClr val="bg1"/>
-              </a:buClr>
-              <a:buFont typeface="Arial" panose="020B0604020202020204" pitchFamily="34" charset="0"/>
-              <a:buChar char="•"/>
-            </a:pPr>
-            <a:r>
-              <a:rPr lang="en-US" b="1" i="0" dirty="0">
-                <a:solidFill>
-                  <a:srgbClr val="ECECEC"/>
-                </a:solidFill>
-                <a:effectLst/>
-                <a:latin typeface="Times New Roman" panose="02020603050405020304" pitchFamily="18" charset="0"/>
-                <a:cs typeface="Times New Roman" panose="02020603050405020304" pitchFamily="18" charset="0"/>
-              </a:rPr>
-              <a:t>DrawBitmap Sample for </a:t>
-            </a:r>
-            <a:r>
-              <a:rPr lang="en-DE" b="1" dirty="0">
-                <a:solidFill>
-                  <a:srgbClr val="ECECEC"/>
-                </a:solidFill>
-                <a:latin typeface="Times New Roman" panose="02020603050405020304" pitchFamily="18" charset="0"/>
-                <a:cs typeface="Times New Roman" panose="02020603050405020304" pitchFamily="18" charset="0"/>
-              </a:rPr>
-              <a:t>DateTime</a:t>
-            </a:r>
-            <a:r>
-              <a:rPr lang="en-US" b="1" i="0" dirty="0">
-                <a:solidFill>
-                  <a:srgbClr val="ECECEC"/>
-                </a:solidFill>
-                <a:effectLst/>
-                <a:latin typeface="Times New Roman" panose="02020603050405020304" pitchFamily="18" charset="0"/>
-                <a:cs typeface="Times New Roman" panose="02020603050405020304" pitchFamily="18" charset="0"/>
-              </a:rPr>
-              <a:t> Encoder:</a:t>
-            </a:r>
-            <a:endParaRPr lang="en-US" b="0" i="0" dirty="0">
-              <a:solidFill>
-                <a:srgbClr val="ECECEC"/>
-              </a:solidFill>
-              <a:effectLst/>
-              <a:latin typeface="Times New Roman" panose="02020603050405020304" pitchFamily="18" charset="0"/>
-              <a:cs typeface="Times New Roman" panose="02020603050405020304" pitchFamily="18" charset="0"/>
-            </a:endParaRPr>
-          </a:p>
-          <a:p>
-            <a:pPr algn="just">
-              <a:buClr>
-                <a:schemeClr val="bg1"/>
-              </a:buClr>
-            </a:pPr>
-            <a:r>
-              <a:rPr lang="en-US" b="0" i="0" dirty="0">
-                <a:solidFill>
-                  <a:srgbClr val="ECECEC"/>
-                </a:solidFill>
-                <a:effectLst/>
-                <a:latin typeface="Times New Roman" panose="02020603050405020304" pitchFamily="18" charset="0"/>
-                <a:cs typeface="Times New Roman" panose="02020603050405020304" pitchFamily="18" charset="0"/>
-              </a:rPr>
-              <a:t>To visualize the generated SDRs, the bitmap representation is employed, facilitating the conversion of SDRs into a two-dimensional array (</a:t>
-            </a:r>
-            <a:r>
-              <a:rPr lang="en-US" b="0" i="0" dirty="0" err="1">
-                <a:solidFill>
-                  <a:srgbClr val="ECECEC"/>
-                </a:solidFill>
-                <a:effectLst/>
-                <a:latin typeface="Times New Roman" panose="02020603050405020304" pitchFamily="18" charset="0"/>
-                <a:cs typeface="Times New Roman" panose="02020603050405020304" pitchFamily="18" charset="0"/>
-              </a:rPr>
-              <a:t>twoDimArray</a:t>
-            </a:r>
-            <a:r>
-              <a:rPr lang="en-US" b="0" i="0" dirty="0">
-                <a:solidFill>
-                  <a:srgbClr val="ECECEC"/>
-                </a:solidFill>
-                <a:effectLst/>
-                <a:latin typeface="Times New Roman" panose="02020603050405020304" pitchFamily="18" charset="0"/>
-                <a:cs typeface="Times New Roman" panose="02020603050405020304" pitchFamily="18" charset="0"/>
-              </a:rPr>
-              <a:t>). The resultant SDRs can then be further visualized using tools like DrawBitmap(), which generates bitmap images from the SDRs. In a practical example, the 1-D array (result2) is converted into a 2-D array (twoDimenArray2), followed by the transposition of the 2-D array. This transposed array is then passed to the DrawBitmap method, where width and height are set to 1024 pixels. Additionally, inactive cells are represented in yellow, while active cells are depicted in black, providing a clear visual representation of the encoded date and time information.</a:t>
-            </a:r>
-          </a:p>
-          <a:p>
-            <a:pPr algn="l">
-              <a:buClr>
-                <a:schemeClr val="bg1"/>
-              </a:buClr>
-            </a:pPr>
-            <a:endParaRPr lang="en-US" b="0" i="0" dirty="0">
-              <a:solidFill>
-                <a:srgbClr val="ECECEC"/>
-              </a:solidFill>
-              <a:effectLst/>
-              <a:latin typeface="Times New Roman" panose="02020603050405020304" pitchFamily="18" charset="0"/>
-              <a:cs typeface="Times New Roman" panose="02020603050405020304" pitchFamily="18" charset="0"/>
-            </a:endParaRPr>
-          </a:p>
-        </p:txBody>
-      </p:sp>
-      <p:pic>
-        <p:nvPicPr>
-          <p:cNvPr id="5" name="Picture 4">
-            <a:extLst>
-              <a:ext uri="{FF2B5EF4-FFF2-40B4-BE49-F238E27FC236}">
-                <a16:creationId xmlns:a16="http://schemas.microsoft.com/office/drawing/2014/main" id="{3BFFB46D-0C1D-15FF-7788-73BF973DA960}"/>
-              </a:ext>
-            </a:extLst>
-          </p:cNvPr>
-          <p:cNvPicPr>
-            <a:picLocks noChangeAspect="1"/>
-          </p:cNvPicPr>
-          <p:nvPr/>
-        </p:nvPicPr>
-        <p:blipFill>
-          <a:blip r:embed="rId3"/>
-          <a:stretch>
-            <a:fillRect/>
-          </a:stretch>
-        </p:blipFill>
-        <p:spPr>
-          <a:xfrm>
-            <a:off x="1260000" y="2883749"/>
-            <a:ext cx="6624000" cy="1951235"/>
-          </a:xfrm>
-          <a:prstGeom prst="rect">
-            <a:avLst/>
-          </a:prstGeom>
-        </p:spPr>
-      </p:pic>
-    </p:spTree>
-    <p:extLst>
-      <p:ext uri="{BB962C8B-B14F-4D97-AF65-F5344CB8AC3E}">
-        <p14:creationId xmlns:p14="http://schemas.microsoft.com/office/powerpoint/2010/main" val="2761323667"/>
-      </p:ext>
-    </p:extLst>
-  </p:cSld>
-  <p:clrMapOvr>
-    <a:masterClrMapping/>
-  </p:clrMapOvr>
-</p:sld>
-</file>
-
-<file path=ppt/slides/slide15.xml><?xml version="1.0" encoding="utf-8"?>
-<p:sld xmlns:a="http://schemas.openxmlformats.org/drawingml/2006/main" xmlns:r="http://schemas.openxmlformats.org/officeDocument/2006/relationships" xmlns:p="http://schemas.openxmlformats.org/presentationml/2006/main">
-  <p:cSld>
-    <p:bg>
-      <p:bgPr>
-        <a:blipFill>
-          <a:blip r:embed="rId4">
-            <a:alphaModFix/>
-          </a:blip>
-          <a:stretch>
-            <a:fillRect/>
-          </a:stretch>
-        </a:blipFill>
-        <a:effectLst/>
-      </p:bgPr>
-    </p:bg>
-    <p:spTree>
-      <p:nvGrpSpPr>
-        <p:cNvPr id="1" name="Shape 656"/>
-        <p:cNvGrpSpPr/>
-        <p:nvPr/>
-      </p:nvGrpSpPr>
-      <p:grpSpPr>
-        <a:xfrm>
-          <a:off x="0" y="0"/>
-          <a:ext cx="0" cy="0"/>
-          <a:chOff x="0" y="0"/>
-          <a:chExt cx="0" cy="0"/>
-        </a:xfrm>
-      </p:grpSpPr>
-      <p:sp>
-        <p:nvSpPr>
-          <p:cNvPr id="674" name="Google Shape;674;p64"/>
-          <p:cNvSpPr txBox="1">
-            <a:spLocks noGrp="1"/>
-          </p:cNvSpPr>
-          <p:nvPr>
-            <p:ph type="title"/>
-          </p:nvPr>
-        </p:nvSpPr>
-        <p:spPr>
-          <a:xfrm>
-            <a:off x="506447" y="308516"/>
-            <a:ext cx="8131106" cy="572700"/>
-          </a:xfrm>
-          <a:prstGeom prst="rect">
-            <a:avLst/>
-          </a:prstGeom>
-        </p:spPr>
-        <p:txBody>
-          <a:bodyPr spcFirstLastPara="1" wrap="square" lIns="91425" tIns="91425" rIns="91425" bIns="91425" anchor="t" anchorCtr="0">
-            <a:noAutofit/>
-          </a:bodyPr>
-          <a:lstStyle/>
-          <a:p>
-            <a:pPr algn="ctr">
-              <a:buClr>
-                <a:srgbClr val="191919"/>
-              </a:buClr>
-              <a:buSzPts val="5200"/>
-            </a:pPr>
-            <a:r>
-              <a:rPr lang="en-IN" sz="2400" dirty="0">
-                <a:latin typeface="Bookman Old Style" panose="02050604050505020204" pitchFamily="18" charset="0"/>
-                <a:ea typeface="Calibri" panose="020F0502020204030204" pitchFamily="34" charset="0"/>
-                <a:cs typeface="Arial" panose="020B0604020202020204" pitchFamily="34" charset="0"/>
-              </a:rPr>
-              <a:t>SDR Generation Using Geo-Spatial Encoder</a:t>
-            </a:r>
-            <a:endParaRPr sz="2400" dirty="0">
-              <a:latin typeface="Bookman Old Style" panose="02050604050505020204" pitchFamily="18" charset="0"/>
-              <a:ea typeface="Calibri" panose="020F0502020204030204" pitchFamily="34" charset="0"/>
-              <a:cs typeface="Arial" panose="020B0604020202020204" pitchFamily="34" charset="0"/>
-            </a:endParaRPr>
-          </a:p>
-        </p:txBody>
-      </p:sp>
-      <p:sp>
-        <p:nvSpPr>
-          <p:cNvPr id="4" name="Rectangle 3">
-            <a:extLst>
-              <a:ext uri="{FF2B5EF4-FFF2-40B4-BE49-F238E27FC236}">
-                <a16:creationId xmlns:a16="http://schemas.microsoft.com/office/drawing/2014/main" id="{58250C4E-0497-B5C8-ECAF-289A12643488}"/>
-              </a:ext>
-            </a:extLst>
-          </p:cNvPr>
-          <p:cNvSpPr>
-            <a:spLocks noChangeArrowheads="1"/>
-          </p:cNvSpPr>
-          <p:nvPr/>
-        </p:nvSpPr>
-        <p:spPr bwMode="auto">
-          <a:xfrm>
-            <a:off x="421482" y="1713748"/>
-            <a:ext cx="8315324" cy="1384995"/>
-          </a:xfrm>
-          <a:prstGeom prst="rect">
-            <a:avLst/>
-          </a:prstGeom>
-          <a:noFill/>
-          <a:ln>
-            <a:noFill/>
-          </a:ln>
-          <a:effectLst/>
-        </p:spPr>
-        <p:txBody>
-          <a:bodyPr vert="horz" wrap="square" lIns="91440" tIns="45720" rIns="91440" bIns="45720" numCol="1" anchor="ctr" anchorCtr="0" compatLnSpc="1">
-            <a:prstTxWarp prst="textNoShape">
-              <a:avLst/>
-            </a:prstTxWarp>
-            <a:spAutoFit/>
-          </a:bodyPr>
-          <a:lstStyle/>
-          <a:p>
-            <a:pPr marL="285750" indent="-285750" algn="l">
-              <a:buClr>
-                <a:schemeClr val="bg1"/>
-              </a:buClr>
-              <a:buFont typeface="Arial" panose="020B0604020202020204" pitchFamily="34" charset="0"/>
-              <a:buChar char="•"/>
-            </a:pPr>
-            <a:r>
-              <a:rPr lang="en-IN" b="1" i="0" dirty="0">
-                <a:solidFill>
-                  <a:srgbClr val="ECECEC"/>
-                </a:solidFill>
-                <a:effectLst/>
-                <a:latin typeface="Times New Roman" panose="02020603050405020304" pitchFamily="18" charset="0"/>
-                <a:cs typeface="Times New Roman" panose="02020603050405020304" pitchFamily="18" charset="0"/>
-              </a:rPr>
-              <a:t>Geo-Spatial</a:t>
-            </a:r>
-            <a:r>
-              <a:rPr lang="en-DE" b="1" i="0" dirty="0">
-                <a:solidFill>
-                  <a:srgbClr val="ECECEC"/>
-                </a:solidFill>
-                <a:effectLst/>
-                <a:latin typeface="Times New Roman" panose="02020603050405020304" pitchFamily="18" charset="0"/>
-                <a:cs typeface="Times New Roman" panose="02020603050405020304" pitchFamily="18" charset="0"/>
-              </a:rPr>
-              <a:t> Encoder</a:t>
-            </a:r>
-          </a:p>
-          <a:p>
-            <a:pPr algn="l">
-              <a:buClr>
-                <a:schemeClr val="bg1"/>
-              </a:buClr>
-            </a:pPr>
-            <a:endParaRPr lang="en-US" b="0" i="0" dirty="0">
-              <a:solidFill>
-                <a:srgbClr val="ECECEC"/>
-              </a:solidFill>
-              <a:effectLst/>
-              <a:latin typeface="Times New Roman" panose="02020603050405020304" pitchFamily="18" charset="0"/>
-              <a:cs typeface="Times New Roman" panose="02020603050405020304" pitchFamily="18" charset="0"/>
-            </a:endParaRPr>
-          </a:p>
-          <a:p>
-            <a:pPr algn="just">
-              <a:buClr>
-                <a:schemeClr val="bg1"/>
-              </a:buClr>
-            </a:pPr>
-            <a:r>
-              <a:rPr lang="en-US" b="0" i="0" dirty="0">
-                <a:solidFill>
-                  <a:srgbClr val="ECECEC"/>
-                </a:solidFill>
-                <a:effectLst/>
-                <a:latin typeface="Times New Roman" panose="02020603050405020304" pitchFamily="18" charset="0"/>
-                <a:cs typeface="Times New Roman" panose="02020603050405020304" pitchFamily="18" charset="0"/>
-              </a:rPr>
-              <a:t>The Geospatial Encoder is instrumental in converting geospatial data into binary arrays, enabling the visualization of geographical information as bitmap images. Through Sparse Distributed Representations (SDRs), encoded geographical coordinates are translated into visually interpretable bitmap images, allowing for insightful analysis of spatial information encoded within SDRs.</a:t>
-            </a:r>
-            <a:endParaRPr lang="en-DE" b="0" i="0" dirty="0">
-              <a:solidFill>
-                <a:srgbClr val="ECECEC"/>
-              </a:solidFill>
-              <a:effectLst/>
-              <a:latin typeface="Times New Roman" panose="02020603050405020304" pitchFamily="18" charset="0"/>
-              <a:cs typeface="Times New Roman" panose="02020603050405020304" pitchFamily="18" charset="0"/>
-            </a:endParaRPr>
-          </a:p>
-        </p:txBody>
-      </p:sp>
-    </p:spTree>
-    <p:extLst>
-      <p:ext uri="{BB962C8B-B14F-4D97-AF65-F5344CB8AC3E}">
-        <p14:creationId xmlns:p14="http://schemas.microsoft.com/office/powerpoint/2010/main" val="1841029847"/>
-      </p:ext>
-    </p:extLst>
-  </p:cSld>
-  <p:clrMapOvr>
-    <a:overrideClrMapping bg1="lt1" tx1="dk1" bg2="dk2" tx2="lt2" accent1="accent1" accent2="accent2" accent3="accent3" accent4="accent4" accent5="accent5" accent6="accent6" hlink="hlink" folHlink="folHlink"/>
-  </p:clrMapOvr>
-</p:sld>
-</file>
-
-<file path=ppt/slides/slide16.xml><?xml version="1.0" encoding="utf-8"?>
-<p:sld xmlns:a="http://schemas.openxmlformats.org/drawingml/2006/main" xmlns:r="http://schemas.openxmlformats.org/officeDocument/2006/relationships" xmlns:p="http://schemas.openxmlformats.org/presentationml/2006/main">
-  <p:cSld>
-    <p:spTree>
-      <p:nvGrpSpPr>
-        <p:cNvPr id="1" name="Shape 656"/>
-        <p:cNvGrpSpPr/>
-        <p:nvPr/>
-      </p:nvGrpSpPr>
-      <p:grpSpPr>
-        <a:xfrm>
-          <a:off x="0" y="0"/>
-          <a:ext cx="0" cy="0"/>
-          <a:chOff x="0" y="0"/>
-          <a:chExt cx="0" cy="0"/>
-        </a:xfrm>
-      </p:grpSpPr>
-      <p:sp>
-        <p:nvSpPr>
-          <p:cNvPr id="674" name="Google Shape;674;p64"/>
-          <p:cNvSpPr txBox="1">
-            <a:spLocks noGrp="1"/>
-          </p:cNvSpPr>
-          <p:nvPr>
-            <p:ph type="title"/>
-          </p:nvPr>
-        </p:nvSpPr>
-        <p:spPr>
-          <a:xfrm>
-            <a:off x="415856" y="308516"/>
-            <a:ext cx="8328093" cy="572700"/>
-          </a:xfrm>
-          <a:prstGeom prst="rect">
-            <a:avLst/>
-          </a:prstGeom>
-        </p:spPr>
-        <p:txBody>
-          <a:bodyPr spcFirstLastPara="1" wrap="square" lIns="91425" tIns="91425" rIns="91425" bIns="91425" anchor="t" anchorCtr="0">
-            <a:noAutofit/>
-          </a:bodyPr>
-          <a:lstStyle/>
-          <a:p>
-            <a:pPr marL="0" lvl="0" indent="0" algn="ctr">
-              <a:buClr>
-                <a:srgbClr val="191919"/>
-              </a:buClr>
-              <a:buSzPts val="5200"/>
-            </a:pPr>
-            <a:r>
-              <a:rPr lang="en-IN" sz="2400" dirty="0">
-                <a:latin typeface="Bookman Old Style" panose="02050604050505020204" pitchFamily="18" charset="0"/>
-                <a:ea typeface="Calibri" panose="020F0502020204030204" pitchFamily="34" charset="0"/>
-                <a:cs typeface="Arial" panose="020B0604020202020204" pitchFamily="34" charset="0"/>
-              </a:rPr>
-              <a:t>SDR Generation Using Geo-Spatial Encoder</a:t>
-            </a:r>
-            <a:endParaRPr sz="2400" dirty="0">
-              <a:latin typeface="Bookman Old Style" panose="02050604050505020204" pitchFamily="18" charset="0"/>
-              <a:ea typeface="Calibri" panose="020F0502020204030204" pitchFamily="34" charset="0"/>
-              <a:cs typeface="Arial" panose="020B0604020202020204" pitchFamily="34" charset="0"/>
-            </a:endParaRPr>
-          </a:p>
-        </p:txBody>
-      </p:sp>
-      <p:sp>
-        <p:nvSpPr>
-          <p:cNvPr id="4" name="Rectangle 3">
-            <a:extLst>
-              <a:ext uri="{FF2B5EF4-FFF2-40B4-BE49-F238E27FC236}">
-                <a16:creationId xmlns:a16="http://schemas.microsoft.com/office/drawing/2014/main" id="{58250C4E-0497-B5C8-ECAF-289A12643488}"/>
-              </a:ext>
-            </a:extLst>
-          </p:cNvPr>
-          <p:cNvSpPr>
-            <a:spLocks noChangeArrowheads="1"/>
-          </p:cNvSpPr>
-          <p:nvPr/>
-        </p:nvSpPr>
-        <p:spPr bwMode="auto">
-          <a:xfrm>
-            <a:off x="415857" y="1067867"/>
-            <a:ext cx="8328092" cy="1815882"/>
-          </a:xfrm>
-          <a:prstGeom prst="rect">
-            <a:avLst/>
-          </a:prstGeom>
-          <a:noFill/>
-          <a:ln>
-            <a:noFill/>
-          </a:ln>
-          <a:effectLst/>
-        </p:spPr>
-        <p:txBody>
-          <a:bodyPr vert="horz" wrap="square" lIns="91440" tIns="45720" rIns="91440" bIns="45720" numCol="1" anchor="ctr" anchorCtr="0" compatLnSpc="1">
-            <a:prstTxWarp prst="textNoShape">
-              <a:avLst/>
-            </a:prstTxWarp>
-            <a:spAutoFit/>
-          </a:bodyPr>
-          <a:lstStyle/>
-          <a:p>
-            <a:pPr marL="285750" indent="-285750" algn="just">
-              <a:buClr>
-                <a:schemeClr val="bg1"/>
-              </a:buClr>
-              <a:buFont typeface="Arial" panose="020B0604020202020204" pitchFamily="34" charset="0"/>
-              <a:buChar char="•"/>
-            </a:pPr>
-            <a:r>
-              <a:rPr lang="en-US" b="1" i="0" dirty="0">
-                <a:solidFill>
-                  <a:srgbClr val="ECECEC"/>
-                </a:solidFill>
-                <a:effectLst/>
-                <a:latin typeface="Times New Roman" panose="02020603050405020304" pitchFamily="18" charset="0"/>
-                <a:cs typeface="Times New Roman" panose="02020603050405020304" pitchFamily="18" charset="0"/>
-              </a:rPr>
-              <a:t>DrawBitmap Sample for </a:t>
-            </a:r>
-            <a:r>
-              <a:rPr lang="en-IN" b="1" i="0" dirty="0">
-                <a:solidFill>
-                  <a:srgbClr val="ECECEC"/>
-                </a:solidFill>
-                <a:effectLst/>
-                <a:latin typeface="Times New Roman" panose="02020603050405020304" pitchFamily="18" charset="0"/>
-                <a:cs typeface="Times New Roman" panose="02020603050405020304" pitchFamily="18" charset="0"/>
-              </a:rPr>
-              <a:t>Geo-Spatial</a:t>
-            </a:r>
-            <a:r>
-              <a:rPr lang="en-US" b="1" i="0" dirty="0">
-                <a:solidFill>
-                  <a:srgbClr val="ECECEC"/>
-                </a:solidFill>
-                <a:effectLst/>
-                <a:latin typeface="Times New Roman" panose="02020603050405020304" pitchFamily="18" charset="0"/>
-                <a:cs typeface="Times New Roman" panose="02020603050405020304" pitchFamily="18" charset="0"/>
-              </a:rPr>
-              <a:t> Encoder:</a:t>
-            </a:r>
-            <a:endParaRPr lang="en-US" b="0" i="0" dirty="0">
-              <a:solidFill>
-                <a:srgbClr val="ECECEC"/>
-              </a:solidFill>
-              <a:effectLst/>
-              <a:latin typeface="Times New Roman" panose="02020603050405020304" pitchFamily="18" charset="0"/>
-              <a:cs typeface="Times New Roman" panose="02020603050405020304" pitchFamily="18" charset="0"/>
-            </a:endParaRPr>
-          </a:p>
-          <a:p>
-            <a:pPr algn="just">
-              <a:buClr>
-                <a:schemeClr val="bg1"/>
-              </a:buClr>
-            </a:pPr>
-            <a:r>
-              <a:rPr lang="en-US" b="0" i="0" dirty="0">
-                <a:solidFill>
-                  <a:srgbClr val="ECECEC"/>
-                </a:solidFill>
-                <a:effectLst/>
-                <a:latin typeface="Times New Roman" panose="02020603050405020304" pitchFamily="18" charset="0"/>
-                <a:cs typeface="Times New Roman" panose="02020603050405020304" pitchFamily="18" charset="0"/>
-              </a:rPr>
-              <a:t>In order to generate SDRs and bitmap images, specific parameters such as width (W), number of bits (N), minimum value (MinVal), and maximum value (MaxVal) are set to define the encoding of geospatial data into binary arrays. Using the DrawBitmap method, the encoded data is visualized as bitmap images. For example, by iterating through a loop of geospatial values within the specified range, corresponding SDRs are generated and converted into a two-dimensional array (twoDimenArray). This array is then transposed and passed to the DrawBitmap method, where the bitmap's height and width are set to 1024 pixels. Active and inactive cells are represented in black and red colors, respectively, providing clear visualizations of the encoded geospatial data.</a:t>
-            </a:r>
-          </a:p>
-        </p:txBody>
-      </p:sp>
-      <p:pic>
-        <p:nvPicPr>
-          <p:cNvPr id="3" name="Picture 2">
-            <a:extLst>
-              <a:ext uri="{FF2B5EF4-FFF2-40B4-BE49-F238E27FC236}">
-                <a16:creationId xmlns:a16="http://schemas.microsoft.com/office/drawing/2014/main" id="{766894B4-6AFE-5FF5-3706-DDA5A6F7B3F7}"/>
-              </a:ext>
-            </a:extLst>
-          </p:cNvPr>
-          <p:cNvPicPr>
-            <a:picLocks noChangeAspect="1"/>
-          </p:cNvPicPr>
-          <p:nvPr/>
-        </p:nvPicPr>
-        <p:blipFill>
-          <a:blip r:embed="rId3"/>
-          <a:stretch>
-            <a:fillRect/>
-          </a:stretch>
-        </p:blipFill>
-        <p:spPr>
-          <a:xfrm>
-            <a:off x="1908903" y="2866563"/>
-            <a:ext cx="5472000" cy="1968421"/>
-          </a:xfrm>
-          <a:prstGeom prst="rect">
-            <a:avLst/>
-          </a:prstGeom>
-        </p:spPr>
-      </p:pic>
-    </p:spTree>
-    <p:extLst>
-      <p:ext uri="{BB962C8B-B14F-4D97-AF65-F5344CB8AC3E}">
-        <p14:creationId xmlns:p14="http://schemas.microsoft.com/office/powerpoint/2010/main" val="4268857138"/>
-      </p:ext>
-    </p:extLst>
-  </p:cSld>
-  <p:clrMapOvr>
-    <a:masterClrMapping/>
   </p:clrMapOvr>
 </p:sld>
 </file>
@@ -21401,13 +21455,18 @@
               <a:buSzPts val="5200"/>
             </a:pPr>
             <a:r>
-              <a:rPr sz="2400" dirty="0">
+              <a:rPr lang="en-IN" sz="2400" dirty="0">
                 <a:latin typeface="Bookman Old Style" panose="02050604050505020204" pitchFamily="18" charset="0"/>
                 <a:ea typeface="Calibri" panose="020F0502020204030204" pitchFamily="34" charset="0"/>
                 <a:cs typeface="Arial" panose="020B0604020202020204" pitchFamily="34" charset="0"/>
               </a:rPr>
-              <a:t>CHANGES IN THE SIZE AND COLOR OF BITMAP</a:t>
+              <a:t>SDR Generation Using Scalar Encoder</a:t>
             </a:r>
+            <a:endParaRPr sz="2400" dirty="0">
+              <a:latin typeface="Bookman Old Style" panose="02050604050505020204" pitchFamily="18" charset="0"/>
+              <a:ea typeface="Calibri" panose="020F0502020204030204" pitchFamily="34" charset="0"/>
+              <a:cs typeface="Arial" panose="020B0604020202020204" pitchFamily="34" charset="0"/>
+            </a:endParaRPr>
           </a:p>
         </p:txBody>
       </p:sp>
@@ -21427,8 +21486,8 @@
         </p:nvSpPr>
         <p:spPr bwMode="auto">
           <a:xfrm>
-            <a:off x="392906" y="1510997"/>
-            <a:ext cx="8358187" cy="3323987"/>
+            <a:off x="392907" y="1208032"/>
+            <a:ext cx="8379618" cy="3539430"/>
           </a:xfrm>
           <a:prstGeom prst="rect">
             <a:avLst/>
@@ -21448,9 +21507,15 @@
           </a:bodyPr>
           <a:lstStyle/>
           <a:p>
-            <a:pPr algn="l"/>
+            <a:pPr marL="285750" indent="-285750" algn="l">
+              <a:buClr>
+                <a:schemeClr val="bg1"/>
+              </a:buClr>
+              <a:buFont typeface="Arial" panose="020B0604020202020204" pitchFamily="34" charset="0"/>
+              <a:buChar char="•"/>
+            </a:pPr>
             <a:r>
-              <a:rPr lang="en-US" b="1" i="0" dirty="0">
+              <a:rPr lang="en-DE" b="1" i="0" dirty="0">
                 <a:solidFill>
                   <a:srgbClr val="ECECEC"/>
                 </a:solidFill>
@@ -21458,7 +21523,7 @@
                 <a:latin typeface="Times New Roman" panose="02020603050405020304" pitchFamily="18" charset="0"/>
                 <a:cs typeface="Times New Roman" panose="02020603050405020304" pitchFamily="18" charset="0"/>
               </a:rPr>
-              <a:t>Modification of Encoder Parameters:</a:t>
+              <a:t>Scalar Encoder</a:t>
             </a:r>
             <a:endParaRPr lang="en-US" b="0" i="0" dirty="0">
               <a:solidFill>
@@ -21470,12 +21535,10 @@
             </a:endParaRPr>
           </a:p>
           <a:p>
-            <a:pPr marL="285750" indent="-285750" algn="just">
+            <a:pPr algn="just">
               <a:buClr>
                 <a:schemeClr val="bg1"/>
               </a:buClr>
-              <a:buFont typeface="Arial" panose="020B0604020202020204" pitchFamily="34" charset="0"/>
-              <a:buChar char="•"/>
             </a:pPr>
             <a:r>
               <a:rPr lang="en-US" b="0" i="0" dirty="0">
@@ -21486,28 +21549,37 @@
                 <a:latin typeface="Times New Roman" panose="02020603050405020304" pitchFamily="18" charset="0"/>
                 <a:cs typeface="Times New Roman" panose="02020603050405020304" pitchFamily="18" charset="0"/>
               </a:rPr>
-              <a:t>Adjusting parameters such as width (W), total number of bits (N), minimum value (MinVal), and maximum value (MaxVal) of the encoder can significantly impact the resulting Sparse Distributed Representations (SDRs) and their bitmap representations.</a:t>
+              <a:t>Scalar encoding is a pivotal technique employed to convert continuous scalar values into Sparse Distributed Representations (SDRs), widely utilized in neural network models. By discretizing the input range into smaller bins and selectively activating specific bits within each bin, scalar encoding generates binary vectors representing numerical values while preserving semantic information in a high-dimensional space.</a:t>
             </a:r>
+            <a:endParaRPr lang="en-DE" dirty="0">
+              <a:solidFill>
+                <a:srgbClr val="ECECEC"/>
+              </a:solidFill>
+              <a:latin typeface="Times New Roman" panose="02020603050405020304" pitchFamily="18" charset="0"/>
+              <a:cs typeface="Times New Roman" panose="02020603050405020304" pitchFamily="18" charset="0"/>
+            </a:endParaRPr>
           </a:p>
           <a:p>
-            <a:pPr marL="285750" indent="-285750" algn="just">
+            <a:pPr algn="l">
               <a:buClr>
                 <a:schemeClr val="bg1"/>
               </a:buClr>
-              <a:buFont typeface="Arial" panose="020B0604020202020204" pitchFamily="34" charset="0"/>
-              <a:buChar char="•"/>
             </a:pPr>
-            <a:r>
-              <a:rPr lang="en-US" b="0" i="0" dirty="0">
-                <a:solidFill>
-                  <a:srgbClr val="ECECEC"/>
-                </a:solidFill>
-                <a:effectLst/>
-                <a:latin typeface="Times New Roman" panose="02020603050405020304" pitchFamily="18" charset="0"/>
-                <a:cs typeface="Times New Roman" panose="02020603050405020304" pitchFamily="18" charset="0"/>
-              </a:rPr>
-              <a:t>For instance, modifying parameters to W = 21, N = 40, MinVal = 48.75, and MaxVal = 51.86 alters the size and characteristics of the generated SDRs.</a:t>
-            </a:r>
+            <a:endParaRPr lang="en-DE" b="0" i="0" dirty="0">
+              <a:solidFill>
+                <a:srgbClr val="ECECEC"/>
+              </a:solidFill>
+              <a:effectLst/>
+              <a:latin typeface="Times New Roman" panose="02020603050405020304" pitchFamily="18" charset="0"/>
+              <a:cs typeface="Times New Roman" panose="02020603050405020304" pitchFamily="18" charset="0"/>
+            </a:endParaRPr>
+          </a:p>
+          <a:p>
+            <a:pPr algn="l">
+              <a:buClr>
+                <a:schemeClr val="bg1"/>
+              </a:buClr>
+            </a:pPr>
             <a:endParaRPr lang="en-DE" b="0" i="0" dirty="0">
               <a:solidFill>
                 <a:srgbClr val="ECECEC"/>
@@ -21525,31 +21597,6 @@
               <a:buFont typeface="Arial" panose="020B0604020202020204" pitchFamily="34" charset="0"/>
               <a:buChar char="•"/>
             </a:pPr>
-            <a:endParaRPr lang="en-DE" dirty="0">
-              <a:solidFill>
-                <a:srgbClr val="ECECEC"/>
-              </a:solidFill>
-              <a:latin typeface="Times New Roman" panose="02020603050405020304" pitchFamily="18" charset="0"/>
-              <a:cs typeface="Times New Roman" panose="02020603050405020304" pitchFamily="18" charset="0"/>
-            </a:endParaRPr>
-          </a:p>
-          <a:p>
-            <a:pPr algn="l">
-              <a:buClr>
-                <a:schemeClr val="bg1"/>
-              </a:buClr>
-            </a:pPr>
-            <a:endParaRPr lang="en-DE" b="0" i="0" dirty="0">
-              <a:solidFill>
-                <a:srgbClr val="ECECEC"/>
-              </a:solidFill>
-              <a:effectLst/>
-              <a:latin typeface="Times New Roman" panose="02020603050405020304" pitchFamily="18" charset="0"/>
-              <a:cs typeface="Times New Roman" panose="02020603050405020304" pitchFamily="18" charset="0"/>
-            </a:endParaRPr>
-          </a:p>
-          <a:p>
-            <a:pPr algn="l"/>
             <a:r>
               <a:rPr lang="en-US" b="1" i="0" dirty="0">
                 <a:solidFill>
@@ -21559,7 +21606,7 @@
                 <a:latin typeface="Times New Roman" panose="02020603050405020304" pitchFamily="18" charset="0"/>
                 <a:cs typeface="Times New Roman" panose="02020603050405020304" pitchFamily="18" charset="0"/>
               </a:rPr>
-              <a:t>Changes in Bitmap Representation:</a:t>
+              <a:t>DrawBitmap Sample for Scalar Encoder:</a:t>
             </a:r>
             <a:endParaRPr lang="en-US" b="0" i="0" dirty="0">
               <a:solidFill>
@@ -21571,12 +21618,10 @@
             </a:endParaRPr>
           </a:p>
           <a:p>
-            <a:pPr marL="285750" indent="-285750" algn="just">
+            <a:pPr algn="just">
               <a:buClr>
                 <a:schemeClr val="bg1"/>
               </a:buClr>
-              <a:buFont typeface="Arial" panose="020B0604020202020204" pitchFamily="34" charset="0"/>
-              <a:buChar char="•"/>
             </a:pPr>
             <a:r>
               <a:rPr lang="en-US" b="0" i="0" dirty="0">
@@ -21587,47 +21632,7 @@
                 <a:latin typeface="Times New Roman" panose="02020603050405020304" pitchFamily="18" charset="0"/>
                 <a:cs typeface="Times New Roman" panose="02020603050405020304" pitchFamily="18" charset="0"/>
               </a:rPr>
-              <a:t>The resulting 1-D array size becomes 40, subsequently converted into a 2-D array with dimensions 6x6, where each cell corresponds to 170 pixels in the bitmap.</a:t>
-            </a:r>
-          </a:p>
-          <a:p>
-            <a:pPr marL="285750" indent="-285750" algn="just">
-              <a:buClr>
-                <a:schemeClr val="bg1"/>
-              </a:buClr>
-              <a:buFont typeface="Arial" panose="020B0604020202020204" pitchFamily="34" charset="0"/>
-              <a:buChar char="•"/>
-            </a:pPr>
-            <a:r>
-              <a:rPr lang="en-US" b="0" i="0" dirty="0">
-                <a:solidFill>
-                  <a:srgbClr val="ECECEC"/>
-                </a:solidFill>
-                <a:effectLst/>
-                <a:latin typeface="Times New Roman" panose="02020603050405020304" pitchFamily="18" charset="0"/>
-                <a:cs typeface="Times New Roman" panose="02020603050405020304" pitchFamily="18" charset="0"/>
-              </a:rPr>
-              <a:t>By setting both the height and width of the bitmap to 1024 pixels, a detailed representation of the SDRs can be achieved.</a:t>
-            </a:r>
-          </a:p>
-          <a:p>
-            <a:pPr marL="285750" indent="-285750" algn="just">
-              <a:buClr>
-                <a:schemeClr val="bg1"/>
-              </a:buClr>
-              <a:buFont typeface="Arial" panose="020B0604020202020204" pitchFamily="34" charset="0"/>
-              <a:buChar char="•"/>
-            </a:pPr>
-            <a:r>
-              <a:rPr lang="en-US" b="0" i="0" dirty="0">
-                <a:solidFill>
-                  <a:srgbClr val="ECECEC"/>
-                </a:solidFill>
-                <a:effectLst/>
-                <a:latin typeface="Times New Roman" panose="02020603050405020304" pitchFamily="18" charset="0"/>
-                <a:cs typeface="Times New Roman" panose="02020603050405020304" pitchFamily="18" charset="0"/>
-              </a:rPr>
-              <a:t>Notably, the color scheme of the bitmap is modified, using red for inactive cells and green for active cells, providing clearer visual cues for interpretation.</a:t>
+              <a:t>Initially, scalar encoders are configured with predefined settings via their constructors, including parameters such as width (W), total number of bits (N), minimum value (MinVal), and maximum value (MaxVal). Once initialized, the Encode() method is invoked with input values to commence the encoding process, yielding binary arrays that signify the encoded values. Subsequently, to visualize the encoded data, the printBitMap function is utilized within the Test Method, exemplified by TestMethod9 in a unit test scenario. This method encodes input data, yielding a 1-D array (result1), subsequently transformed into a 2-D array. The resulting 2-D array is transposed and passed to the DrawBitmap method, where each SDR is represented as a bitmap image. Notably, active bits are depicted in dark orange, while inactive bits are represented in yellow, facilitating visual interpretation of the generated SDRs.</a:t>
             </a:r>
           </a:p>
         </p:txBody>
@@ -21635,7 +21640,7 @@
     </p:spTree>
     <p:extLst>
       <p:ext uri="{BB962C8B-B14F-4D97-AF65-F5344CB8AC3E}">
-        <p14:creationId xmlns:p14="http://schemas.microsoft.com/office/powerpoint/2010/main" val="3297025810"/>
+        <p14:creationId xmlns:p14="http://schemas.microsoft.com/office/powerpoint/2010/main" val="3054465294"/>
       </p:ext>
     </p:extLst>
   </p:cSld>

--- a/source/Samples/Project Documentation/Improve_Samples_And_Documentation_For_SDR_Representation(SDR To Bitmap)_Team_PY.pptx
+++ b/source/Samples/Project Documentation/Improve_Samples_And_Documentation_For_SDR_Representation(SDR To Bitmap)_Team_PY.pptx
@@ -5,7 +5,7 @@
     <p:sldMasterId id="2147483705" r:id="rId1"/>
   </p:sldMasterIdLst>
   <p:notesMasterIdLst>
-    <p:notesMasterId r:id="rId23"/>
+    <p:notesMasterId r:id="rId25"/>
   </p:notesMasterIdLst>
   <p:sldIdLst>
     <p:sldId id="256" r:id="rId2"/>
@@ -27,44 +27,46 @@
     <p:sldId id="351" r:id="rId18"/>
     <p:sldId id="352" r:id="rId19"/>
     <p:sldId id="353" r:id="rId20"/>
-    <p:sldId id="354" r:id="rId21"/>
-    <p:sldId id="263" r:id="rId22"/>
+    <p:sldId id="355" r:id="rId21"/>
+    <p:sldId id="356" r:id="rId22"/>
+    <p:sldId id="354" r:id="rId23"/>
+    <p:sldId id="263" r:id="rId24"/>
   </p:sldIdLst>
   <p:sldSz cx="9144000" cy="5143500" type="screen16x9"/>
   <p:notesSz cx="6858000" cy="9144000"/>
   <p:embeddedFontLst>
     <p:embeddedFont>
       <p:font typeface="Bookman Old Style" panose="02050604050505020204" pitchFamily="18" charset="0"/>
-      <p:regular r:id="rId24"/>
-      <p:bold r:id="rId25"/>
-      <p:italic r:id="rId26"/>
-      <p:boldItalic r:id="rId27"/>
+      <p:regular r:id="rId26"/>
+      <p:bold r:id="rId27"/>
+      <p:italic r:id="rId28"/>
+      <p:boldItalic r:id="rId29"/>
     </p:embeddedFont>
     <p:embeddedFont>
       <p:font typeface="IBM Plex Sans" panose="020B0503050203000203" pitchFamily="34" charset="0"/>
-      <p:regular r:id="rId28"/>
-      <p:bold r:id="rId29"/>
-      <p:italic r:id="rId30"/>
-      <p:boldItalic r:id="rId31"/>
+      <p:regular r:id="rId30"/>
+      <p:bold r:id="rId31"/>
+      <p:italic r:id="rId32"/>
+      <p:boldItalic r:id="rId33"/>
     </p:embeddedFont>
     <p:embeddedFont>
       <p:font typeface="IBM Plex Sans Medium" panose="020B0603050203000203" pitchFamily="34" charset="0"/>
-      <p:regular r:id="rId32"/>
-      <p:bold r:id="rId33"/>
-      <p:italic r:id="rId34"/>
-      <p:boldItalic r:id="rId35"/>
+      <p:regular r:id="rId34"/>
+      <p:bold r:id="rId35"/>
+      <p:italic r:id="rId36"/>
+      <p:boldItalic r:id="rId37"/>
     </p:embeddedFont>
     <p:embeddedFont>
       <p:font typeface="Roboto Condensed Light" panose="02000000000000000000" pitchFamily="2" charset="0"/>
-      <p:regular r:id="rId36"/>
-      <p:italic r:id="rId37"/>
+      <p:regular r:id="rId38"/>
+      <p:italic r:id="rId39"/>
     </p:embeddedFont>
     <p:embeddedFont>
       <p:font typeface="Trebuchet MS" panose="020B0603020202020204" pitchFamily="34" charset="0"/>
-      <p:regular r:id="rId38"/>
-      <p:bold r:id="rId39"/>
-      <p:italic r:id="rId40"/>
-      <p:boldItalic r:id="rId41"/>
+      <p:regular r:id="rId40"/>
+      <p:bold r:id="rId41"/>
+      <p:italic r:id="rId42"/>
+      <p:boldItalic r:id="rId43"/>
     </p:embeddedFont>
   </p:embeddedFontLst>
   <p:defaultTextStyle>
@@ -2142,6 +2144,224 @@
     </p:spTree>
     <p:extLst>
       <p:ext uri="{BB962C8B-B14F-4D97-AF65-F5344CB8AC3E}">
+        <p14:creationId xmlns:p14="http://schemas.microsoft.com/office/powerpoint/2010/main" val="2834987222"/>
+      </p:ext>
+    </p:extLst>
+  </p:cSld>
+  <p:clrMapOvr>
+    <a:masterClrMapping/>
+  </p:clrMapOvr>
+</p:notes>
+</file>
+
+<file path=ppt/notesSlides/notesSlide21.xml><?xml version="1.0" encoding="utf-8"?>
+<p:notes xmlns:a="http://schemas.openxmlformats.org/drawingml/2006/main" xmlns:r="http://schemas.openxmlformats.org/officeDocument/2006/relationships" xmlns:p="http://schemas.openxmlformats.org/presentationml/2006/main" showMasterSp="0" showMasterPhAnim="0">
+  <p:cSld>
+    <p:spTree>
+      <p:nvGrpSpPr>
+        <p:cNvPr id="1" name="Shape 653"/>
+        <p:cNvGrpSpPr/>
+        <p:nvPr/>
+      </p:nvGrpSpPr>
+      <p:grpSpPr>
+        <a:xfrm>
+          <a:off x="0" y="0"/>
+          <a:ext cx="0" cy="0"/>
+          <a:chOff x="0" y="0"/>
+          <a:chExt cx="0" cy="0"/>
+        </a:xfrm>
+      </p:grpSpPr>
+      <p:sp>
+        <p:nvSpPr>
+          <p:cNvPr id="654" name="Google Shape;654;g137fc7cce3d_0_0:notes"/>
+          <p:cNvSpPr>
+            <a:spLocks noGrp="1" noRot="1" noChangeAspect="1"/>
+          </p:cNvSpPr>
+          <p:nvPr>
+            <p:ph type="sldImg" idx="2"/>
+          </p:nvPr>
+        </p:nvSpPr>
+        <p:spPr>
+          <a:xfrm>
+            <a:off x="381000" y="685800"/>
+            <a:ext cx="6096000" cy="3429000"/>
+          </a:xfrm>
+          <a:custGeom>
+            <a:avLst/>
+            <a:gdLst/>
+            <a:ahLst/>
+            <a:cxnLst/>
+            <a:rect l="l" t="t" r="r" b="b"/>
+            <a:pathLst>
+              <a:path w="120000" h="120000" extrusionOk="0">
+                <a:moveTo>
+                  <a:pt x="0" y="0"/>
+                </a:moveTo>
+                <a:lnTo>
+                  <a:pt x="120000" y="0"/>
+                </a:lnTo>
+                <a:lnTo>
+                  <a:pt x="120000" y="120000"/>
+                </a:lnTo>
+                <a:lnTo>
+                  <a:pt x="0" y="120000"/>
+                </a:lnTo>
+                <a:close/>
+              </a:path>
+            </a:pathLst>
+          </a:custGeom>
+        </p:spPr>
+      </p:sp>
+      <p:sp>
+        <p:nvSpPr>
+          <p:cNvPr id="655" name="Google Shape;655;g137fc7cce3d_0_0:notes"/>
+          <p:cNvSpPr txBox="1">
+            <a:spLocks noGrp="1"/>
+          </p:cNvSpPr>
+          <p:nvPr>
+            <p:ph type="body" idx="1"/>
+          </p:nvPr>
+        </p:nvSpPr>
+        <p:spPr>
+          <a:xfrm>
+            <a:off x="685800" y="4343400"/>
+            <a:ext cx="5486400" cy="4114800"/>
+          </a:xfrm>
+          <a:prstGeom prst="rect">
+            <a:avLst/>
+          </a:prstGeom>
+        </p:spPr>
+        <p:txBody>
+          <a:bodyPr spcFirstLastPara="1" wrap="square" lIns="91425" tIns="91425" rIns="91425" bIns="91425" anchor="t" anchorCtr="0">
+            <a:noAutofit/>
+          </a:bodyPr>
+          <a:lstStyle/>
+          <a:p>
+            <a:pPr marL="0" lvl="0" indent="0" algn="l" rtl="0">
+              <a:spcBef>
+                <a:spcPts val="0"/>
+              </a:spcBef>
+              <a:spcAft>
+                <a:spcPts val="0"/>
+              </a:spcAft>
+              <a:buNone/>
+            </a:pPr>
+            <a:endParaRPr/>
+          </a:p>
+        </p:txBody>
+      </p:sp>
+    </p:spTree>
+    <p:extLst>
+      <p:ext uri="{BB962C8B-B14F-4D97-AF65-F5344CB8AC3E}">
+        <p14:creationId xmlns:p14="http://schemas.microsoft.com/office/powerpoint/2010/main" val="1125887757"/>
+      </p:ext>
+    </p:extLst>
+  </p:cSld>
+  <p:clrMapOvr>
+    <a:masterClrMapping/>
+  </p:clrMapOvr>
+</p:notes>
+</file>
+
+<file path=ppt/notesSlides/notesSlide22.xml><?xml version="1.0" encoding="utf-8"?>
+<p:notes xmlns:a="http://schemas.openxmlformats.org/drawingml/2006/main" xmlns:r="http://schemas.openxmlformats.org/officeDocument/2006/relationships" xmlns:p="http://schemas.openxmlformats.org/presentationml/2006/main" showMasterSp="0" showMasterPhAnim="0">
+  <p:cSld>
+    <p:spTree>
+      <p:nvGrpSpPr>
+        <p:cNvPr id="1" name="Shape 653"/>
+        <p:cNvGrpSpPr/>
+        <p:nvPr/>
+      </p:nvGrpSpPr>
+      <p:grpSpPr>
+        <a:xfrm>
+          <a:off x="0" y="0"/>
+          <a:ext cx="0" cy="0"/>
+          <a:chOff x="0" y="0"/>
+          <a:chExt cx="0" cy="0"/>
+        </a:xfrm>
+      </p:grpSpPr>
+      <p:sp>
+        <p:nvSpPr>
+          <p:cNvPr id="654" name="Google Shape;654;g137fc7cce3d_0_0:notes"/>
+          <p:cNvSpPr>
+            <a:spLocks noGrp="1" noRot="1" noChangeAspect="1"/>
+          </p:cNvSpPr>
+          <p:nvPr>
+            <p:ph type="sldImg" idx="2"/>
+          </p:nvPr>
+        </p:nvSpPr>
+        <p:spPr>
+          <a:xfrm>
+            <a:off x="381000" y="685800"/>
+            <a:ext cx="6096000" cy="3429000"/>
+          </a:xfrm>
+          <a:custGeom>
+            <a:avLst/>
+            <a:gdLst/>
+            <a:ahLst/>
+            <a:cxnLst/>
+            <a:rect l="l" t="t" r="r" b="b"/>
+            <a:pathLst>
+              <a:path w="120000" h="120000" extrusionOk="0">
+                <a:moveTo>
+                  <a:pt x="0" y="0"/>
+                </a:moveTo>
+                <a:lnTo>
+                  <a:pt x="120000" y="0"/>
+                </a:lnTo>
+                <a:lnTo>
+                  <a:pt x="120000" y="120000"/>
+                </a:lnTo>
+                <a:lnTo>
+                  <a:pt x="0" y="120000"/>
+                </a:lnTo>
+                <a:close/>
+              </a:path>
+            </a:pathLst>
+          </a:custGeom>
+        </p:spPr>
+      </p:sp>
+      <p:sp>
+        <p:nvSpPr>
+          <p:cNvPr id="655" name="Google Shape;655;g137fc7cce3d_0_0:notes"/>
+          <p:cNvSpPr txBox="1">
+            <a:spLocks noGrp="1"/>
+          </p:cNvSpPr>
+          <p:nvPr>
+            <p:ph type="body" idx="1"/>
+          </p:nvPr>
+        </p:nvSpPr>
+        <p:spPr>
+          <a:xfrm>
+            <a:off x="685800" y="4343400"/>
+            <a:ext cx="5486400" cy="4114800"/>
+          </a:xfrm>
+          <a:prstGeom prst="rect">
+            <a:avLst/>
+          </a:prstGeom>
+        </p:spPr>
+        <p:txBody>
+          <a:bodyPr spcFirstLastPara="1" wrap="square" lIns="91425" tIns="91425" rIns="91425" bIns="91425" anchor="t" anchorCtr="0">
+            <a:noAutofit/>
+          </a:bodyPr>
+          <a:lstStyle/>
+          <a:p>
+            <a:pPr marL="0" lvl="0" indent="0" algn="l" rtl="0">
+              <a:spcBef>
+                <a:spcPts val="0"/>
+              </a:spcBef>
+              <a:spcAft>
+                <a:spcPts val="0"/>
+              </a:spcAft>
+              <a:buNone/>
+            </a:pPr>
+            <a:endParaRPr/>
+          </a:p>
+        </p:txBody>
+      </p:sp>
+    </p:spTree>
+    <p:extLst>
+      <p:ext uri="{BB962C8B-B14F-4D97-AF65-F5344CB8AC3E}">
         <p14:creationId xmlns:p14="http://schemas.microsoft.com/office/powerpoint/2010/main" val="3660971368"/>
       </p:ext>
     </p:extLst>
@@ -2152,7 +2372,7 @@
 </p:notes>
 </file>
 
-<file path=ppt/notesSlides/notesSlide21.xml><?xml version="1.0" encoding="utf-8"?>
+<file path=ppt/notesSlides/notesSlide23.xml><?xml version="1.0" encoding="utf-8"?>
 <p:notes xmlns:a="http://schemas.openxmlformats.org/drawingml/2006/main" xmlns:r="http://schemas.openxmlformats.org/officeDocument/2006/relationships" xmlns:p="http://schemas.openxmlformats.org/presentationml/2006/main" showMasterSp="0" showMasterPhAnim="0">
   <p:cSld>
     <p:spTree>
@@ -12580,13 +12800,7 @@
               <a:rPr lang="en-US" dirty="0">
                 <a:latin typeface="Bookman Old Style" panose="02050604050505020204" pitchFamily="18" charset="0"/>
               </a:rPr>
-              <a:t>Yatish Sharma</a:t>
-            </a:r>
-            <a:r>
-              <a:rPr lang="en-US">
-                <a:latin typeface="Bookman Old Style" panose="02050604050505020204" pitchFamily="18" charset="0"/>
-              </a:rPr>
-              <a:t>: 1457597 </a:t>
+              <a:t>Yatish Sharma: 1457597 </a:t>
             </a:r>
             <a:r>
               <a:rPr lang="en-US" dirty="0"/>
@@ -13321,7 +13535,7 @@
                 <a:latin typeface="Times New Roman" panose="02020603050405020304" pitchFamily="18" charset="0"/>
                 <a:cs typeface="Times New Roman" panose="02020603050405020304" pitchFamily="18" charset="0"/>
               </a:rPr>
-              <a:t>Scalar In this example, the value of N is set 20 while initializing the encoding parameters for the encoder. So, the size of SDR which is saved in result1 is 20.</a:t>
+              <a:t>In this example, the value of N is set 20 while initializing the encoding parameters for the encoder. So, the size of SDR which is saved in result1 is 20.</a:t>
             </a:r>
             <a:endParaRPr lang="en-DE" dirty="0">
               <a:solidFill>
@@ -13937,7 +14151,49 @@
                 <a:latin typeface="Times New Roman" panose="02020603050405020304" pitchFamily="18" charset="0"/>
                 <a:cs typeface="Times New Roman" panose="02020603050405020304" pitchFamily="18" charset="0"/>
               </a:rPr>
-              <a:t>). The resultant SDRs can then be further visualized using tools like DrawBitmap(), which generates bitmap images from the SDRs. In a practical example, the 1-D array (result2) is converted into a 2-D array (twoDimenArray2), followed by the transposition of the 2-D array. This transposed array is then passed to the DrawBitmap method, where width and height are set to 1024 pixels. Additionally, inactive cells are represented in yellow, while active cells are depicted in black, providing a clear visual representation of the encoded date and time information.</a:t>
+              <a:t>). The resultant SDRs can then be further visualized using tools like DrawBitmap(), which generates bitmap images from the SDRs. In a practical example, the 1-D array (result2) is converted into a 2-D array (twoDimenArray2), followed by the transposition of the 2-D array. This transposed array is then passed to the DrawBitmap method, where width and height are set to 1024 pixels. Additionally, inactive cells are represented in </a:t>
+            </a:r>
+            <a:r>
+              <a:rPr lang="en-DE" dirty="0">
+                <a:solidFill>
+                  <a:srgbClr val="ECECEC"/>
+                </a:solidFill>
+                <a:latin typeface="Times New Roman" panose="02020603050405020304" pitchFamily="18" charset="0"/>
+                <a:cs typeface="Times New Roman" panose="02020603050405020304" pitchFamily="18" charset="0"/>
+              </a:rPr>
+              <a:t>black</a:t>
+            </a:r>
+            <a:r>
+              <a:rPr lang="en-US" b="0" i="0" dirty="0">
+                <a:solidFill>
+                  <a:srgbClr val="ECECEC"/>
+                </a:solidFill>
+                <a:effectLst/>
+                <a:latin typeface="Times New Roman" panose="02020603050405020304" pitchFamily="18" charset="0"/>
+                <a:cs typeface="Times New Roman" panose="02020603050405020304" pitchFamily="18" charset="0"/>
+              </a:rPr>
+              <a:t>, while active cells are depicted in </a:t>
+            </a:r>
+            <a:r>
+              <a:rPr lang="en-DE" dirty="0">
+                <a:solidFill>
+                  <a:srgbClr val="ECECEC"/>
+                </a:solidFill>
+                <a:latin typeface="Times New Roman" panose="02020603050405020304" pitchFamily="18" charset="0"/>
+                <a:cs typeface="Times New Roman" panose="02020603050405020304" pitchFamily="18" charset="0"/>
+              </a:rPr>
+              <a:t>green</a:t>
+            </a:r>
+            <a:r>
+              <a:rPr lang="en-US" b="0" i="0" dirty="0">
+                <a:solidFill>
+                  <a:srgbClr val="ECECEC"/>
+                </a:solidFill>
+                <a:effectLst/>
+                <a:latin typeface="Times New Roman" panose="02020603050405020304" pitchFamily="18" charset="0"/>
+                <a:cs typeface="Times New Roman" panose="02020603050405020304" pitchFamily="18" charset="0"/>
+              </a:rPr>
+              <a:t>, providing a clear visual representation of the encoded date and time information.</a:t>
             </a:r>
           </a:p>
           <a:p>
@@ -14488,8 +14744,8 @@
         </p:nvSpPr>
         <p:spPr bwMode="auto">
           <a:xfrm>
-            <a:off x="392906" y="1510997"/>
-            <a:ext cx="8358187" cy="3323987"/>
+            <a:off x="392906" y="1618719"/>
+            <a:ext cx="8358187" cy="3108543"/>
           </a:xfrm>
           <a:prstGeom prst="rect">
             <a:avLst/>
@@ -14648,8 +14904,27 @@
                 <a:latin typeface="Times New Roman" panose="02020603050405020304" pitchFamily="18" charset="0"/>
                 <a:cs typeface="Times New Roman" panose="02020603050405020304" pitchFamily="18" charset="0"/>
               </a:rPr>
-              <a:t>The resulting 1-D array size becomes 40, subsequently converted into a 2-D array with dimensions 6x6, where each cell corresponds to 170 pixels in the bitmap.</a:t>
+              <a:t>The resulting 1-D array size becomes 40, subsequently converted into a 2-D array with dimensions 6x6</a:t>
             </a:r>
+            <a:r>
+              <a:rPr lang="en-DE" b="0" i="0" dirty="0">
+                <a:solidFill>
+                  <a:srgbClr val="ECECEC"/>
+                </a:solidFill>
+                <a:effectLst/>
+                <a:latin typeface="Times New Roman" panose="02020603050405020304" pitchFamily="18" charset="0"/>
+                <a:cs typeface="Times New Roman" panose="02020603050405020304" pitchFamily="18" charset="0"/>
+              </a:rPr>
+              <a:t>.</a:t>
+            </a:r>
+            <a:endParaRPr lang="en-US" b="0" i="0" dirty="0">
+              <a:solidFill>
+                <a:srgbClr val="ECECEC"/>
+              </a:solidFill>
+              <a:effectLst/>
+              <a:latin typeface="Times New Roman" panose="02020603050405020304" pitchFamily="18" charset="0"/>
+              <a:cs typeface="Times New Roman" panose="02020603050405020304" pitchFamily="18" charset="0"/>
+            </a:endParaRPr>
           </a:p>
           <a:p>
             <a:pPr marL="285750" indent="-285750" algn="just">
@@ -14660,6 +14935,16 @@
               <a:buChar char="•"/>
             </a:pPr>
             <a:r>
+              <a:rPr lang="en-DE" dirty="0">
+                <a:solidFill>
+                  <a:srgbClr val="ECECEC"/>
+                </a:solidFill>
+                <a:latin typeface="Times New Roman" panose="02020603050405020304" pitchFamily="18" charset="0"/>
+                <a:cs typeface="Times New Roman" panose="02020603050405020304" pitchFamily="18" charset="0"/>
+              </a:rPr>
+              <a:t>S</a:t>
+            </a:r>
+            <a:r>
               <a:rPr lang="en-US" b="0" i="0" dirty="0">
                 <a:solidFill>
                   <a:srgbClr val="ECECEC"/>
@@ -14668,7 +14953,39 @@
                 <a:latin typeface="Times New Roman" panose="02020603050405020304" pitchFamily="18" charset="0"/>
                 <a:cs typeface="Times New Roman" panose="02020603050405020304" pitchFamily="18" charset="0"/>
               </a:rPr>
-              <a:t>By setting both the height and width of the bitmap to 1024 pixels, a detailed representation of the SDRs can be achieved.</a:t>
+              <a:t>etting both the height and width of the bitmap to 1024 pixels</a:t>
+            </a:r>
+            <a:r>
+              <a:rPr lang="en-DE" b="0" i="0" dirty="0">
+                <a:solidFill>
+                  <a:srgbClr val="ECECEC"/>
+                </a:solidFill>
+                <a:effectLst/>
+                <a:latin typeface="Times New Roman" panose="02020603050405020304" pitchFamily="18" charset="0"/>
+                <a:cs typeface="Times New Roman" panose="02020603050405020304" pitchFamily="18" charset="0"/>
+              </a:rPr>
+              <a:t>. N</a:t>
+            </a:r>
+            <a:r>
+              <a:rPr lang="en-DE" dirty="0">
+                <a:solidFill>
+                  <a:srgbClr val="ECECEC"/>
+                </a:solidFill>
+                <a:latin typeface="Times New Roman" panose="02020603050405020304" pitchFamily="18" charset="0"/>
+                <a:cs typeface="Times New Roman" panose="02020603050405020304" pitchFamily="18" charset="0"/>
+              </a:rPr>
+              <a:t>ow</a:t>
+            </a:r>
+            <a:r>
+              <a:rPr lang="en-US" b="0" i="0" dirty="0">
+                <a:solidFill>
+                  <a:srgbClr val="ECECEC"/>
+                </a:solidFill>
+                <a:effectLst/>
+                <a:latin typeface="Times New Roman" panose="02020603050405020304" pitchFamily="18" charset="0"/>
+                <a:cs typeface="Times New Roman" panose="02020603050405020304" pitchFamily="18" charset="0"/>
+              </a:rPr>
+              <a:t> each cell corresponds to 170 pixels in the bitmap.</a:t>
             </a:r>
           </a:p>
           <a:p>
@@ -14794,8 +15111,8 @@
         </p:nvSpPr>
         <p:spPr bwMode="auto">
           <a:xfrm>
-            <a:off x="407195" y="1436906"/>
-            <a:ext cx="8343900" cy="1169551"/>
+            <a:off x="400050" y="1072680"/>
+            <a:ext cx="8343900" cy="1600438"/>
           </a:xfrm>
           <a:prstGeom prst="rect">
             <a:avLst/>
@@ -14852,6 +15169,37 @@
               </a:rPr>
               <a:t>For instance, when encoding input 51.85, the resulting SDR is represented by a 1-D array with values indicating the activation status of each cell. In this example, the SDR exhibits a transition from inactive (0s) to active (1s) cells, indicative of the input value's representation within the SDR framework.</a:t>
             </a:r>
+            <a:endParaRPr lang="en-DE" b="0" i="0" dirty="0">
+              <a:solidFill>
+                <a:srgbClr val="ECECEC"/>
+              </a:solidFill>
+              <a:effectLst/>
+              <a:latin typeface="Trebuchet MS" panose="020B0603020202020204" pitchFamily="34" charset="0"/>
+            </a:endParaRPr>
+          </a:p>
+          <a:p>
+            <a:pPr algn="just">
+              <a:buClr>
+                <a:schemeClr val="bg1"/>
+              </a:buClr>
+            </a:pPr>
+            <a:r>
+              <a:rPr lang="en-DE" b="0" i="0" dirty="0">
+                <a:solidFill>
+                  <a:srgbClr val="ECECEC"/>
+                </a:solidFill>
+                <a:effectLst/>
+                <a:latin typeface="Trebuchet MS" panose="020B0603020202020204" pitchFamily="34" charset="0"/>
+              </a:rPr>
+              <a:t>Now by changing the parameters you can see the difference between the output of Geospatial Encoder output bitmaps and the bitmaps given below.</a:t>
+            </a:r>
+            <a:endParaRPr lang="en-US" b="0" i="0" dirty="0">
+              <a:solidFill>
+                <a:srgbClr val="ECECEC"/>
+              </a:solidFill>
+              <a:effectLst/>
+              <a:latin typeface="Trebuchet MS" panose="020B0603020202020204" pitchFamily="34" charset="0"/>
+            </a:endParaRPr>
           </a:p>
         </p:txBody>
       </p:sp>
@@ -14922,7 +15270,7 @@
         </p:blipFill>
         <p:spPr>
           <a:xfrm>
-            <a:off x="929511" y="2583503"/>
+            <a:off x="937131" y="2677973"/>
             <a:ext cx="2124000" cy="2157011"/>
           </a:xfrm>
           <a:prstGeom prst="rect">
@@ -14952,7 +15300,7 @@
         </p:blipFill>
         <p:spPr>
           <a:xfrm>
-            <a:off x="3561525" y="2571750"/>
+            <a:off x="3569145" y="2652482"/>
             <a:ext cx="2160000" cy="2160000"/>
           </a:xfrm>
           <a:prstGeom prst="rect">
@@ -14982,7 +15330,7 @@
         </p:blipFill>
         <p:spPr>
           <a:xfrm>
-            <a:off x="6132656" y="2586303"/>
+            <a:off x="6147896" y="2673118"/>
             <a:ext cx="2160000" cy="2154211"/>
           </a:xfrm>
           <a:prstGeom prst="rect">
@@ -15435,29 +15783,7 @@
                 <a:latin typeface="Times New Roman" panose="02020603050405020304" pitchFamily="18" charset="0"/>
                 <a:cs typeface="Times New Roman" panose="02020603050405020304" pitchFamily="18" charset="0"/>
               </a:rPr>
-              <a:t> Once the system converges to a stable state, the active columns obtained from the SP represent the SDR for the input image. These SDRs are stored in a dictionary with the image file name as the key. The </a:t>
-            </a:r>
-            <a:r>
-              <a:rPr lang="en-US" b="0" i="0" dirty="0" err="1">
-                <a:solidFill>
-                  <a:srgbClr val="ECECEC"/>
-                </a:solidFill>
-                <a:effectLst/>
-                <a:latin typeface="Times New Roman" panose="02020603050405020304" pitchFamily="18" charset="0"/>
-                <a:cs typeface="Times New Roman" panose="02020603050405020304" pitchFamily="18" charset="0"/>
-              </a:rPr>
-              <a:t>activeArray</a:t>
-            </a:r>
-            <a:r>
-              <a:rPr lang="en-US" b="0" i="0" dirty="0">
-                <a:solidFill>
-                  <a:srgbClr val="ECECEC"/>
-                </a:solidFill>
-                <a:effectLst/>
-                <a:latin typeface="Times New Roman" panose="02020603050405020304" pitchFamily="18" charset="0"/>
-                <a:cs typeface="Times New Roman" panose="02020603050405020304" pitchFamily="18" charset="0"/>
-              </a:rPr>
-              <a:t> computed by the spatial pooler is converted into a 2-dimensional array, which is then used as input for bitmap generation.</a:t>
+              <a:t> Once the system converges to a stable state, the active columns obtained from the SP represent the SDR for the input image. These SDRs are stored in a dictionary with the image file name as the key. The activeArray computed by the spatial pooler is converted into a 2-dimensional array, which is then used as input for bitmap generation.</a:t>
             </a:r>
           </a:p>
           <a:p>
@@ -15488,51 +15814,7 @@
                 <a:latin typeface="Times New Roman" panose="02020603050405020304" pitchFamily="18" charset="0"/>
                 <a:cs typeface="Times New Roman" panose="02020603050405020304" pitchFamily="18" charset="0"/>
               </a:rPr>
-              <a:t> The </a:t>
-            </a:r>
-            <a:r>
-              <a:rPr lang="en-US" b="0" i="0" dirty="0" err="1">
-                <a:solidFill>
-                  <a:srgbClr val="ECECEC"/>
-                </a:solidFill>
-                <a:effectLst/>
-                <a:latin typeface="Times New Roman" panose="02020603050405020304" pitchFamily="18" charset="0"/>
-                <a:cs typeface="Times New Roman" panose="02020603050405020304" pitchFamily="18" charset="0"/>
-              </a:rPr>
-              <a:t>DrawBitmaps</a:t>
-            </a:r>
-            <a:r>
-              <a:rPr lang="en-US" b="0" i="0" dirty="0">
-                <a:solidFill>
-                  <a:srgbClr val="ECECEC"/>
-                </a:solidFill>
-                <a:effectLst/>
-                <a:latin typeface="Times New Roman" panose="02020603050405020304" pitchFamily="18" charset="0"/>
-                <a:cs typeface="Times New Roman" panose="02020603050405020304" pitchFamily="18" charset="0"/>
-              </a:rPr>
-              <a:t> function from </a:t>
-            </a:r>
-            <a:r>
-              <a:rPr lang="en-US" b="0" i="0" dirty="0" err="1">
-                <a:solidFill>
-                  <a:srgbClr val="ECECEC"/>
-                </a:solidFill>
-                <a:effectLst/>
-                <a:latin typeface="Times New Roman" panose="02020603050405020304" pitchFamily="18" charset="0"/>
-                <a:cs typeface="Times New Roman" panose="02020603050405020304" pitchFamily="18" charset="0"/>
-              </a:rPr>
-              <a:t>NeoCortexUtils</a:t>
-            </a:r>
-            <a:r>
-              <a:rPr lang="en-US" b="0" i="0" dirty="0">
-                <a:solidFill>
-                  <a:srgbClr val="ECECEC"/>
-                </a:solidFill>
-                <a:effectLst/>
-                <a:latin typeface="Times New Roman" panose="02020603050405020304" pitchFamily="18" charset="0"/>
-                <a:cs typeface="Times New Roman" panose="02020603050405020304" pitchFamily="18" charset="0"/>
-              </a:rPr>
-              <a:t> is employed to construct bitmap representations of the SDRs. This function takes parameters such as arrays, output image file, colors for active and inactive cells, and image dimensions to generate visually interpretable bitmap images showcasing the activation patterns of the SP columns.</a:t>
+              <a:t> The DrawBitmaps function from NeoCortexUtils is employed to construct bitmap representations of the SDRs. This function takes parameters such as arrays, output image file, colors for active and inactive cells, and image dimensions to generate visually interpretable bitmap images showcasing the activation patterns of the SP columns.</a:t>
             </a:r>
           </a:p>
         </p:txBody>
@@ -15944,6 +16226,404 @@
         </p:nvSpPr>
         <p:spPr>
           <a:xfrm>
+            <a:off x="320041" y="308516"/>
+            <a:ext cx="8427720" cy="572700"/>
+          </a:xfrm>
+          <a:prstGeom prst="rect">
+            <a:avLst/>
+          </a:prstGeom>
+        </p:spPr>
+        <p:txBody>
+          <a:bodyPr spcFirstLastPara="1" wrap="square" lIns="91425" tIns="91425" rIns="91425" bIns="91425" anchor="t" anchorCtr="0">
+            <a:noAutofit/>
+          </a:bodyPr>
+          <a:lstStyle/>
+          <a:p>
+            <a:pPr marL="0" lvl="0" indent="0" algn="ctr">
+              <a:buClr>
+                <a:srgbClr val="191919"/>
+              </a:buClr>
+              <a:buSzPts val="5200"/>
+            </a:pPr>
+            <a:r>
+              <a:rPr lang="en-US" sz="2000" dirty="0">
+                <a:latin typeface="Bookman Old Style" panose="02050604050505020204" pitchFamily="18" charset="0"/>
+                <a:ea typeface="Calibri" panose="020F0502020204030204" pitchFamily="34" charset="0"/>
+                <a:cs typeface="Arial" panose="020B0604020202020204" pitchFamily="34" charset="0"/>
+              </a:rPr>
+              <a:t>Example </a:t>
+            </a:r>
+            <a:r>
+              <a:rPr lang="en-DE" sz="2000" dirty="0">
+                <a:latin typeface="Bookman Old Style" panose="02050604050505020204" pitchFamily="18" charset="0"/>
+                <a:ea typeface="Calibri" panose="020F0502020204030204" pitchFamily="34" charset="0"/>
+                <a:cs typeface="Arial" panose="020B0604020202020204" pitchFamily="34" charset="0"/>
+              </a:rPr>
+              <a:t>R</a:t>
+            </a:r>
+            <a:r>
+              <a:rPr lang="en-US" sz="2000" dirty="0">
+                <a:latin typeface="Bookman Old Style" panose="02050604050505020204" pitchFamily="18" charset="0"/>
+                <a:ea typeface="Calibri" panose="020F0502020204030204" pitchFamily="34" charset="0"/>
+                <a:cs typeface="Arial" panose="020B0604020202020204" pitchFamily="34" charset="0"/>
+              </a:rPr>
+              <a:t>epresenting</a:t>
+            </a:r>
+            <a:r>
+              <a:rPr lang="en-DE" sz="2000" dirty="0">
+                <a:latin typeface="Bookman Old Style" panose="02050604050505020204" pitchFamily="18" charset="0"/>
+                <a:ea typeface="Calibri" panose="020F0502020204030204" pitchFamily="34" charset="0"/>
+                <a:cs typeface="Arial" panose="020B0604020202020204" pitchFamily="34" charset="0"/>
+              </a:rPr>
+              <a:t> </a:t>
+            </a:r>
+            <a:r>
+              <a:rPr lang="en-US" sz="2000" dirty="0">
+                <a:latin typeface="Bookman Old Style" panose="02050604050505020204" pitchFamily="18" charset="0"/>
+                <a:ea typeface="Calibri" panose="020F0502020204030204" pitchFamily="34" charset="0"/>
+                <a:cs typeface="Arial" panose="020B0604020202020204" pitchFamily="34" charset="0"/>
+              </a:rPr>
+              <a:t>Overlap(Intersection),Difference and Union for Alphabet L and V in Bitmap after computing in spatial pooler</a:t>
+            </a:r>
+          </a:p>
+        </p:txBody>
+      </p:sp>
+      <p:pic>
+        <p:nvPicPr>
+          <p:cNvPr id="3" name="Picture 2">
+            <a:extLst>
+              <a:ext uri="{FF2B5EF4-FFF2-40B4-BE49-F238E27FC236}">
+                <a16:creationId xmlns:a16="http://schemas.microsoft.com/office/drawing/2014/main" id="{00946D76-A1A4-6DDB-C187-9F88058B8F49}"/>
+              </a:ext>
+            </a:extLst>
+          </p:cNvPr>
+          <p:cNvPicPr>
+            <a:picLocks noChangeAspect="1"/>
+          </p:cNvPicPr>
+          <p:nvPr/>
+        </p:nvPicPr>
+        <p:blipFill>
+          <a:blip r:embed="rId3"/>
+          <a:stretch>
+            <a:fillRect/>
+          </a:stretch>
+        </p:blipFill>
+        <p:spPr>
+          <a:xfrm>
+            <a:off x="3252045" y="2170984"/>
+            <a:ext cx="2792309" cy="2664000"/>
+          </a:xfrm>
+          <a:prstGeom prst="rect">
+            <a:avLst/>
+          </a:prstGeom>
+        </p:spPr>
+      </p:pic>
+      <p:sp>
+        <p:nvSpPr>
+          <p:cNvPr id="8" name="TextBox 7">
+            <a:extLst>
+              <a:ext uri="{FF2B5EF4-FFF2-40B4-BE49-F238E27FC236}">
+                <a16:creationId xmlns:a16="http://schemas.microsoft.com/office/drawing/2014/main" id="{5B370DEE-36A8-AD28-BCFA-49D601397076}"/>
+              </a:ext>
+            </a:extLst>
+          </p:cNvPr>
+          <p:cNvSpPr txBox="1"/>
+          <p:nvPr/>
+        </p:nvSpPr>
+        <p:spPr>
+          <a:xfrm>
+            <a:off x="2842260" y="1753569"/>
+            <a:ext cx="3733800" cy="307777"/>
+          </a:xfrm>
+          <a:prstGeom prst="rect">
+            <a:avLst/>
+          </a:prstGeom>
+          <a:noFill/>
+        </p:spPr>
+        <p:txBody>
+          <a:bodyPr wrap="square" rtlCol="0">
+            <a:spAutoFit/>
+          </a:bodyPr>
+          <a:lstStyle/>
+          <a:p>
+            <a:r>
+              <a:rPr lang="en-US" b="1" dirty="0">
+                <a:solidFill>
+                  <a:srgbClr val="ECECEC"/>
+                </a:solidFill>
+                <a:latin typeface="Times New Roman" panose="02020603050405020304" pitchFamily="18" charset="0"/>
+                <a:cs typeface="Times New Roman" panose="02020603050405020304" pitchFamily="18" charset="0"/>
+              </a:rPr>
+              <a:t>General Bitmap representation of L and </a:t>
+            </a:r>
+            <a:r>
+              <a:rPr lang="en-DE" b="1" dirty="0">
+                <a:solidFill>
+                  <a:srgbClr val="ECECEC"/>
+                </a:solidFill>
+                <a:latin typeface="Times New Roman" panose="02020603050405020304" pitchFamily="18" charset="0"/>
+                <a:cs typeface="Times New Roman" panose="02020603050405020304" pitchFamily="18" charset="0"/>
+              </a:rPr>
+              <a:t>V</a:t>
+            </a:r>
+            <a:endParaRPr lang="en-IN" b="1" dirty="0">
+              <a:solidFill>
+                <a:srgbClr val="ECECEC"/>
+              </a:solidFill>
+              <a:latin typeface="Times New Roman" panose="02020603050405020304" pitchFamily="18" charset="0"/>
+              <a:cs typeface="Times New Roman" panose="02020603050405020304" pitchFamily="18" charset="0"/>
+            </a:endParaRPr>
+          </a:p>
+        </p:txBody>
+      </p:sp>
+    </p:spTree>
+    <p:extLst>
+      <p:ext uri="{BB962C8B-B14F-4D97-AF65-F5344CB8AC3E}">
+        <p14:creationId xmlns:p14="http://schemas.microsoft.com/office/powerpoint/2010/main" val="1751142"/>
+      </p:ext>
+    </p:extLst>
+  </p:cSld>
+  <p:clrMapOvr>
+    <a:masterClrMapping/>
+  </p:clrMapOvr>
+</p:sld>
+</file>
+
+<file path=ppt/slides/slide21.xml><?xml version="1.0" encoding="utf-8"?>
+<p:sld xmlns:a="http://schemas.openxmlformats.org/drawingml/2006/main" xmlns:r="http://schemas.openxmlformats.org/officeDocument/2006/relationships" xmlns:p="http://schemas.openxmlformats.org/presentationml/2006/main">
+  <p:cSld>
+    <p:spTree>
+      <p:nvGrpSpPr>
+        <p:cNvPr id="1" name="Shape 656"/>
+        <p:cNvGrpSpPr/>
+        <p:nvPr/>
+      </p:nvGrpSpPr>
+      <p:grpSpPr>
+        <a:xfrm>
+          <a:off x="0" y="0"/>
+          <a:ext cx="0" cy="0"/>
+          <a:chOff x="0" y="0"/>
+          <a:chExt cx="0" cy="0"/>
+        </a:xfrm>
+      </p:grpSpPr>
+      <p:sp>
+        <p:nvSpPr>
+          <p:cNvPr id="674" name="Google Shape;674;p64"/>
+          <p:cNvSpPr txBox="1">
+            <a:spLocks noGrp="1"/>
+          </p:cNvSpPr>
+          <p:nvPr>
+            <p:ph type="title"/>
+          </p:nvPr>
+        </p:nvSpPr>
+        <p:spPr>
+          <a:xfrm>
+            <a:off x="415856" y="308516"/>
+            <a:ext cx="8328093" cy="572700"/>
+          </a:xfrm>
+          <a:prstGeom prst="rect">
+            <a:avLst/>
+          </a:prstGeom>
+        </p:spPr>
+        <p:txBody>
+          <a:bodyPr spcFirstLastPara="1" wrap="square" lIns="91425" tIns="91425" rIns="91425" bIns="91425" anchor="t" anchorCtr="0">
+            <a:noAutofit/>
+          </a:bodyPr>
+          <a:lstStyle/>
+          <a:p>
+            <a:pPr marL="0" lvl="0" indent="0" algn="ctr">
+              <a:buClr>
+                <a:srgbClr val="191919"/>
+              </a:buClr>
+              <a:buSzPts val="5200"/>
+            </a:pPr>
+            <a:r>
+              <a:rPr lang="en-US" sz="2000" dirty="0">
+                <a:latin typeface="Bookman Old Style" panose="02050604050505020204" pitchFamily="18" charset="0"/>
+                <a:ea typeface="Calibri" panose="020F0502020204030204" pitchFamily="34" charset="0"/>
+                <a:cs typeface="Arial" panose="020B0604020202020204" pitchFamily="34" charset="0"/>
+              </a:rPr>
+              <a:t>Example representing</a:t>
+            </a:r>
+            <a:r>
+              <a:rPr lang="en-DE" sz="2000" dirty="0">
+                <a:latin typeface="Bookman Old Style" panose="02050604050505020204" pitchFamily="18" charset="0"/>
+                <a:ea typeface="Calibri" panose="020F0502020204030204" pitchFamily="34" charset="0"/>
+                <a:cs typeface="Arial" panose="020B0604020202020204" pitchFamily="34" charset="0"/>
+              </a:rPr>
+              <a:t> </a:t>
+            </a:r>
+            <a:r>
+              <a:rPr lang="en-US" sz="2000" dirty="0">
+                <a:latin typeface="Bookman Old Style" panose="02050604050505020204" pitchFamily="18" charset="0"/>
+                <a:ea typeface="Calibri" panose="020F0502020204030204" pitchFamily="34" charset="0"/>
+                <a:cs typeface="Arial" panose="020B0604020202020204" pitchFamily="34" charset="0"/>
+              </a:rPr>
+              <a:t>Overlap(Intersection),Difference and Union for Alphabet L and V in Bitmap after computing in spatial pooler</a:t>
+            </a:r>
+          </a:p>
+        </p:txBody>
+      </p:sp>
+      <p:pic>
+        <p:nvPicPr>
+          <p:cNvPr id="4" name="Picture 3">
+            <a:extLst>
+              <a:ext uri="{FF2B5EF4-FFF2-40B4-BE49-F238E27FC236}">
+                <a16:creationId xmlns:a16="http://schemas.microsoft.com/office/drawing/2014/main" id="{16616628-485F-16DA-9842-C47CD6438B19}"/>
+              </a:ext>
+            </a:extLst>
+          </p:cNvPr>
+          <p:cNvPicPr>
+            <a:picLocks noChangeAspect="1"/>
+          </p:cNvPicPr>
+          <p:nvPr/>
+        </p:nvPicPr>
+        <p:blipFill>
+          <a:blip r:embed="rId3"/>
+          <a:stretch>
+            <a:fillRect/>
+          </a:stretch>
+        </p:blipFill>
+        <p:spPr>
+          <a:xfrm>
+            <a:off x="1565948" y="2724082"/>
+            <a:ext cx="5616427" cy="1867062"/>
+          </a:xfrm>
+          <a:prstGeom prst="rect">
+            <a:avLst/>
+          </a:prstGeom>
+        </p:spPr>
+      </p:pic>
+      <p:sp>
+        <p:nvSpPr>
+          <p:cNvPr id="6" name="TextBox 5">
+            <a:extLst>
+              <a:ext uri="{FF2B5EF4-FFF2-40B4-BE49-F238E27FC236}">
+                <a16:creationId xmlns:a16="http://schemas.microsoft.com/office/drawing/2014/main" id="{F7844D47-E8C9-09D3-52C4-FCCB7C44ACA8}"/>
+              </a:ext>
+            </a:extLst>
+          </p:cNvPr>
+          <p:cNvSpPr txBox="1"/>
+          <p:nvPr/>
+        </p:nvSpPr>
+        <p:spPr>
+          <a:xfrm>
+            <a:off x="1213484" y="2263973"/>
+            <a:ext cx="7320916" cy="307777"/>
+          </a:xfrm>
+          <a:prstGeom prst="rect">
+            <a:avLst/>
+          </a:prstGeom>
+          <a:noFill/>
+        </p:spPr>
+        <p:txBody>
+          <a:bodyPr wrap="square">
+            <a:spAutoFit/>
+          </a:bodyPr>
+          <a:lstStyle/>
+          <a:p>
+            <a:r>
+              <a:rPr lang="en-DE" b="1" dirty="0">
+                <a:solidFill>
+                  <a:srgbClr val="ECECEC"/>
+                </a:solidFill>
+                <a:latin typeface="Times New Roman" panose="02020603050405020304" pitchFamily="18" charset="0"/>
+                <a:cs typeface="Times New Roman" panose="02020603050405020304" pitchFamily="18" charset="0"/>
+              </a:rPr>
+              <a:t>These </a:t>
+            </a:r>
+            <a:r>
+              <a:rPr lang="en-US" b="1" dirty="0">
+                <a:solidFill>
+                  <a:srgbClr val="ECECEC"/>
+                </a:solidFill>
+                <a:latin typeface="Times New Roman" panose="02020603050405020304" pitchFamily="18" charset="0"/>
+                <a:cs typeface="Times New Roman" panose="02020603050405020304" pitchFamily="18" charset="0"/>
+              </a:rPr>
+              <a:t>are the</a:t>
+            </a:r>
+            <a:r>
+              <a:rPr lang="en-DE" b="1" dirty="0">
+                <a:solidFill>
+                  <a:srgbClr val="ECECEC"/>
+                </a:solidFill>
+                <a:latin typeface="Times New Roman" panose="02020603050405020304" pitchFamily="18" charset="0"/>
+                <a:cs typeface="Times New Roman" panose="02020603050405020304" pitchFamily="18" charset="0"/>
+              </a:rPr>
+              <a:t>bitmap</a:t>
+            </a:r>
+            <a:r>
+              <a:rPr lang="en-US" b="1" dirty="0">
+                <a:solidFill>
+                  <a:srgbClr val="ECECEC"/>
+                </a:solidFill>
+                <a:latin typeface="Times New Roman" panose="02020603050405020304" pitchFamily="18" charset="0"/>
+                <a:cs typeface="Times New Roman" panose="02020603050405020304" pitchFamily="18" charset="0"/>
+              </a:rPr>
+              <a:t> represenatation for Overlap, Difference and Union</a:t>
+            </a:r>
+            <a:r>
+              <a:rPr lang="en-DE" b="1" dirty="0">
+                <a:solidFill>
+                  <a:srgbClr val="ECECEC"/>
+                </a:solidFill>
+                <a:latin typeface="Times New Roman" panose="02020603050405020304" pitchFamily="18" charset="0"/>
+                <a:cs typeface="Times New Roman" panose="02020603050405020304" pitchFamily="18" charset="0"/>
+              </a:rPr>
+              <a:t> of SDR of L and V</a:t>
+            </a:r>
+            <a:endParaRPr lang="en-IN" b="1" dirty="0">
+              <a:solidFill>
+                <a:srgbClr val="ECECEC"/>
+              </a:solidFill>
+              <a:latin typeface="Times New Roman" panose="02020603050405020304" pitchFamily="18" charset="0"/>
+              <a:cs typeface="Times New Roman" panose="02020603050405020304" pitchFamily="18" charset="0"/>
+            </a:endParaRPr>
+          </a:p>
+        </p:txBody>
+      </p:sp>
+    </p:spTree>
+    <p:extLst>
+      <p:ext uri="{BB962C8B-B14F-4D97-AF65-F5344CB8AC3E}">
+        <p14:creationId xmlns:p14="http://schemas.microsoft.com/office/powerpoint/2010/main" val="1809353628"/>
+      </p:ext>
+    </p:extLst>
+  </p:cSld>
+  <p:clrMapOvr>
+    <a:masterClrMapping/>
+  </p:clrMapOvr>
+</p:sld>
+</file>
+
+<file path=ppt/slides/slide22.xml><?xml version="1.0" encoding="utf-8"?>
+<p:sld xmlns:a="http://schemas.openxmlformats.org/drawingml/2006/main" xmlns:r="http://schemas.openxmlformats.org/officeDocument/2006/relationships" xmlns:p="http://schemas.openxmlformats.org/presentationml/2006/main">
+  <p:cSld>
+    <p:spTree>
+      <p:nvGrpSpPr>
+        <p:cNvPr id="1" name="Shape 656"/>
+        <p:cNvGrpSpPr/>
+        <p:nvPr/>
+      </p:nvGrpSpPr>
+      <p:grpSpPr>
+        <a:xfrm>
+          <a:off x="0" y="0"/>
+          <a:ext cx="0" cy="0"/>
+          <a:chOff x="0" y="0"/>
+          <a:chExt cx="0" cy="0"/>
+        </a:xfrm>
+      </p:grpSpPr>
+      <p:sp>
+        <p:nvSpPr>
+          <p:cNvPr id="674" name="Google Shape;674;p64"/>
+          <p:cNvSpPr txBox="1">
+            <a:spLocks noGrp="1"/>
+          </p:cNvSpPr>
+          <p:nvPr>
+            <p:ph type="title"/>
+          </p:nvPr>
+        </p:nvSpPr>
+        <p:spPr>
+          <a:xfrm>
             <a:off x="415856" y="308516"/>
             <a:ext cx="8328093" cy="572700"/>
           </a:xfrm>
@@ -15990,8 +16670,8 @@
         </p:nvSpPr>
         <p:spPr bwMode="auto">
           <a:xfrm>
-            <a:off x="415856" y="1096659"/>
-            <a:ext cx="8328093" cy="3539430"/>
+            <a:off x="415856" y="1742990"/>
+            <a:ext cx="8328093" cy="2246769"/>
           </a:xfrm>
           <a:prstGeom prst="rect">
             <a:avLst/>
@@ -16166,7 +16846,7 @@
             </a:lvl9pPr>
           </a:lstStyle>
           <a:p>
-            <a:pPr marL="0" marR="0" lvl="0" indent="0" algn="l" defTabSz="914400" rtl="0" eaLnBrk="0" fontAlgn="base" latinLnBrk="0" hangingPunct="0">
+            <a:pPr marL="285750" marR="0" lvl="0" indent="-285750" algn="l" defTabSz="914400" rtl="0" eaLnBrk="0" fontAlgn="base" latinLnBrk="0" hangingPunct="0">
               <a:lnSpc>
                 <a:spcPct val="100000"/>
               </a:lnSpc>
@@ -16178,8 +16858,8 @@
               </a:spcAft>
               <a:buClrTx/>
               <a:buSzTx/>
-              <a:buFontTx/>
-              <a:buNone/>
+              <a:buFont typeface="Arial" panose="020B0604020202020204" pitchFamily="34" charset="0"/>
+              <a:buChar char="•"/>
               <a:tabLst/>
             </a:pPr>
             <a:r>
@@ -16190,7 +16870,7 @@
                 <a:latin typeface="Times New Roman" panose="02020603050405020304" pitchFamily="18" charset="0"/>
                 <a:cs typeface="Times New Roman" panose="02020603050405020304" pitchFamily="18" charset="0"/>
               </a:rPr>
-              <a:t>In conclusion, our exploration of bitmap representation using various encoders and the Spatial Pooler demonstrates the power of Sparse Distributed Representations (SDRs) in capturing complex data patterns. By leveraging encoders such as Scalar Encoder, DateTime Encoder, and Geospatial Encoder, we efficiently convert continuous scalar values, date and time information, and geospatial data into binary arrays, respectively. These encoded representations are then processed by the Spatial Pooler, trained using HTM principles, to recognize patterns and generate corresponding SDRs. Visualizing these SDRs as bitmaps provides valuable insights into the activation patterns of the SP columns, facilitating pattern recognition and analysis tasks.</a:t>
+              <a:t>Exploration of bitmap representation using encoders and the Spatial Pooler highlights the efficacy of SDRs in capturing intricate data patterns.</a:t>
             </a:r>
             <a:endParaRPr lang="en-DE" altLang="en-US" dirty="0">
               <a:solidFill>
@@ -16201,7 +16881,7 @@
             </a:endParaRPr>
           </a:p>
           <a:p>
-            <a:pPr marL="0" marR="0" lvl="0" indent="0" algn="l" defTabSz="914400" rtl="0" eaLnBrk="0" fontAlgn="base" latinLnBrk="0" hangingPunct="0">
+            <a:pPr marL="285750" marR="0" lvl="0" indent="-285750" algn="l" defTabSz="914400" rtl="0" eaLnBrk="0" fontAlgn="base" latinLnBrk="0" hangingPunct="0">
               <a:lnSpc>
                 <a:spcPct val="100000"/>
               </a:lnSpc>
@@ -16213,11 +16893,21 @@
               </a:spcAft>
               <a:buClrTx/>
               <a:buSzTx/>
-              <a:buFontTx/>
-              <a:buNone/>
+              <a:buFont typeface="Arial" panose="020B0604020202020204" pitchFamily="34" charset="0"/>
+              <a:buChar char="•"/>
               <a:tabLst/>
             </a:pPr>
-            <a:endParaRPr lang="en-US" altLang="en-US" dirty="0">
+            <a:r>
+              <a:rPr lang="en-US" altLang="en-US" dirty="0">
+                <a:solidFill>
+                  <a:srgbClr val="ECECEC"/>
+                </a:solidFill>
+                <a:latin typeface="Times New Roman" panose="02020603050405020304" pitchFamily="18" charset="0"/>
+                <a:cs typeface="Times New Roman" panose="02020603050405020304" pitchFamily="18" charset="0"/>
+              </a:rPr>
+              <a:t>Encoders like Scalar, DateTime, and Geospatial efficiently convert diverse data types into binary arrays for processing by the Spatial Pooler.</a:t>
+            </a:r>
+            <a:endParaRPr lang="en-DE" altLang="en-US" dirty="0">
               <a:solidFill>
                 <a:srgbClr val="ECECEC"/>
               </a:solidFill>
@@ -16226,7 +16916,7 @@
             </a:endParaRPr>
           </a:p>
           <a:p>
-            <a:pPr marL="0" marR="0" lvl="0" indent="0" algn="l" defTabSz="914400" rtl="0" eaLnBrk="0" fontAlgn="base" latinLnBrk="0" hangingPunct="0">
+            <a:pPr marL="285750" marR="0" lvl="0" indent="-285750" algn="l" defTabSz="914400" rtl="0" eaLnBrk="0" fontAlgn="base" latinLnBrk="0" hangingPunct="0">
               <a:lnSpc>
                 <a:spcPct val="100000"/>
               </a:lnSpc>
@@ -16238,8 +16928,8 @@
               </a:spcAft>
               <a:buClrTx/>
               <a:buSzTx/>
-              <a:buFontTx/>
-              <a:buNone/>
+              <a:buFont typeface="Arial" panose="020B0604020202020204" pitchFamily="34" charset="0"/>
+              <a:buChar char="•"/>
               <a:tabLst/>
             </a:pPr>
             <a:r>
@@ -16250,7 +16940,77 @@
                 <a:latin typeface="Times New Roman" panose="02020603050405020304" pitchFamily="18" charset="0"/>
                 <a:cs typeface="Times New Roman" panose="02020603050405020304" pitchFamily="18" charset="0"/>
               </a:rPr>
-              <a:t>Furthermore, our exploration underscores the importance of clear documentation and visualization techniques in understanding and utilizing SDR representations effectively. By improving documentation clarity and utilizing examples, we enhance comprehension and implementation of SDR techniques, thereby fostering innovation and advancement in data representation and analysis domains. As we continue to innovate and explore new encoding techniques, optimization algorithms, and visualization methodologies, we anticipate further advancements in bitmap representation techniques and their applications in diverse fields. Ultimately, the seamless integration of SDRs into emerging technologies promises to push the boundaries of intelligent systems and drive progress across a spectrum of domains.</a:t>
+              <a:t>Visualizing SDRs as bitmaps offers valuable insights into SP column activation patterns, aiding in pattern recognition and analysis tasks.</a:t>
+            </a:r>
+            <a:endParaRPr lang="en-DE" altLang="en-US" dirty="0">
+              <a:solidFill>
+                <a:srgbClr val="ECECEC"/>
+              </a:solidFill>
+              <a:latin typeface="Times New Roman" panose="02020603050405020304" pitchFamily="18" charset="0"/>
+              <a:cs typeface="Times New Roman" panose="02020603050405020304" pitchFamily="18" charset="0"/>
+            </a:endParaRPr>
+          </a:p>
+          <a:p>
+            <a:pPr marL="285750" marR="0" lvl="0" indent="-285750" algn="l" defTabSz="914400" rtl="0" eaLnBrk="0" fontAlgn="base" latinLnBrk="0" hangingPunct="0">
+              <a:lnSpc>
+                <a:spcPct val="100000"/>
+              </a:lnSpc>
+              <a:spcBef>
+                <a:spcPct val="0"/>
+              </a:spcBef>
+              <a:spcAft>
+                <a:spcPct val="0"/>
+              </a:spcAft>
+              <a:buClrTx/>
+              <a:buSzTx/>
+              <a:buFont typeface="Arial" panose="020B0604020202020204" pitchFamily="34" charset="0"/>
+              <a:buChar char="•"/>
+              <a:tabLst/>
+            </a:pPr>
+            <a:r>
+              <a:rPr lang="en-US" altLang="en-US" dirty="0">
+                <a:solidFill>
+                  <a:srgbClr val="ECECEC"/>
+                </a:solidFill>
+                <a:latin typeface="Times New Roman" panose="02020603050405020304" pitchFamily="18" charset="0"/>
+                <a:cs typeface="Times New Roman" panose="02020603050405020304" pitchFamily="18" charset="0"/>
+              </a:rPr>
+              <a:t>Clear documentation and visualization techniques are crucial for understanding and utilizing SDR representations effectively.</a:t>
+            </a:r>
+            <a:endParaRPr lang="en-DE" altLang="en-US" dirty="0">
+              <a:solidFill>
+                <a:srgbClr val="ECECEC"/>
+              </a:solidFill>
+              <a:latin typeface="Times New Roman" panose="02020603050405020304" pitchFamily="18" charset="0"/>
+              <a:cs typeface="Times New Roman" panose="02020603050405020304" pitchFamily="18" charset="0"/>
+            </a:endParaRPr>
+          </a:p>
+          <a:p>
+            <a:pPr marL="285750" marR="0" lvl="0" indent="-285750" algn="l" defTabSz="914400" rtl="0" eaLnBrk="0" fontAlgn="base" latinLnBrk="0" hangingPunct="0">
+              <a:lnSpc>
+                <a:spcPct val="100000"/>
+              </a:lnSpc>
+              <a:spcBef>
+                <a:spcPct val="0"/>
+              </a:spcBef>
+              <a:spcAft>
+                <a:spcPct val="0"/>
+              </a:spcAft>
+              <a:buClrTx/>
+              <a:buSzTx/>
+              <a:buFont typeface="Arial" panose="020B0604020202020204" pitchFamily="34" charset="0"/>
+              <a:buChar char="•"/>
+              <a:tabLst/>
+            </a:pPr>
+            <a:r>
+              <a:rPr lang="en-US" altLang="en-US" dirty="0">
+                <a:solidFill>
+                  <a:srgbClr val="ECECEC"/>
+                </a:solidFill>
+                <a:latin typeface="Times New Roman" panose="02020603050405020304" pitchFamily="18" charset="0"/>
+                <a:cs typeface="Times New Roman" panose="02020603050405020304" pitchFamily="18" charset="0"/>
+              </a:rPr>
+              <a:t>Continued innovation in encoding, optimization, and visualization methods promises further advancements in bitmap representation techniques and their applications across various domains.</a:t>
             </a:r>
           </a:p>
         </p:txBody>
@@ -16268,7 +17028,7 @@
 </p:sld>
 </file>
 
-<file path=ppt/slides/slide21.xml><?xml version="1.0" encoding="utf-8"?>
+<file path=ppt/slides/slide23.xml><?xml version="1.0" encoding="utf-8"?>
 <p:sld xmlns:a="http://schemas.openxmlformats.org/drawingml/2006/main" xmlns:r="http://schemas.openxmlformats.org/officeDocument/2006/relationships" xmlns:p="http://schemas.openxmlformats.org/presentationml/2006/main">
   <p:cSld>
     <p:spTree>
@@ -20234,7 +20994,7 @@
                 <a:latin typeface="Times New Roman" panose="02020603050405020304" pitchFamily="18" charset="0"/>
                 <a:cs typeface="Times New Roman" panose="02020603050405020304" pitchFamily="18" charset="0"/>
               </a:rPr>
-              <a:t>Encoders The DrawBitmap method plays a crucial role in visualizing Sparse Distributed Representations (SDRs) by generating bitmap images from encoded data. This method accepts parameters such as the array of active columns, output width and height, file path for saving the bitmap, colors for inactive and active cells, and optional text to be written with the bitmap</a:t>
+              <a:t>The DrawBitmap method plays a crucial role in visualizing Sparse Distributed Representations (SDRs) by generating bitmap images from encoded data. This method accepts parameters such as the array of active columns, output width and height, file path for saving the bitmap, colors for inactive and active cells, and optional text to be written with the bitmap</a:t>
             </a:r>
             <a:endParaRPr lang="en" sz="500" dirty="0">
               <a:solidFill>
